--- a/使えそうな技術.pptx
+++ b/使えそうな技術.pptx
@@ -14,6 +14,16 @@
     <p:sldId id="259" r:id="rId9"/>
     <p:sldId id="260" r:id="rId10"/>
     <p:sldId id="261" r:id="rId11"/>
+    <p:sldId id="262" r:id="rId12"/>
+    <p:sldId id="263" r:id="rId13"/>
+    <p:sldId id="264" r:id="rId14"/>
+    <p:sldId id="265" r:id="rId15"/>
+    <p:sldId id="266" r:id="rId16"/>
+    <p:sldId id="267" r:id="rId17"/>
+    <p:sldId id="268" r:id="rId18"/>
+    <p:sldId id="269" r:id="rId19"/>
+    <p:sldId id="270" r:id="rId20"/>
+    <p:sldId id="271" r:id="rId21"/>
   </p:sldIdLst>
   <p:sldSz cy="5143500" cx="9144000"/>
   <p:notesSz cx="6858000" cy="9144000"/>
@@ -790,6 +800,699 @@
 </p:notes>
 </file>
 
+<file path=ppt/notesSlides/notesSlide10.xml><?xml version="1.0" encoding="utf-8"?>
+<p:notes xmlns:a="http://schemas.openxmlformats.org/drawingml/2006/main" xmlns:r="http://schemas.openxmlformats.org/officeDocument/2006/relationships" xmlns:mc="http://schemas.openxmlformats.org/markup-compatibility/2006" xmlns:mv="urn:schemas-microsoft-com:mac:vml" xmlns:p="http://schemas.openxmlformats.org/presentationml/2006/main" xmlns:c="http://schemas.openxmlformats.org/drawingml/2006/chart" xmlns:dgm="http://schemas.openxmlformats.org/drawingml/2006/diagram" xmlns:o="urn:schemas-microsoft-com:office:office" xmlns:v="urn:schemas-microsoft-com:vml" xmlns:pvml="urn:schemas-microsoft-com:office:powerpoint" xmlns:com="http://schemas.openxmlformats.org/drawingml/2006/compatibility" xmlns:p14="http://schemas.microsoft.com/office/powerpoint/2010/main" xmlns:p15="http://schemas.microsoft.com/office/powerpoint/2012/main" xmlns:ahyp="http://schemas.microsoft.com/office/drawing/2018/hyperlinkcolor" showMasterPhAnim="0" showMasterSp="0">
+  <p:cSld>
+    <p:spTree>
+      <p:nvGrpSpPr>
+        <p:cNvPr id="104" name="Shape 104"/>
+        <p:cNvGrpSpPr/>
+        <p:nvPr/>
+      </p:nvGrpSpPr>
+      <p:grpSpPr>
+        <a:xfrm>
+          <a:off x="0" y="0"/>
+          <a:ext cx="0" cy="0"/>
+          <a:chOff x="0" y="0"/>
+          <a:chExt cx="0" cy="0"/>
+        </a:xfrm>
+      </p:grpSpPr>
+      <p:sp>
+        <p:nvSpPr>
+          <p:cNvPr id="105" name="Google Shape;105;g94ef807fde_0_60:notes"/>
+          <p:cNvSpPr/>
+          <p:nvPr>
+            <p:ph idx="2" type="sldImg"/>
+          </p:nvPr>
+        </p:nvSpPr>
+        <p:spPr>
+          <a:xfrm>
+            <a:off x="381300" y="685800"/>
+            <a:ext cx="6096000" cy="3429000"/>
+          </a:xfrm>
+          <a:custGeom>
+            <a:rect b="b" l="l" r="r" t="t"/>
+            <a:pathLst>
+              <a:path extrusionOk="0" h="120000" w="120000">
+                <a:moveTo>
+                  <a:pt x="0" y="0"/>
+                </a:moveTo>
+                <a:lnTo>
+                  <a:pt x="120000" y="0"/>
+                </a:lnTo>
+                <a:lnTo>
+                  <a:pt x="120000" y="120000"/>
+                </a:lnTo>
+                <a:lnTo>
+                  <a:pt x="0" y="120000"/>
+                </a:lnTo>
+                <a:close/>
+              </a:path>
+            </a:pathLst>
+          </a:custGeom>
+        </p:spPr>
+      </p:sp>
+      <p:sp>
+        <p:nvSpPr>
+          <p:cNvPr id="106" name="Google Shape;106;g94ef807fde_0_60:notes"/>
+          <p:cNvSpPr txBox="1"/>
+          <p:nvPr>
+            <p:ph idx="1" type="body"/>
+          </p:nvPr>
+        </p:nvSpPr>
+        <p:spPr>
+          <a:xfrm>
+            <a:off x="685800" y="4343400"/>
+            <a:ext cx="5486400" cy="4114800"/>
+          </a:xfrm>
+          <a:prstGeom prst="rect">
+            <a:avLst/>
+          </a:prstGeom>
+        </p:spPr>
+        <p:txBody>
+          <a:bodyPr anchorCtr="0" anchor="t" bIns="91425" lIns="91425" spcFirstLastPara="1" rIns="91425" wrap="square" tIns="91425">
+            <a:noAutofit/>
+          </a:bodyPr>
+          <a:lstStyle/>
+          <a:p>
+            <a:pPr indent="0" lvl="0" marL="0" rtl="0" algn="l">
+              <a:spcBef>
+                <a:spcPts val="0"/>
+              </a:spcBef>
+              <a:spcAft>
+                <a:spcPts val="0"/>
+              </a:spcAft>
+              <a:buNone/>
+            </a:pPr>
+            <a:r>
+              <a:t/>
+            </a:r>
+            <a:endParaRPr/>
+          </a:p>
+        </p:txBody>
+      </p:sp>
+    </p:spTree>
+  </p:cSld>
+  <p:clrMapOvr>
+    <a:masterClrMapping/>
+  </p:clrMapOvr>
+</p:notes>
+</file>
+
+<file path=ppt/notesSlides/notesSlide11.xml><?xml version="1.0" encoding="utf-8"?>
+<p:notes xmlns:a="http://schemas.openxmlformats.org/drawingml/2006/main" xmlns:r="http://schemas.openxmlformats.org/officeDocument/2006/relationships" xmlns:mc="http://schemas.openxmlformats.org/markup-compatibility/2006" xmlns:mv="urn:schemas-microsoft-com:mac:vml" xmlns:p="http://schemas.openxmlformats.org/presentationml/2006/main" xmlns:c="http://schemas.openxmlformats.org/drawingml/2006/chart" xmlns:dgm="http://schemas.openxmlformats.org/drawingml/2006/diagram" xmlns:o="urn:schemas-microsoft-com:office:office" xmlns:v="urn:schemas-microsoft-com:vml" xmlns:pvml="urn:schemas-microsoft-com:office:powerpoint" xmlns:com="http://schemas.openxmlformats.org/drawingml/2006/compatibility" xmlns:p14="http://schemas.microsoft.com/office/powerpoint/2010/main" xmlns:p15="http://schemas.microsoft.com/office/powerpoint/2012/main" xmlns:ahyp="http://schemas.microsoft.com/office/drawing/2018/hyperlinkcolor" showMasterPhAnim="0" showMasterSp="0">
+  <p:cSld>
+    <p:spTree>
+      <p:nvGrpSpPr>
+        <p:cNvPr id="110" name="Shape 110"/>
+        <p:cNvGrpSpPr/>
+        <p:nvPr/>
+      </p:nvGrpSpPr>
+      <p:grpSpPr>
+        <a:xfrm>
+          <a:off x="0" y="0"/>
+          <a:ext cx="0" cy="0"/>
+          <a:chOff x="0" y="0"/>
+          <a:chExt cx="0" cy="0"/>
+        </a:xfrm>
+      </p:grpSpPr>
+      <p:sp>
+        <p:nvSpPr>
+          <p:cNvPr id="111" name="Google Shape;111;g94ef807fde_0_11:notes"/>
+          <p:cNvSpPr/>
+          <p:nvPr>
+            <p:ph idx="2" type="sldImg"/>
+          </p:nvPr>
+        </p:nvSpPr>
+        <p:spPr>
+          <a:xfrm>
+            <a:off x="381300" y="685800"/>
+            <a:ext cx="6096000" cy="3429000"/>
+          </a:xfrm>
+          <a:custGeom>
+            <a:rect b="b" l="l" r="r" t="t"/>
+            <a:pathLst>
+              <a:path extrusionOk="0" h="120000" w="120000">
+                <a:moveTo>
+                  <a:pt x="0" y="0"/>
+                </a:moveTo>
+                <a:lnTo>
+                  <a:pt x="120000" y="0"/>
+                </a:lnTo>
+                <a:lnTo>
+                  <a:pt x="120000" y="120000"/>
+                </a:lnTo>
+                <a:lnTo>
+                  <a:pt x="0" y="120000"/>
+                </a:lnTo>
+                <a:close/>
+              </a:path>
+            </a:pathLst>
+          </a:custGeom>
+        </p:spPr>
+      </p:sp>
+      <p:sp>
+        <p:nvSpPr>
+          <p:cNvPr id="112" name="Google Shape;112;g94ef807fde_0_11:notes"/>
+          <p:cNvSpPr txBox="1"/>
+          <p:nvPr>
+            <p:ph idx="1" type="body"/>
+          </p:nvPr>
+        </p:nvSpPr>
+        <p:spPr>
+          <a:xfrm>
+            <a:off x="685800" y="4343400"/>
+            <a:ext cx="5486400" cy="4114800"/>
+          </a:xfrm>
+          <a:prstGeom prst="rect">
+            <a:avLst/>
+          </a:prstGeom>
+        </p:spPr>
+        <p:txBody>
+          <a:bodyPr anchorCtr="0" anchor="t" bIns="91425" lIns="91425" spcFirstLastPara="1" rIns="91425" wrap="square" tIns="91425">
+            <a:noAutofit/>
+          </a:bodyPr>
+          <a:lstStyle/>
+          <a:p>
+            <a:pPr indent="0" lvl="0" marL="0" rtl="0" algn="l">
+              <a:spcBef>
+                <a:spcPts val="0"/>
+              </a:spcBef>
+              <a:spcAft>
+                <a:spcPts val="0"/>
+              </a:spcAft>
+              <a:buNone/>
+            </a:pPr>
+            <a:r>
+              <a:t/>
+            </a:r>
+            <a:endParaRPr/>
+          </a:p>
+        </p:txBody>
+      </p:sp>
+    </p:spTree>
+  </p:cSld>
+  <p:clrMapOvr>
+    <a:masterClrMapping/>
+  </p:clrMapOvr>
+</p:notes>
+</file>
+
+<file path=ppt/notesSlides/notesSlide12.xml><?xml version="1.0" encoding="utf-8"?>
+<p:notes xmlns:a="http://schemas.openxmlformats.org/drawingml/2006/main" xmlns:r="http://schemas.openxmlformats.org/officeDocument/2006/relationships" xmlns:mc="http://schemas.openxmlformats.org/markup-compatibility/2006" xmlns:mv="urn:schemas-microsoft-com:mac:vml" xmlns:p="http://schemas.openxmlformats.org/presentationml/2006/main" xmlns:c="http://schemas.openxmlformats.org/drawingml/2006/chart" xmlns:dgm="http://schemas.openxmlformats.org/drawingml/2006/diagram" xmlns:o="urn:schemas-microsoft-com:office:office" xmlns:v="urn:schemas-microsoft-com:vml" xmlns:pvml="urn:schemas-microsoft-com:office:powerpoint" xmlns:com="http://schemas.openxmlformats.org/drawingml/2006/compatibility" xmlns:p14="http://schemas.microsoft.com/office/powerpoint/2010/main" xmlns:p15="http://schemas.microsoft.com/office/powerpoint/2012/main" xmlns:ahyp="http://schemas.microsoft.com/office/drawing/2018/hyperlinkcolor" showMasterPhAnim="0" showMasterSp="0">
+  <p:cSld>
+    <p:spTree>
+      <p:nvGrpSpPr>
+        <p:cNvPr id="115" name="Shape 115"/>
+        <p:cNvGrpSpPr/>
+        <p:nvPr/>
+      </p:nvGrpSpPr>
+      <p:grpSpPr>
+        <a:xfrm>
+          <a:off x="0" y="0"/>
+          <a:ext cx="0" cy="0"/>
+          <a:chOff x="0" y="0"/>
+          <a:chExt cx="0" cy="0"/>
+        </a:xfrm>
+      </p:grpSpPr>
+      <p:sp>
+        <p:nvSpPr>
+          <p:cNvPr id="116" name="Google Shape;116;g94ef807fde_0_16:notes"/>
+          <p:cNvSpPr/>
+          <p:nvPr>
+            <p:ph idx="2" type="sldImg"/>
+          </p:nvPr>
+        </p:nvSpPr>
+        <p:spPr>
+          <a:xfrm>
+            <a:off x="381300" y="685800"/>
+            <a:ext cx="6096000" cy="3429000"/>
+          </a:xfrm>
+          <a:custGeom>
+            <a:rect b="b" l="l" r="r" t="t"/>
+            <a:pathLst>
+              <a:path extrusionOk="0" h="120000" w="120000">
+                <a:moveTo>
+                  <a:pt x="0" y="0"/>
+                </a:moveTo>
+                <a:lnTo>
+                  <a:pt x="120000" y="0"/>
+                </a:lnTo>
+                <a:lnTo>
+                  <a:pt x="120000" y="120000"/>
+                </a:lnTo>
+                <a:lnTo>
+                  <a:pt x="0" y="120000"/>
+                </a:lnTo>
+                <a:close/>
+              </a:path>
+            </a:pathLst>
+          </a:custGeom>
+        </p:spPr>
+      </p:sp>
+      <p:sp>
+        <p:nvSpPr>
+          <p:cNvPr id="117" name="Google Shape;117;g94ef807fde_0_16:notes"/>
+          <p:cNvSpPr txBox="1"/>
+          <p:nvPr>
+            <p:ph idx="1" type="body"/>
+          </p:nvPr>
+        </p:nvSpPr>
+        <p:spPr>
+          <a:xfrm>
+            <a:off x="685800" y="4343400"/>
+            <a:ext cx="5486400" cy="4114800"/>
+          </a:xfrm>
+          <a:prstGeom prst="rect">
+            <a:avLst/>
+          </a:prstGeom>
+        </p:spPr>
+        <p:txBody>
+          <a:bodyPr anchorCtr="0" anchor="t" bIns="91425" lIns="91425" spcFirstLastPara="1" rIns="91425" wrap="square" tIns="91425">
+            <a:noAutofit/>
+          </a:bodyPr>
+          <a:lstStyle/>
+          <a:p>
+            <a:pPr indent="0" lvl="0" marL="0" rtl="0" algn="l">
+              <a:spcBef>
+                <a:spcPts val="0"/>
+              </a:spcBef>
+              <a:spcAft>
+                <a:spcPts val="0"/>
+              </a:spcAft>
+              <a:buNone/>
+            </a:pPr>
+            <a:r>
+              <a:t/>
+            </a:r>
+            <a:endParaRPr/>
+          </a:p>
+        </p:txBody>
+      </p:sp>
+    </p:spTree>
+  </p:cSld>
+  <p:clrMapOvr>
+    <a:masterClrMapping/>
+  </p:clrMapOvr>
+</p:notes>
+</file>
+
+<file path=ppt/notesSlides/notesSlide13.xml><?xml version="1.0" encoding="utf-8"?>
+<p:notes xmlns:a="http://schemas.openxmlformats.org/drawingml/2006/main" xmlns:r="http://schemas.openxmlformats.org/officeDocument/2006/relationships" xmlns:mc="http://schemas.openxmlformats.org/markup-compatibility/2006" xmlns:mv="urn:schemas-microsoft-com:mac:vml" xmlns:p="http://schemas.openxmlformats.org/presentationml/2006/main" xmlns:c="http://schemas.openxmlformats.org/drawingml/2006/chart" xmlns:dgm="http://schemas.openxmlformats.org/drawingml/2006/diagram" xmlns:o="urn:schemas-microsoft-com:office:office" xmlns:v="urn:schemas-microsoft-com:vml" xmlns:pvml="urn:schemas-microsoft-com:office:powerpoint" xmlns:com="http://schemas.openxmlformats.org/drawingml/2006/compatibility" xmlns:p14="http://schemas.microsoft.com/office/powerpoint/2010/main" xmlns:p15="http://schemas.microsoft.com/office/powerpoint/2012/main" xmlns:ahyp="http://schemas.microsoft.com/office/drawing/2018/hyperlinkcolor" showMasterPhAnim="0" showMasterSp="0">
+  <p:cSld>
+    <p:spTree>
+      <p:nvGrpSpPr>
+        <p:cNvPr id="122" name="Shape 122"/>
+        <p:cNvGrpSpPr/>
+        <p:nvPr/>
+      </p:nvGrpSpPr>
+      <p:grpSpPr>
+        <a:xfrm>
+          <a:off x="0" y="0"/>
+          <a:ext cx="0" cy="0"/>
+          <a:chOff x="0" y="0"/>
+          <a:chExt cx="0" cy="0"/>
+        </a:xfrm>
+      </p:grpSpPr>
+      <p:sp>
+        <p:nvSpPr>
+          <p:cNvPr id="123" name="Google Shape;123;g94ef807fde_0_47:notes"/>
+          <p:cNvSpPr/>
+          <p:nvPr>
+            <p:ph idx="2" type="sldImg"/>
+          </p:nvPr>
+        </p:nvSpPr>
+        <p:spPr>
+          <a:xfrm>
+            <a:off x="381300" y="685800"/>
+            <a:ext cx="6096000" cy="3429000"/>
+          </a:xfrm>
+          <a:custGeom>
+            <a:rect b="b" l="l" r="r" t="t"/>
+            <a:pathLst>
+              <a:path extrusionOk="0" h="120000" w="120000">
+                <a:moveTo>
+                  <a:pt x="0" y="0"/>
+                </a:moveTo>
+                <a:lnTo>
+                  <a:pt x="120000" y="0"/>
+                </a:lnTo>
+                <a:lnTo>
+                  <a:pt x="120000" y="120000"/>
+                </a:lnTo>
+                <a:lnTo>
+                  <a:pt x="0" y="120000"/>
+                </a:lnTo>
+                <a:close/>
+              </a:path>
+            </a:pathLst>
+          </a:custGeom>
+        </p:spPr>
+      </p:sp>
+      <p:sp>
+        <p:nvSpPr>
+          <p:cNvPr id="124" name="Google Shape;124;g94ef807fde_0_47:notes"/>
+          <p:cNvSpPr txBox="1"/>
+          <p:nvPr>
+            <p:ph idx="1" type="body"/>
+          </p:nvPr>
+        </p:nvSpPr>
+        <p:spPr>
+          <a:xfrm>
+            <a:off x="685800" y="4343400"/>
+            <a:ext cx="5486400" cy="4114800"/>
+          </a:xfrm>
+          <a:prstGeom prst="rect">
+            <a:avLst/>
+          </a:prstGeom>
+        </p:spPr>
+        <p:txBody>
+          <a:bodyPr anchorCtr="0" anchor="t" bIns="91425" lIns="91425" spcFirstLastPara="1" rIns="91425" wrap="square" tIns="91425">
+            <a:noAutofit/>
+          </a:bodyPr>
+          <a:lstStyle/>
+          <a:p>
+            <a:pPr indent="0" lvl="0" marL="0" rtl="0" algn="l">
+              <a:spcBef>
+                <a:spcPts val="0"/>
+              </a:spcBef>
+              <a:spcAft>
+                <a:spcPts val="0"/>
+              </a:spcAft>
+              <a:buNone/>
+            </a:pPr>
+            <a:r>
+              <a:t/>
+            </a:r>
+            <a:endParaRPr/>
+          </a:p>
+        </p:txBody>
+      </p:sp>
+    </p:spTree>
+  </p:cSld>
+  <p:clrMapOvr>
+    <a:masterClrMapping/>
+  </p:clrMapOvr>
+</p:notes>
+</file>
+
+<file path=ppt/notesSlides/notesSlide14.xml><?xml version="1.0" encoding="utf-8"?>
+<p:notes xmlns:a="http://schemas.openxmlformats.org/drawingml/2006/main" xmlns:r="http://schemas.openxmlformats.org/officeDocument/2006/relationships" xmlns:mc="http://schemas.openxmlformats.org/markup-compatibility/2006" xmlns:mv="urn:schemas-microsoft-com:mac:vml" xmlns:p="http://schemas.openxmlformats.org/presentationml/2006/main" xmlns:c="http://schemas.openxmlformats.org/drawingml/2006/chart" xmlns:dgm="http://schemas.openxmlformats.org/drawingml/2006/diagram" xmlns:o="urn:schemas-microsoft-com:office:office" xmlns:v="urn:schemas-microsoft-com:vml" xmlns:pvml="urn:schemas-microsoft-com:office:powerpoint" xmlns:com="http://schemas.openxmlformats.org/drawingml/2006/compatibility" xmlns:p14="http://schemas.microsoft.com/office/powerpoint/2010/main" xmlns:p15="http://schemas.microsoft.com/office/powerpoint/2012/main" xmlns:ahyp="http://schemas.microsoft.com/office/drawing/2018/hyperlinkcolor" showMasterPhAnim="0" showMasterSp="0">
+  <p:cSld>
+    <p:spTree>
+      <p:nvGrpSpPr>
+        <p:cNvPr id="129" name="Shape 129"/>
+        <p:cNvGrpSpPr/>
+        <p:nvPr/>
+      </p:nvGrpSpPr>
+      <p:grpSpPr>
+        <a:xfrm>
+          <a:off x="0" y="0"/>
+          <a:ext cx="0" cy="0"/>
+          <a:chOff x="0" y="0"/>
+          <a:chExt cx="0" cy="0"/>
+        </a:xfrm>
+      </p:grpSpPr>
+      <p:sp>
+        <p:nvSpPr>
+          <p:cNvPr id="130" name="Google Shape;130;g92fd9356b3_0_23:notes"/>
+          <p:cNvSpPr/>
+          <p:nvPr>
+            <p:ph idx="2" type="sldImg"/>
+          </p:nvPr>
+        </p:nvSpPr>
+        <p:spPr>
+          <a:xfrm>
+            <a:off x="381300" y="685800"/>
+            <a:ext cx="6096000" cy="3429000"/>
+          </a:xfrm>
+          <a:custGeom>
+            <a:rect b="b" l="l" r="r" t="t"/>
+            <a:pathLst>
+              <a:path extrusionOk="0" h="120000" w="120000">
+                <a:moveTo>
+                  <a:pt x="0" y="0"/>
+                </a:moveTo>
+                <a:lnTo>
+                  <a:pt x="120000" y="0"/>
+                </a:lnTo>
+                <a:lnTo>
+                  <a:pt x="120000" y="120000"/>
+                </a:lnTo>
+                <a:lnTo>
+                  <a:pt x="0" y="120000"/>
+                </a:lnTo>
+                <a:close/>
+              </a:path>
+            </a:pathLst>
+          </a:custGeom>
+        </p:spPr>
+      </p:sp>
+      <p:sp>
+        <p:nvSpPr>
+          <p:cNvPr id="131" name="Google Shape;131;g92fd9356b3_0_23:notes"/>
+          <p:cNvSpPr txBox="1"/>
+          <p:nvPr>
+            <p:ph idx="1" type="body"/>
+          </p:nvPr>
+        </p:nvSpPr>
+        <p:spPr>
+          <a:xfrm>
+            <a:off x="685800" y="4343400"/>
+            <a:ext cx="5486400" cy="4114800"/>
+          </a:xfrm>
+          <a:prstGeom prst="rect">
+            <a:avLst/>
+          </a:prstGeom>
+        </p:spPr>
+        <p:txBody>
+          <a:bodyPr anchorCtr="0" anchor="t" bIns="91425" lIns="91425" spcFirstLastPara="1" rIns="91425" wrap="square" tIns="91425">
+            <a:noAutofit/>
+          </a:bodyPr>
+          <a:lstStyle/>
+          <a:p>
+            <a:pPr indent="0" lvl="0" marL="0" rtl="0" algn="l">
+              <a:spcBef>
+                <a:spcPts val="0"/>
+              </a:spcBef>
+              <a:spcAft>
+                <a:spcPts val="0"/>
+              </a:spcAft>
+              <a:buNone/>
+            </a:pPr>
+            <a:r>
+              <a:t/>
+            </a:r>
+            <a:endParaRPr/>
+          </a:p>
+        </p:txBody>
+      </p:sp>
+    </p:spTree>
+  </p:cSld>
+  <p:clrMapOvr>
+    <a:masterClrMapping/>
+  </p:clrMapOvr>
+</p:notes>
+</file>
+
+<file path=ppt/notesSlides/notesSlide15.xml><?xml version="1.0" encoding="utf-8"?>
+<p:notes xmlns:a="http://schemas.openxmlformats.org/drawingml/2006/main" xmlns:r="http://schemas.openxmlformats.org/officeDocument/2006/relationships" xmlns:mc="http://schemas.openxmlformats.org/markup-compatibility/2006" xmlns:mv="urn:schemas-microsoft-com:mac:vml" xmlns:p="http://schemas.openxmlformats.org/presentationml/2006/main" xmlns:c="http://schemas.openxmlformats.org/drawingml/2006/chart" xmlns:dgm="http://schemas.openxmlformats.org/drawingml/2006/diagram" xmlns:o="urn:schemas-microsoft-com:office:office" xmlns:v="urn:schemas-microsoft-com:vml" xmlns:pvml="urn:schemas-microsoft-com:office:powerpoint" xmlns:com="http://schemas.openxmlformats.org/drawingml/2006/compatibility" xmlns:p14="http://schemas.microsoft.com/office/powerpoint/2010/main" xmlns:p15="http://schemas.microsoft.com/office/powerpoint/2012/main" xmlns:ahyp="http://schemas.microsoft.com/office/drawing/2018/hyperlinkcolor" showMasterPhAnim="0" showMasterSp="0">
+  <p:cSld>
+    <p:spTree>
+      <p:nvGrpSpPr>
+        <p:cNvPr id="135" name="Shape 135"/>
+        <p:cNvGrpSpPr/>
+        <p:nvPr/>
+      </p:nvGrpSpPr>
+      <p:grpSpPr>
+        <a:xfrm>
+          <a:off x="0" y="0"/>
+          <a:ext cx="0" cy="0"/>
+          <a:chOff x="0" y="0"/>
+          <a:chExt cx="0" cy="0"/>
+        </a:xfrm>
+      </p:grpSpPr>
+      <p:sp>
+        <p:nvSpPr>
+          <p:cNvPr id="136" name="Google Shape;136;g92fd9356b3_0_5:notes"/>
+          <p:cNvSpPr/>
+          <p:nvPr>
+            <p:ph idx="2" type="sldImg"/>
+          </p:nvPr>
+        </p:nvSpPr>
+        <p:spPr>
+          <a:xfrm>
+            <a:off x="381300" y="685800"/>
+            <a:ext cx="6096000" cy="3429000"/>
+          </a:xfrm>
+          <a:custGeom>
+            <a:rect b="b" l="l" r="r" t="t"/>
+            <a:pathLst>
+              <a:path extrusionOk="0" h="120000" w="120000">
+                <a:moveTo>
+                  <a:pt x="0" y="0"/>
+                </a:moveTo>
+                <a:lnTo>
+                  <a:pt x="120000" y="0"/>
+                </a:lnTo>
+                <a:lnTo>
+                  <a:pt x="120000" y="120000"/>
+                </a:lnTo>
+                <a:lnTo>
+                  <a:pt x="0" y="120000"/>
+                </a:lnTo>
+                <a:close/>
+              </a:path>
+            </a:pathLst>
+          </a:custGeom>
+        </p:spPr>
+      </p:sp>
+      <p:sp>
+        <p:nvSpPr>
+          <p:cNvPr id="137" name="Google Shape;137;g92fd9356b3_0_5:notes"/>
+          <p:cNvSpPr txBox="1"/>
+          <p:nvPr>
+            <p:ph idx="1" type="body"/>
+          </p:nvPr>
+        </p:nvSpPr>
+        <p:spPr>
+          <a:xfrm>
+            <a:off x="685800" y="4343400"/>
+            <a:ext cx="5486400" cy="4114800"/>
+          </a:xfrm>
+          <a:prstGeom prst="rect">
+            <a:avLst/>
+          </a:prstGeom>
+        </p:spPr>
+        <p:txBody>
+          <a:bodyPr anchorCtr="0" anchor="t" bIns="91425" lIns="91425" spcFirstLastPara="1" rIns="91425" wrap="square" tIns="91425">
+            <a:noAutofit/>
+          </a:bodyPr>
+          <a:lstStyle/>
+          <a:p>
+            <a:pPr indent="0" lvl="0" marL="0" rtl="0" algn="l">
+              <a:spcBef>
+                <a:spcPts val="0"/>
+              </a:spcBef>
+              <a:spcAft>
+                <a:spcPts val="0"/>
+              </a:spcAft>
+              <a:buNone/>
+            </a:pPr>
+            <a:r>
+              <a:t/>
+            </a:r>
+            <a:endParaRPr/>
+          </a:p>
+        </p:txBody>
+      </p:sp>
+    </p:spTree>
+  </p:cSld>
+  <p:clrMapOvr>
+    <a:masterClrMapping/>
+  </p:clrMapOvr>
+</p:notes>
+</file>
+
+<file path=ppt/notesSlides/notesSlide16.xml><?xml version="1.0" encoding="utf-8"?>
+<p:notes xmlns:a="http://schemas.openxmlformats.org/drawingml/2006/main" xmlns:r="http://schemas.openxmlformats.org/officeDocument/2006/relationships" xmlns:mc="http://schemas.openxmlformats.org/markup-compatibility/2006" xmlns:mv="urn:schemas-microsoft-com:mac:vml" xmlns:p="http://schemas.openxmlformats.org/presentationml/2006/main" xmlns:c="http://schemas.openxmlformats.org/drawingml/2006/chart" xmlns:dgm="http://schemas.openxmlformats.org/drawingml/2006/diagram" xmlns:o="urn:schemas-microsoft-com:office:office" xmlns:v="urn:schemas-microsoft-com:vml" xmlns:pvml="urn:schemas-microsoft-com:office:powerpoint" xmlns:com="http://schemas.openxmlformats.org/drawingml/2006/compatibility" xmlns:p14="http://schemas.microsoft.com/office/powerpoint/2010/main" xmlns:p15="http://schemas.microsoft.com/office/powerpoint/2012/main" xmlns:ahyp="http://schemas.microsoft.com/office/drawing/2018/hyperlinkcolor" showMasterPhAnim="0" showMasterSp="0">
+  <p:cSld>
+    <p:spTree>
+      <p:nvGrpSpPr>
+        <p:cNvPr id="141" name="Shape 141"/>
+        <p:cNvGrpSpPr/>
+        <p:nvPr/>
+      </p:nvGrpSpPr>
+      <p:grpSpPr>
+        <a:xfrm>
+          <a:off x="0" y="0"/>
+          <a:ext cx="0" cy="0"/>
+          <a:chOff x="0" y="0"/>
+          <a:chExt cx="0" cy="0"/>
+        </a:xfrm>
+      </p:grpSpPr>
+      <p:sp>
+        <p:nvSpPr>
+          <p:cNvPr id="142" name="Google Shape;142;g92fd9356b3_0_13:notes"/>
+          <p:cNvSpPr/>
+          <p:nvPr>
+            <p:ph idx="2" type="sldImg"/>
+          </p:nvPr>
+        </p:nvSpPr>
+        <p:spPr>
+          <a:xfrm>
+            <a:off x="381300" y="685800"/>
+            <a:ext cx="6096000" cy="3429000"/>
+          </a:xfrm>
+          <a:custGeom>
+            <a:rect b="b" l="l" r="r" t="t"/>
+            <a:pathLst>
+              <a:path extrusionOk="0" h="120000" w="120000">
+                <a:moveTo>
+                  <a:pt x="0" y="0"/>
+                </a:moveTo>
+                <a:lnTo>
+                  <a:pt x="120000" y="0"/>
+                </a:lnTo>
+                <a:lnTo>
+                  <a:pt x="120000" y="120000"/>
+                </a:lnTo>
+                <a:lnTo>
+                  <a:pt x="0" y="120000"/>
+                </a:lnTo>
+                <a:close/>
+              </a:path>
+            </a:pathLst>
+          </a:custGeom>
+        </p:spPr>
+      </p:sp>
+      <p:sp>
+        <p:nvSpPr>
+          <p:cNvPr id="143" name="Google Shape;143;g92fd9356b3_0_13:notes"/>
+          <p:cNvSpPr txBox="1"/>
+          <p:nvPr>
+            <p:ph idx="1" type="body"/>
+          </p:nvPr>
+        </p:nvSpPr>
+        <p:spPr>
+          <a:xfrm>
+            <a:off x="685800" y="4343400"/>
+            <a:ext cx="5486400" cy="4114800"/>
+          </a:xfrm>
+          <a:prstGeom prst="rect">
+            <a:avLst/>
+          </a:prstGeom>
+        </p:spPr>
+        <p:txBody>
+          <a:bodyPr anchorCtr="0" anchor="t" bIns="91425" lIns="91425" spcFirstLastPara="1" rIns="91425" wrap="square" tIns="91425">
+            <a:noAutofit/>
+          </a:bodyPr>
+          <a:lstStyle/>
+          <a:p>
+            <a:pPr indent="0" lvl="0" marL="0" rtl="0" algn="l">
+              <a:spcBef>
+                <a:spcPts val="0"/>
+              </a:spcBef>
+              <a:spcAft>
+                <a:spcPts val="0"/>
+              </a:spcAft>
+              <a:buNone/>
+            </a:pPr>
+            <a:r>
+              <a:t/>
+            </a:r>
+            <a:endParaRPr/>
+          </a:p>
+        </p:txBody>
+      </p:sp>
+    </p:spTree>
+  </p:cSld>
+  <p:clrMapOvr>
+    <a:masterClrMapping/>
+  </p:clrMapOvr>
+</p:notes>
+</file>
+
 <file path=ppt/notesSlides/notesSlide2.xml><?xml version="1.0" encoding="utf-8"?>
 <p:notes xmlns:a="http://schemas.openxmlformats.org/drawingml/2006/main" xmlns:r="http://schemas.openxmlformats.org/officeDocument/2006/relationships" xmlns:mc="http://schemas.openxmlformats.org/markup-compatibility/2006" xmlns:mv="urn:schemas-microsoft-com:mac:vml" xmlns:p="http://schemas.openxmlformats.org/presentationml/2006/main" xmlns:c="http://schemas.openxmlformats.org/drawingml/2006/chart" xmlns:dgm="http://schemas.openxmlformats.org/drawingml/2006/diagram" xmlns:o="urn:schemas-microsoft-com:office:office" xmlns:v="urn:schemas-microsoft-com:vml" xmlns:pvml="urn:schemas-microsoft-com:office:powerpoint" xmlns:com="http://schemas.openxmlformats.org/drawingml/2006/compatibility" xmlns:p14="http://schemas.microsoft.com/office/powerpoint/2010/main" xmlns:p15="http://schemas.microsoft.com/office/powerpoint/2012/main" xmlns:ahyp="http://schemas.microsoft.com/office/drawing/2018/hyperlinkcolor" showMasterPhAnim="0" showMasterSp="0">
   <p:cSld>
@@ -1007,7 +1710,7 @@
       </p:grpSpPr>
       <p:sp>
         <p:nvSpPr>
-          <p:cNvPr id="69" name="Google Shape;69;g92fd9356b3_0_23:notes"/>
+          <p:cNvPr id="69" name="Google Shape;69;g94ef807fde_0_0:notes"/>
           <p:cNvSpPr/>
           <p:nvPr>
             <p:ph idx="2" type="sldImg"/>
@@ -1042,7 +1745,7 @@
       </p:sp>
       <p:sp>
         <p:nvSpPr>
-          <p:cNvPr id="70" name="Google Shape;70;g92fd9356b3_0_23:notes"/>
+          <p:cNvPr id="70" name="Google Shape;70;g94ef807fde_0_0:notes"/>
           <p:cNvSpPr txBox="1"/>
           <p:nvPr>
             <p:ph idx="1" type="body"/>
@@ -1106,7 +1809,7 @@
       </p:grpSpPr>
       <p:sp>
         <p:nvSpPr>
-          <p:cNvPr id="75" name="Google Shape;75;g92fd9356b3_0_5:notes"/>
+          <p:cNvPr id="75" name="Google Shape;75;g94ef807fde_0_6:notes"/>
           <p:cNvSpPr/>
           <p:nvPr>
             <p:ph idx="2" type="sldImg"/>
@@ -1141,7 +1844,7 @@
       </p:sp>
       <p:sp>
         <p:nvSpPr>
-          <p:cNvPr id="76" name="Google Shape;76;g92fd9356b3_0_5:notes"/>
+          <p:cNvPr id="76" name="Google Shape;76;g94ef807fde_0_6:notes"/>
           <p:cNvSpPr txBox="1"/>
           <p:nvPr>
             <p:ph idx="1" type="body"/>
@@ -1205,7 +1908,7 @@
       </p:grpSpPr>
       <p:sp>
         <p:nvSpPr>
-          <p:cNvPr id="81" name="Google Shape;81;g92fd9356b3_0_13:notes"/>
+          <p:cNvPr id="81" name="Google Shape;81;g94ef807fde_0_24:notes"/>
           <p:cNvSpPr/>
           <p:nvPr>
             <p:ph idx="2" type="sldImg"/>
@@ -1240,7 +1943,309 @@
       </p:sp>
       <p:sp>
         <p:nvSpPr>
-          <p:cNvPr id="82" name="Google Shape;82;g92fd9356b3_0_13:notes"/>
+          <p:cNvPr id="82" name="Google Shape;82;g94ef807fde_0_24:notes"/>
+          <p:cNvSpPr txBox="1"/>
+          <p:nvPr>
+            <p:ph idx="1" type="body"/>
+          </p:nvPr>
+        </p:nvSpPr>
+        <p:spPr>
+          <a:xfrm>
+            <a:off x="685800" y="4343400"/>
+            <a:ext cx="5486400" cy="4114800"/>
+          </a:xfrm>
+          <a:prstGeom prst="rect">
+            <a:avLst/>
+          </a:prstGeom>
+        </p:spPr>
+        <p:txBody>
+          <a:bodyPr anchorCtr="0" anchor="t" bIns="91425" lIns="91425" spcFirstLastPara="1" rIns="91425" wrap="square" tIns="91425">
+            <a:noAutofit/>
+          </a:bodyPr>
+          <a:lstStyle/>
+          <a:p>
+            <a:pPr indent="0" lvl="0" marL="0" rtl="0" algn="l">
+              <a:spcBef>
+                <a:spcPts val="0"/>
+              </a:spcBef>
+              <a:spcAft>
+                <a:spcPts val="0"/>
+              </a:spcAft>
+              <a:buNone/>
+            </a:pPr>
+            <a:r>
+              <a:t/>
+            </a:r>
+            <a:endParaRPr/>
+          </a:p>
+        </p:txBody>
+      </p:sp>
+    </p:spTree>
+  </p:cSld>
+  <p:clrMapOvr>
+    <a:masterClrMapping/>
+  </p:clrMapOvr>
+</p:notes>
+</file>
+
+<file path=ppt/notesSlides/notesSlide7.xml><?xml version="1.0" encoding="utf-8"?>
+<p:notes xmlns:a="http://schemas.openxmlformats.org/drawingml/2006/main" xmlns:r="http://schemas.openxmlformats.org/officeDocument/2006/relationships" xmlns:mc="http://schemas.openxmlformats.org/markup-compatibility/2006" xmlns:mv="urn:schemas-microsoft-com:mac:vml" xmlns:p="http://schemas.openxmlformats.org/presentationml/2006/main" xmlns:c="http://schemas.openxmlformats.org/drawingml/2006/chart" xmlns:dgm="http://schemas.openxmlformats.org/drawingml/2006/diagram" xmlns:o="urn:schemas-microsoft-com:office:office" xmlns:v="urn:schemas-microsoft-com:vml" xmlns:pvml="urn:schemas-microsoft-com:office:powerpoint" xmlns:com="http://schemas.openxmlformats.org/drawingml/2006/compatibility" xmlns:p14="http://schemas.microsoft.com/office/powerpoint/2010/main" xmlns:p15="http://schemas.microsoft.com/office/powerpoint/2012/main" xmlns:ahyp="http://schemas.microsoft.com/office/drawing/2018/hyperlinkcolor" showMasterPhAnim="0" showMasterSp="0">
+  <p:cSld>
+    <p:spTree>
+      <p:nvGrpSpPr>
+        <p:cNvPr id="86" name="Shape 86"/>
+        <p:cNvGrpSpPr/>
+        <p:nvPr/>
+      </p:nvGrpSpPr>
+      <p:grpSpPr>
+        <a:xfrm>
+          <a:off x="0" y="0"/>
+          <a:ext cx="0" cy="0"/>
+          <a:chOff x="0" y="0"/>
+          <a:chExt cx="0" cy="0"/>
+        </a:xfrm>
+      </p:grpSpPr>
+      <p:sp>
+        <p:nvSpPr>
+          <p:cNvPr id="87" name="Google Shape;87;g94ef807fde_0_31:notes"/>
+          <p:cNvSpPr/>
+          <p:nvPr>
+            <p:ph idx="2" type="sldImg"/>
+          </p:nvPr>
+        </p:nvSpPr>
+        <p:spPr>
+          <a:xfrm>
+            <a:off x="381300" y="685800"/>
+            <a:ext cx="6096000" cy="3429000"/>
+          </a:xfrm>
+          <a:custGeom>
+            <a:rect b="b" l="l" r="r" t="t"/>
+            <a:pathLst>
+              <a:path extrusionOk="0" h="120000" w="120000">
+                <a:moveTo>
+                  <a:pt x="0" y="0"/>
+                </a:moveTo>
+                <a:lnTo>
+                  <a:pt x="120000" y="0"/>
+                </a:lnTo>
+                <a:lnTo>
+                  <a:pt x="120000" y="120000"/>
+                </a:lnTo>
+                <a:lnTo>
+                  <a:pt x="0" y="120000"/>
+                </a:lnTo>
+                <a:close/>
+              </a:path>
+            </a:pathLst>
+          </a:custGeom>
+        </p:spPr>
+      </p:sp>
+      <p:sp>
+        <p:nvSpPr>
+          <p:cNvPr id="88" name="Google Shape;88;g94ef807fde_0_31:notes"/>
+          <p:cNvSpPr txBox="1"/>
+          <p:nvPr>
+            <p:ph idx="1" type="body"/>
+          </p:nvPr>
+        </p:nvSpPr>
+        <p:spPr>
+          <a:xfrm>
+            <a:off x="685800" y="4343400"/>
+            <a:ext cx="5486400" cy="4114800"/>
+          </a:xfrm>
+          <a:prstGeom prst="rect">
+            <a:avLst/>
+          </a:prstGeom>
+        </p:spPr>
+        <p:txBody>
+          <a:bodyPr anchorCtr="0" anchor="t" bIns="91425" lIns="91425" spcFirstLastPara="1" rIns="91425" wrap="square" tIns="91425">
+            <a:noAutofit/>
+          </a:bodyPr>
+          <a:lstStyle/>
+          <a:p>
+            <a:pPr indent="0" lvl="0" marL="0" rtl="0" algn="l">
+              <a:spcBef>
+                <a:spcPts val="0"/>
+              </a:spcBef>
+              <a:spcAft>
+                <a:spcPts val="0"/>
+              </a:spcAft>
+              <a:buNone/>
+            </a:pPr>
+            <a:r>
+              <a:t/>
+            </a:r>
+            <a:endParaRPr/>
+          </a:p>
+        </p:txBody>
+      </p:sp>
+    </p:spTree>
+  </p:cSld>
+  <p:clrMapOvr>
+    <a:masterClrMapping/>
+  </p:clrMapOvr>
+</p:notes>
+</file>
+
+<file path=ppt/notesSlides/notesSlide8.xml><?xml version="1.0" encoding="utf-8"?>
+<p:notes xmlns:a="http://schemas.openxmlformats.org/drawingml/2006/main" xmlns:r="http://schemas.openxmlformats.org/officeDocument/2006/relationships" xmlns:mc="http://schemas.openxmlformats.org/markup-compatibility/2006" xmlns:mv="urn:schemas-microsoft-com:mac:vml" xmlns:p="http://schemas.openxmlformats.org/presentationml/2006/main" xmlns:c="http://schemas.openxmlformats.org/drawingml/2006/chart" xmlns:dgm="http://schemas.openxmlformats.org/drawingml/2006/diagram" xmlns:o="urn:schemas-microsoft-com:office:office" xmlns:v="urn:schemas-microsoft-com:vml" xmlns:pvml="urn:schemas-microsoft-com:office:powerpoint" xmlns:com="http://schemas.openxmlformats.org/drawingml/2006/compatibility" xmlns:p14="http://schemas.microsoft.com/office/powerpoint/2010/main" xmlns:p15="http://schemas.microsoft.com/office/powerpoint/2012/main" xmlns:ahyp="http://schemas.microsoft.com/office/drawing/2018/hyperlinkcolor" showMasterPhAnim="0" showMasterSp="0">
+  <p:cSld>
+    <p:spTree>
+      <p:nvGrpSpPr>
+        <p:cNvPr id="92" name="Shape 92"/>
+        <p:cNvGrpSpPr/>
+        <p:nvPr/>
+      </p:nvGrpSpPr>
+      <p:grpSpPr>
+        <a:xfrm>
+          <a:off x="0" y="0"/>
+          <a:ext cx="0" cy="0"/>
+          <a:chOff x="0" y="0"/>
+          <a:chExt cx="0" cy="0"/>
+        </a:xfrm>
+      </p:grpSpPr>
+      <p:sp>
+        <p:nvSpPr>
+          <p:cNvPr id="93" name="Google Shape;93;g94ef807fde_0_38:notes"/>
+          <p:cNvSpPr/>
+          <p:nvPr>
+            <p:ph idx="2" type="sldImg"/>
+          </p:nvPr>
+        </p:nvSpPr>
+        <p:spPr>
+          <a:xfrm>
+            <a:off x="381300" y="685800"/>
+            <a:ext cx="6096000" cy="3429000"/>
+          </a:xfrm>
+          <a:custGeom>
+            <a:rect b="b" l="l" r="r" t="t"/>
+            <a:pathLst>
+              <a:path extrusionOk="0" h="120000" w="120000">
+                <a:moveTo>
+                  <a:pt x="0" y="0"/>
+                </a:moveTo>
+                <a:lnTo>
+                  <a:pt x="120000" y="0"/>
+                </a:lnTo>
+                <a:lnTo>
+                  <a:pt x="120000" y="120000"/>
+                </a:lnTo>
+                <a:lnTo>
+                  <a:pt x="0" y="120000"/>
+                </a:lnTo>
+                <a:close/>
+              </a:path>
+            </a:pathLst>
+          </a:custGeom>
+        </p:spPr>
+      </p:sp>
+      <p:sp>
+        <p:nvSpPr>
+          <p:cNvPr id="94" name="Google Shape;94;g94ef807fde_0_38:notes"/>
+          <p:cNvSpPr txBox="1"/>
+          <p:nvPr>
+            <p:ph idx="1" type="body"/>
+          </p:nvPr>
+        </p:nvSpPr>
+        <p:spPr>
+          <a:xfrm>
+            <a:off x="685800" y="4343400"/>
+            <a:ext cx="5486400" cy="4114800"/>
+          </a:xfrm>
+          <a:prstGeom prst="rect">
+            <a:avLst/>
+          </a:prstGeom>
+        </p:spPr>
+        <p:txBody>
+          <a:bodyPr anchorCtr="0" anchor="t" bIns="91425" lIns="91425" spcFirstLastPara="1" rIns="91425" wrap="square" tIns="91425">
+            <a:noAutofit/>
+          </a:bodyPr>
+          <a:lstStyle/>
+          <a:p>
+            <a:pPr indent="0" lvl="0" marL="0" rtl="0" algn="l">
+              <a:spcBef>
+                <a:spcPts val="0"/>
+              </a:spcBef>
+              <a:spcAft>
+                <a:spcPts val="0"/>
+              </a:spcAft>
+              <a:buNone/>
+            </a:pPr>
+            <a:r>
+              <a:rPr lang="ja"/>
+              <a:t>search_resultの</a:t>
+            </a:r>
+            <a:r>
+              <a:rPr lang="ja"/>
+              <a:t>p８６８の二重ループは難しい。</a:t>
+            </a:r>
+            <a:endParaRPr/>
+          </a:p>
+        </p:txBody>
+      </p:sp>
+    </p:spTree>
+  </p:cSld>
+  <p:clrMapOvr>
+    <a:masterClrMapping/>
+  </p:clrMapOvr>
+</p:notes>
+</file>
+
+<file path=ppt/notesSlides/notesSlide9.xml><?xml version="1.0" encoding="utf-8"?>
+<p:notes xmlns:a="http://schemas.openxmlformats.org/drawingml/2006/main" xmlns:r="http://schemas.openxmlformats.org/officeDocument/2006/relationships" xmlns:mc="http://schemas.openxmlformats.org/markup-compatibility/2006" xmlns:mv="urn:schemas-microsoft-com:mac:vml" xmlns:p="http://schemas.openxmlformats.org/presentationml/2006/main" xmlns:c="http://schemas.openxmlformats.org/drawingml/2006/chart" xmlns:dgm="http://schemas.openxmlformats.org/drawingml/2006/diagram" xmlns:o="urn:schemas-microsoft-com:office:office" xmlns:v="urn:schemas-microsoft-com:vml" xmlns:pvml="urn:schemas-microsoft-com:office:powerpoint" xmlns:com="http://schemas.openxmlformats.org/drawingml/2006/compatibility" xmlns:p14="http://schemas.microsoft.com/office/powerpoint/2010/main" xmlns:p15="http://schemas.microsoft.com/office/powerpoint/2012/main" xmlns:ahyp="http://schemas.microsoft.com/office/drawing/2018/hyperlinkcolor" showMasterPhAnim="0" showMasterSp="0">
+  <p:cSld>
+    <p:spTree>
+      <p:nvGrpSpPr>
+        <p:cNvPr id="98" name="Shape 98"/>
+        <p:cNvGrpSpPr/>
+        <p:nvPr/>
+      </p:nvGrpSpPr>
+      <p:grpSpPr>
+        <a:xfrm>
+          <a:off x="0" y="0"/>
+          <a:ext cx="0" cy="0"/>
+          <a:chOff x="0" y="0"/>
+          <a:chExt cx="0" cy="0"/>
+        </a:xfrm>
+      </p:grpSpPr>
+      <p:sp>
+        <p:nvSpPr>
+          <p:cNvPr id="99" name="Google Shape;99;g94ef807fde_0_53:notes"/>
+          <p:cNvSpPr/>
+          <p:nvPr>
+            <p:ph idx="2" type="sldImg"/>
+          </p:nvPr>
+        </p:nvSpPr>
+        <p:spPr>
+          <a:xfrm>
+            <a:off x="381300" y="685800"/>
+            <a:ext cx="6096000" cy="3429000"/>
+          </a:xfrm>
+          <a:custGeom>
+            <a:rect b="b" l="l" r="r" t="t"/>
+            <a:pathLst>
+              <a:path extrusionOk="0" h="120000" w="120000">
+                <a:moveTo>
+                  <a:pt x="0" y="0"/>
+                </a:moveTo>
+                <a:lnTo>
+                  <a:pt x="120000" y="0"/>
+                </a:lnTo>
+                <a:lnTo>
+                  <a:pt x="120000" y="120000"/>
+                </a:lnTo>
+                <a:lnTo>
+                  <a:pt x="0" y="120000"/>
+                </a:lnTo>
+                <a:close/>
+              </a:path>
+            </a:pathLst>
+          </a:custGeom>
+        </p:spPr>
+      </p:sp>
+      <p:sp>
+        <p:nvSpPr>
+          <p:cNvPr id="100" name="Google Shape;100;g94ef807fde_0_53:notes"/>
           <p:cNvSpPr txBox="1"/>
           <p:nvPr>
             <p:ph idx="1" type="body"/>
@@ -6054,6 +7059,2254 @@
 </p:sld>
 </file>
 
+<file path=ppt/slides/slide10.xml><?xml version="1.0" encoding="utf-8"?>
+<p:sld xmlns:a="http://schemas.openxmlformats.org/drawingml/2006/main" xmlns:r="http://schemas.openxmlformats.org/officeDocument/2006/relationships" xmlns:mc="http://schemas.openxmlformats.org/markup-compatibility/2006" xmlns:mv="urn:schemas-microsoft-com:mac:vml" xmlns:p="http://schemas.openxmlformats.org/presentationml/2006/main" xmlns:c="http://schemas.openxmlformats.org/drawingml/2006/chart" xmlns:dgm="http://schemas.openxmlformats.org/drawingml/2006/diagram" xmlns:o="urn:schemas-microsoft-com:office:office" xmlns:v="urn:schemas-microsoft-com:vml" xmlns:pvml="urn:schemas-microsoft-com:office:powerpoint" xmlns:com="http://schemas.openxmlformats.org/drawingml/2006/compatibility" xmlns:p14="http://schemas.microsoft.com/office/powerpoint/2010/main" xmlns:p15="http://schemas.microsoft.com/office/powerpoint/2012/main" xmlns:ahyp="http://schemas.microsoft.com/office/drawing/2018/hyperlinkcolor">
+  <p:cSld>
+    <p:spTree>
+      <p:nvGrpSpPr>
+        <p:cNvPr id="107" name="Shape 107"/>
+        <p:cNvGrpSpPr/>
+        <p:nvPr/>
+      </p:nvGrpSpPr>
+      <p:grpSpPr>
+        <a:xfrm>
+          <a:off x="0" y="0"/>
+          <a:ext cx="0" cy="0"/>
+          <a:chOff x="0" y="0"/>
+          <a:chExt cx="0" cy="0"/>
+        </a:xfrm>
+      </p:grpSpPr>
+      <p:sp>
+        <p:nvSpPr>
+          <p:cNvPr id="108" name="Google Shape;108;p22"/>
+          <p:cNvSpPr txBox="1"/>
+          <p:nvPr>
+            <p:ph type="title"/>
+          </p:nvPr>
+        </p:nvSpPr>
+        <p:spPr>
+          <a:xfrm>
+            <a:off x="311700" y="445025"/>
+            <a:ext cx="8520600" cy="572700"/>
+          </a:xfrm>
+          <a:prstGeom prst="rect">
+            <a:avLst/>
+          </a:prstGeom>
+        </p:spPr>
+        <p:txBody>
+          <a:bodyPr anchorCtr="0" anchor="t" bIns="91425" lIns="91425" spcFirstLastPara="1" rIns="91425" wrap="square" tIns="91425">
+            <a:noAutofit/>
+          </a:bodyPr>
+          <a:lstStyle/>
+          <a:p>
+            <a:pPr indent="0" lvl="0" marL="0" rtl="0" algn="l">
+              <a:spcBef>
+                <a:spcPts val="0"/>
+              </a:spcBef>
+              <a:spcAft>
+                <a:spcPts val="0"/>
+              </a:spcAft>
+              <a:buClr>
+                <a:schemeClr val="dk1"/>
+              </a:buClr>
+              <a:buSzPts val="1100"/>
+              <a:buFont typeface="Arial"/>
+              <a:buNone/>
+            </a:pPr>
+            <a:r>
+              <a:rPr lang="ja"/>
+              <a:t>略称にして見やすくする。２(list.php p179)</a:t>
+            </a:r>
+            <a:endParaRPr/>
+          </a:p>
+        </p:txBody>
+      </p:sp>
+      <p:sp>
+        <p:nvSpPr>
+          <p:cNvPr id="109" name="Google Shape;109;p22"/>
+          <p:cNvSpPr txBox="1"/>
+          <p:nvPr>
+            <p:ph idx="1" type="body"/>
+          </p:nvPr>
+        </p:nvSpPr>
+        <p:spPr>
+          <a:xfrm>
+            <a:off x="311700" y="1152475"/>
+            <a:ext cx="8520600" cy="3416400"/>
+          </a:xfrm>
+          <a:prstGeom prst="rect">
+            <a:avLst/>
+          </a:prstGeom>
+        </p:spPr>
+        <p:txBody>
+          <a:bodyPr anchorCtr="0" anchor="t" bIns="91425" lIns="91425" spcFirstLastPara="1" rIns="91425" wrap="square" tIns="91425">
+            <a:noAutofit/>
+          </a:bodyPr>
+          <a:lstStyle/>
+          <a:p>
+            <a:pPr indent="0" lvl="0" marL="0" rtl="0" algn="l">
+              <a:lnSpc>
+                <a:spcPct val="150000"/>
+              </a:lnSpc>
+              <a:spcBef>
+                <a:spcPts val="0"/>
+              </a:spcBef>
+              <a:spcAft>
+                <a:spcPts val="0"/>
+              </a:spcAft>
+              <a:buClr>
+                <a:schemeClr val="dk1"/>
+              </a:buClr>
+              <a:buSzPts val="1100"/>
+              <a:buFont typeface="Arial"/>
+              <a:buNone/>
+            </a:pPr>
+            <a:r>
+              <a:rPr lang="ja">
+                <a:solidFill>
+                  <a:srgbClr val="C586C0"/>
+                </a:solidFill>
+                <a:highlight>
+                  <a:srgbClr val="1E1E1E"/>
+                </a:highlight>
+                <a:latin typeface="Courier New"/>
+                <a:ea typeface="Courier New"/>
+                <a:cs typeface="Courier New"/>
+                <a:sym typeface="Courier New"/>
+              </a:rPr>
+              <a:t>if</a:t>
+            </a:r>
+            <a:r>
+              <a:rPr lang="ja">
+                <a:solidFill>
+                  <a:srgbClr val="D4D4D4"/>
+                </a:solidFill>
+                <a:highlight>
+                  <a:srgbClr val="1E1E1E"/>
+                </a:highlight>
+                <a:latin typeface="Courier New"/>
+                <a:ea typeface="Courier New"/>
+                <a:cs typeface="Courier New"/>
+                <a:sym typeface="Courier New"/>
+              </a:rPr>
+              <a:t>(</a:t>
+            </a:r>
+            <a:r>
+              <a:rPr lang="ja">
+                <a:solidFill>
+                  <a:srgbClr val="9CDCFE"/>
+                </a:solidFill>
+                <a:highlight>
+                  <a:srgbClr val="1E1E1E"/>
+                </a:highlight>
+                <a:latin typeface="Courier New"/>
+                <a:ea typeface="Courier New"/>
+                <a:cs typeface="Courier New"/>
+                <a:sym typeface="Courier New"/>
+              </a:rPr>
+              <a:t>$abbreviation</a:t>
+            </a:r>
+            <a:r>
+              <a:rPr lang="ja">
+                <a:solidFill>
+                  <a:srgbClr val="D4D4D4"/>
+                </a:solidFill>
+                <a:highlight>
+                  <a:srgbClr val="1E1E1E"/>
+                </a:highlight>
+                <a:latin typeface="Courier New"/>
+                <a:ea typeface="Courier New"/>
+                <a:cs typeface="Courier New"/>
+                <a:sym typeface="Courier New"/>
+              </a:rPr>
+              <a:t> == </a:t>
+            </a:r>
+            <a:r>
+              <a:rPr lang="ja">
+                <a:solidFill>
+                  <a:srgbClr val="B5CEA8"/>
+                </a:solidFill>
+                <a:highlight>
+                  <a:srgbClr val="1E1E1E"/>
+                </a:highlight>
+                <a:latin typeface="Courier New"/>
+                <a:ea typeface="Courier New"/>
+                <a:cs typeface="Courier New"/>
+                <a:sym typeface="Courier New"/>
+              </a:rPr>
+              <a:t>0</a:t>
+            </a:r>
+            <a:r>
+              <a:rPr lang="ja">
+                <a:solidFill>
+                  <a:srgbClr val="D4D4D4"/>
+                </a:solidFill>
+                <a:highlight>
+                  <a:srgbClr val="1E1E1E"/>
+                </a:highlight>
+                <a:latin typeface="Courier New"/>
+                <a:ea typeface="Courier New"/>
+                <a:cs typeface="Courier New"/>
+                <a:sym typeface="Courier New"/>
+              </a:rPr>
+              <a:t>) {</a:t>
+            </a:r>
+            <a:endParaRPr>
+              <a:solidFill>
+                <a:srgbClr val="D4D4D4"/>
+              </a:solidFill>
+              <a:highlight>
+                <a:srgbClr val="1E1E1E"/>
+              </a:highlight>
+              <a:latin typeface="Courier New"/>
+              <a:ea typeface="Courier New"/>
+              <a:cs typeface="Courier New"/>
+              <a:sym typeface="Courier New"/>
+            </a:endParaRPr>
+          </a:p>
+          <a:p>
+            <a:pPr indent="0" lvl="0" marL="0" rtl="0" algn="l">
+              <a:lnSpc>
+                <a:spcPct val="150000"/>
+              </a:lnSpc>
+              <a:spcBef>
+                <a:spcPts val="0"/>
+              </a:spcBef>
+              <a:spcAft>
+                <a:spcPts val="0"/>
+              </a:spcAft>
+              <a:buClr>
+                <a:schemeClr val="dk1"/>
+              </a:buClr>
+              <a:buSzPts val="1100"/>
+              <a:buFont typeface="Arial"/>
+              <a:buNone/>
+            </a:pPr>
+            <a:r>
+              <a:rPr lang="ja">
+                <a:solidFill>
+                  <a:srgbClr val="D4D4D4"/>
+                </a:solidFill>
+                <a:highlight>
+                  <a:srgbClr val="1E1E1E"/>
+                </a:highlight>
+                <a:latin typeface="Courier New"/>
+                <a:ea typeface="Courier New"/>
+                <a:cs typeface="Courier New"/>
+                <a:sym typeface="Courier New"/>
+              </a:rPr>
+              <a:t>  </a:t>
+            </a:r>
+            <a:r>
+              <a:rPr lang="ja">
+                <a:solidFill>
+                  <a:srgbClr val="569CD6"/>
+                </a:solidFill>
+                <a:highlight>
+                  <a:srgbClr val="1E1E1E"/>
+                </a:highlight>
+                <a:latin typeface="Courier New"/>
+                <a:ea typeface="Courier New"/>
+                <a:cs typeface="Courier New"/>
+                <a:sym typeface="Courier New"/>
+              </a:rPr>
+              <a:t>?&gt;</a:t>
+            </a:r>
+            <a:r>
+              <a:rPr lang="ja">
+                <a:solidFill>
+                  <a:srgbClr val="D4D4D4"/>
+                </a:solidFill>
+                <a:highlight>
+                  <a:srgbClr val="1E1E1E"/>
+                </a:highlight>
+                <a:latin typeface="Courier New"/>
+                <a:ea typeface="Courier New"/>
+                <a:cs typeface="Courier New"/>
+                <a:sym typeface="Courier New"/>
+              </a:rPr>
+              <a:t> </a:t>
+            </a:r>
+            <a:r>
+              <a:rPr lang="ja">
+                <a:solidFill>
+                  <a:srgbClr val="808080"/>
+                </a:solidFill>
+                <a:highlight>
+                  <a:srgbClr val="1E1E1E"/>
+                </a:highlight>
+                <a:latin typeface="Courier New"/>
+                <a:ea typeface="Courier New"/>
+                <a:cs typeface="Courier New"/>
+                <a:sym typeface="Courier New"/>
+              </a:rPr>
+              <a:t>&lt;</a:t>
+            </a:r>
+            <a:r>
+              <a:rPr lang="ja">
+                <a:solidFill>
+                  <a:srgbClr val="569CD6"/>
+                </a:solidFill>
+                <a:highlight>
+                  <a:srgbClr val="1E1E1E"/>
+                </a:highlight>
+                <a:latin typeface="Courier New"/>
+                <a:ea typeface="Courier New"/>
+                <a:cs typeface="Courier New"/>
+                <a:sym typeface="Courier New"/>
+              </a:rPr>
+              <a:t>th</a:t>
+            </a:r>
+            <a:r>
+              <a:rPr lang="ja">
+                <a:solidFill>
+                  <a:srgbClr val="D4D4D4"/>
+                </a:solidFill>
+                <a:highlight>
+                  <a:srgbClr val="1E1E1E"/>
+                </a:highlight>
+                <a:latin typeface="Courier New"/>
+                <a:ea typeface="Courier New"/>
+                <a:cs typeface="Courier New"/>
+                <a:sym typeface="Courier New"/>
+              </a:rPr>
+              <a:t> </a:t>
+            </a:r>
+            <a:r>
+              <a:rPr lang="ja">
+                <a:solidFill>
+                  <a:srgbClr val="9CDCFE"/>
+                </a:solidFill>
+                <a:highlight>
+                  <a:srgbClr val="1E1E1E"/>
+                </a:highlight>
+                <a:latin typeface="Courier New"/>
+                <a:ea typeface="Courier New"/>
+                <a:cs typeface="Courier New"/>
+                <a:sym typeface="Courier New"/>
+              </a:rPr>
+              <a:t>class</a:t>
+            </a:r>
+            <a:r>
+              <a:rPr lang="ja">
+                <a:solidFill>
+                  <a:srgbClr val="D4D4D4"/>
+                </a:solidFill>
+                <a:highlight>
+                  <a:srgbClr val="1E1E1E"/>
+                </a:highlight>
+                <a:latin typeface="Courier New"/>
+                <a:ea typeface="Courier New"/>
+                <a:cs typeface="Courier New"/>
+                <a:sym typeface="Courier New"/>
+              </a:rPr>
+              <a:t>=</a:t>
+            </a:r>
+            <a:r>
+              <a:rPr lang="ja">
+                <a:solidFill>
+                  <a:srgbClr val="CE9178"/>
+                </a:solidFill>
+                <a:highlight>
+                  <a:srgbClr val="1E1E1E"/>
+                </a:highlight>
+                <a:latin typeface="Courier New"/>
+                <a:ea typeface="Courier New"/>
+                <a:cs typeface="Courier New"/>
+                <a:sym typeface="Courier New"/>
+              </a:rPr>
+              <a:t>"signal"</a:t>
+            </a:r>
+            <a:r>
+              <a:rPr lang="ja">
+                <a:solidFill>
+                  <a:srgbClr val="808080"/>
+                </a:solidFill>
+                <a:highlight>
+                  <a:srgbClr val="1E1E1E"/>
+                </a:highlight>
+                <a:latin typeface="Courier New"/>
+                <a:ea typeface="Courier New"/>
+                <a:cs typeface="Courier New"/>
+                <a:sym typeface="Courier New"/>
+              </a:rPr>
+              <a:t>&gt;</a:t>
+            </a:r>
+            <a:r>
+              <a:rPr lang="ja">
+                <a:solidFill>
+                  <a:srgbClr val="D4D4D4"/>
+                </a:solidFill>
+                <a:highlight>
+                  <a:srgbClr val="1E1E1E"/>
+                </a:highlight>
+                <a:latin typeface="Courier New"/>
+                <a:ea typeface="Courier New"/>
+                <a:cs typeface="Courier New"/>
+                <a:sym typeface="Courier New"/>
+              </a:rPr>
+              <a:t> </a:t>
+            </a:r>
+            <a:r>
+              <a:rPr lang="ja">
+                <a:solidFill>
+                  <a:srgbClr val="569CD6"/>
+                </a:solidFill>
+                <a:highlight>
+                  <a:srgbClr val="1E1E1E"/>
+                </a:highlight>
+                <a:latin typeface="Courier New"/>
+                <a:ea typeface="Courier New"/>
+                <a:cs typeface="Courier New"/>
+                <a:sym typeface="Courier New"/>
+              </a:rPr>
+              <a:t>&lt;?php</a:t>
+            </a:r>
+            <a:r>
+              <a:rPr lang="ja">
+                <a:solidFill>
+                  <a:srgbClr val="D4D4D4"/>
+                </a:solidFill>
+                <a:highlight>
+                  <a:srgbClr val="1E1E1E"/>
+                </a:highlight>
+                <a:latin typeface="Courier New"/>
+                <a:ea typeface="Courier New"/>
+                <a:cs typeface="Courier New"/>
+                <a:sym typeface="Courier New"/>
+              </a:rPr>
+              <a:t> </a:t>
+            </a:r>
+            <a:r>
+              <a:rPr lang="ja">
+                <a:solidFill>
+                  <a:srgbClr val="DCDCAA"/>
+                </a:solidFill>
+                <a:highlight>
+                  <a:srgbClr val="1E1E1E"/>
+                </a:highlight>
+                <a:latin typeface="Courier New"/>
+                <a:ea typeface="Courier New"/>
+                <a:cs typeface="Courier New"/>
+                <a:sym typeface="Courier New"/>
+              </a:rPr>
+              <a:t>print</a:t>
+            </a:r>
+            <a:r>
+              <a:rPr lang="ja">
+                <a:solidFill>
+                  <a:srgbClr val="D4D4D4"/>
+                </a:solidFill>
+                <a:highlight>
+                  <a:srgbClr val="1E1E1E"/>
+                </a:highlight>
+                <a:latin typeface="Courier New"/>
+                <a:ea typeface="Courier New"/>
+                <a:cs typeface="Courier New"/>
+                <a:sym typeface="Courier New"/>
+              </a:rPr>
+              <a:t> </a:t>
+            </a:r>
+            <a:r>
+              <a:rPr lang="ja">
+                <a:solidFill>
+                  <a:srgbClr val="9CDCFE"/>
+                </a:solidFill>
+                <a:highlight>
+                  <a:srgbClr val="1E1E1E"/>
+                </a:highlight>
+                <a:latin typeface="Courier New"/>
+                <a:ea typeface="Courier New"/>
+                <a:cs typeface="Courier New"/>
+                <a:sym typeface="Courier New"/>
+              </a:rPr>
+              <a:t>$rec</a:t>
+            </a:r>
+            <a:r>
+              <a:rPr lang="ja">
+                <a:solidFill>
+                  <a:srgbClr val="D4D4D4"/>
+                </a:solidFill>
+                <a:highlight>
+                  <a:srgbClr val="1E1E1E"/>
+                </a:highlight>
+                <a:latin typeface="Courier New"/>
+                <a:ea typeface="Courier New"/>
+                <a:cs typeface="Courier New"/>
+                <a:sym typeface="Courier New"/>
+              </a:rPr>
+              <a:t>[</a:t>
+            </a:r>
+            <a:r>
+              <a:rPr lang="ja">
+                <a:solidFill>
+                  <a:srgbClr val="CE9178"/>
+                </a:solidFill>
+                <a:highlight>
+                  <a:srgbClr val="1E1E1E"/>
+                </a:highlight>
+                <a:latin typeface="Courier New"/>
+                <a:ea typeface="Courier New"/>
+                <a:cs typeface="Courier New"/>
+                <a:sym typeface="Courier New"/>
+              </a:rPr>
+              <a:t>'item'</a:t>
+            </a:r>
+            <a:r>
+              <a:rPr lang="ja">
+                <a:solidFill>
+                  <a:srgbClr val="D4D4D4"/>
+                </a:solidFill>
+                <a:highlight>
+                  <a:srgbClr val="1E1E1E"/>
+                </a:highlight>
+                <a:latin typeface="Courier New"/>
+                <a:ea typeface="Courier New"/>
+                <a:cs typeface="Courier New"/>
+                <a:sym typeface="Courier New"/>
+              </a:rPr>
+              <a:t>] </a:t>
+            </a:r>
+            <a:r>
+              <a:rPr lang="ja">
+                <a:solidFill>
+                  <a:srgbClr val="569CD6"/>
+                </a:solidFill>
+                <a:highlight>
+                  <a:srgbClr val="1E1E1E"/>
+                </a:highlight>
+                <a:latin typeface="Courier New"/>
+                <a:ea typeface="Courier New"/>
+                <a:cs typeface="Courier New"/>
+                <a:sym typeface="Courier New"/>
+              </a:rPr>
+              <a:t>?&gt;</a:t>
+            </a:r>
+            <a:r>
+              <a:rPr lang="ja">
+                <a:solidFill>
+                  <a:srgbClr val="D4D4D4"/>
+                </a:solidFill>
+                <a:highlight>
+                  <a:srgbClr val="1E1E1E"/>
+                </a:highlight>
+                <a:latin typeface="Courier New"/>
+                <a:ea typeface="Courier New"/>
+                <a:cs typeface="Courier New"/>
+                <a:sym typeface="Courier New"/>
+              </a:rPr>
+              <a:t> </a:t>
+            </a:r>
+            <a:r>
+              <a:rPr lang="ja">
+                <a:solidFill>
+                  <a:srgbClr val="808080"/>
+                </a:solidFill>
+                <a:highlight>
+                  <a:srgbClr val="1E1E1E"/>
+                </a:highlight>
+                <a:latin typeface="Courier New"/>
+                <a:ea typeface="Courier New"/>
+                <a:cs typeface="Courier New"/>
+                <a:sym typeface="Courier New"/>
+              </a:rPr>
+              <a:t>&lt;/</a:t>
+            </a:r>
+            <a:r>
+              <a:rPr lang="ja">
+                <a:solidFill>
+                  <a:srgbClr val="569CD6"/>
+                </a:solidFill>
+                <a:highlight>
+                  <a:srgbClr val="1E1E1E"/>
+                </a:highlight>
+                <a:latin typeface="Courier New"/>
+                <a:ea typeface="Courier New"/>
+                <a:cs typeface="Courier New"/>
+                <a:sym typeface="Courier New"/>
+              </a:rPr>
+              <a:t>th</a:t>
+            </a:r>
+            <a:r>
+              <a:rPr lang="ja">
+                <a:solidFill>
+                  <a:srgbClr val="808080"/>
+                </a:solidFill>
+                <a:highlight>
+                  <a:srgbClr val="1E1E1E"/>
+                </a:highlight>
+                <a:latin typeface="Courier New"/>
+                <a:ea typeface="Courier New"/>
+                <a:cs typeface="Courier New"/>
+                <a:sym typeface="Courier New"/>
+              </a:rPr>
+              <a:t>&gt;</a:t>
+            </a:r>
+            <a:endParaRPr>
+              <a:solidFill>
+                <a:srgbClr val="808080"/>
+              </a:solidFill>
+              <a:highlight>
+                <a:srgbClr val="1E1E1E"/>
+              </a:highlight>
+              <a:latin typeface="Courier New"/>
+              <a:ea typeface="Courier New"/>
+              <a:cs typeface="Courier New"/>
+              <a:sym typeface="Courier New"/>
+            </a:endParaRPr>
+          </a:p>
+          <a:p>
+            <a:pPr indent="0" lvl="0" marL="0" rtl="0" algn="l">
+              <a:lnSpc>
+                <a:spcPct val="150000"/>
+              </a:lnSpc>
+              <a:spcBef>
+                <a:spcPts val="0"/>
+              </a:spcBef>
+              <a:spcAft>
+                <a:spcPts val="0"/>
+              </a:spcAft>
+              <a:buClr>
+                <a:schemeClr val="dk1"/>
+              </a:buClr>
+              <a:buSzPts val="1100"/>
+              <a:buFont typeface="Arial"/>
+              <a:buNone/>
+            </a:pPr>
+            <a:r>
+              <a:rPr lang="ja">
+                <a:solidFill>
+                  <a:srgbClr val="D4D4D4"/>
+                </a:solidFill>
+                <a:highlight>
+                  <a:srgbClr val="1E1E1E"/>
+                </a:highlight>
+                <a:latin typeface="Courier New"/>
+                <a:ea typeface="Courier New"/>
+                <a:cs typeface="Courier New"/>
+                <a:sym typeface="Courier New"/>
+              </a:rPr>
+              <a:t>  </a:t>
+            </a:r>
+            <a:r>
+              <a:rPr lang="ja">
+                <a:solidFill>
+                  <a:srgbClr val="569CD6"/>
+                </a:solidFill>
+                <a:highlight>
+                  <a:srgbClr val="1E1E1E"/>
+                </a:highlight>
+                <a:latin typeface="Courier New"/>
+                <a:ea typeface="Courier New"/>
+                <a:cs typeface="Courier New"/>
+                <a:sym typeface="Courier New"/>
+              </a:rPr>
+              <a:t>&lt;?php</a:t>
+            </a:r>
+            <a:r>
+              <a:rPr lang="ja">
+                <a:solidFill>
+                  <a:srgbClr val="D4D4D4"/>
+                </a:solidFill>
+                <a:highlight>
+                  <a:srgbClr val="1E1E1E"/>
+                </a:highlight>
+                <a:latin typeface="Courier New"/>
+                <a:ea typeface="Courier New"/>
+                <a:cs typeface="Courier New"/>
+                <a:sym typeface="Courier New"/>
+              </a:rPr>
+              <a:t> }</a:t>
+            </a:r>
+            <a:r>
+              <a:rPr lang="ja">
+                <a:solidFill>
+                  <a:srgbClr val="C586C0"/>
+                </a:solidFill>
+                <a:highlight>
+                  <a:srgbClr val="1E1E1E"/>
+                </a:highlight>
+                <a:latin typeface="Courier New"/>
+                <a:ea typeface="Courier New"/>
+                <a:cs typeface="Courier New"/>
+                <a:sym typeface="Courier New"/>
+              </a:rPr>
+              <a:t>else</a:t>
+            </a:r>
+            <a:r>
+              <a:rPr lang="ja">
+                <a:solidFill>
+                  <a:srgbClr val="D4D4D4"/>
+                </a:solidFill>
+                <a:highlight>
+                  <a:srgbClr val="1E1E1E"/>
+                </a:highlight>
+                <a:latin typeface="Courier New"/>
+                <a:ea typeface="Courier New"/>
+                <a:cs typeface="Courier New"/>
+                <a:sym typeface="Courier New"/>
+              </a:rPr>
+              <a:t>{</a:t>
+            </a:r>
+            <a:endParaRPr>
+              <a:solidFill>
+                <a:srgbClr val="D4D4D4"/>
+              </a:solidFill>
+              <a:highlight>
+                <a:srgbClr val="1E1E1E"/>
+              </a:highlight>
+              <a:latin typeface="Courier New"/>
+              <a:ea typeface="Courier New"/>
+              <a:cs typeface="Courier New"/>
+              <a:sym typeface="Courier New"/>
+            </a:endParaRPr>
+          </a:p>
+          <a:p>
+            <a:pPr indent="0" lvl="0" marL="0" rtl="0" algn="l">
+              <a:lnSpc>
+                <a:spcPct val="150000"/>
+              </a:lnSpc>
+              <a:spcBef>
+                <a:spcPts val="0"/>
+              </a:spcBef>
+              <a:spcAft>
+                <a:spcPts val="0"/>
+              </a:spcAft>
+              <a:buNone/>
+            </a:pPr>
+            <a:r>
+              <a:rPr lang="ja">
+                <a:solidFill>
+                  <a:srgbClr val="D4D4D4"/>
+                </a:solidFill>
+                <a:highlight>
+                  <a:srgbClr val="1E1E1E"/>
+                </a:highlight>
+                <a:latin typeface="Courier New"/>
+                <a:ea typeface="Courier New"/>
+                <a:cs typeface="Courier New"/>
+                <a:sym typeface="Courier New"/>
+              </a:rPr>
+              <a:t>  </a:t>
+            </a:r>
+            <a:r>
+              <a:rPr lang="ja">
+                <a:solidFill>
+                  <a:srgbClr val="569CD6"/>
+                </a:solidFill>
+                <a:highlight>
+                  <a:srgbClr val="1E1E1E"/>
+                </a:highlight>
+                <a:latin typeface="Courier New"/>
+                <a:ea typeface="Courier New"/>
+                <a:cs typeface="Courier New"/>
+                <a:sym typeface="Courier New"/>
+              </a:rPr>
+              <a:t>?&gt;</a:t>
+            </a:r>
+            <a:r>
+              <a:rPr lang="ja">
+                <a:solidFill>
+                  <a:srgbClr val="D4D4D4"/>
+                </a:solidFill>
+                <a:highlight>
+                  <a:srgbClr val="1E1E1E"/>
+                </a:highlight>
+                <a:latin typeface="Courier New"/>
+                <a:ea typeface="Courier New"/>
+                <a:cs typeface="Courier New"/>
+                <a:sym typeface="Courier New"/>
+              </a:rPr>
+              <a:t> </a:t>
+            </a:r>
+            <a:r>
+              <a:rPr lang="ja">
+                <a:solidFill>
+                  <a:srgbClr val="808080"/>
+                </a:solidFill>
+                <a:highlight>
+                  <a:srgbClr val="1E1E1E"/>
+                </a:highlight>
+                <a:latin typeface="Courier New"/>
+                <a:ea typeface="Courier New"/>
+                <a:cs typeface="Courier New"/>
+                <a:sym typeface="Courier New"/>
+              </a:rPr>
+              <a:t>&lt;</a:t>
+            </a:r>
+            <a:r>
+              <a:rPr lang="ja">
+                <a:solidFill>
+                  <a:srgbClr val="569CD6"/>
+                </a:solidFill>
+                <a:highlight>
+                  <a:srgbClr val="1E1E1E"/>
+                </a:highlight>
+                <a:latin typeface="Courier New"/>
+                <a:ea typeface="Courier New"/>
+                <a:cs typeface="Courier New"/>
+                <a:sym typeface="Courier New"/>
+              </a:rPr>
+              <a:t>th</a:t>
+            </a:r>
+            <a:r>
+              <a:rPr lang="ja">
+                <a:solidFill>
+                  <a:srgbClr val="D4D4D4"/>
+                </a:solidFill>
+                <a:highlight>
+                  <a:srgbClr val="1E1E1E"/>
+                </a:highlight>
+                <a:latin typeface="Courier New"/>
+                <a:ea typeface="Courier New"/>
+                <a:cs typeface="Courier New"/>
+                <a:sym typeface="Courier New"/>
+              </a:rPr>
+              <a:t> </a:t>
+            </a:r>
+            <a:r>
+              <a:rPr lang="ja">
+                <a:solidFill>
+                  <a:srgbClr val="9CDCFE"/>
+                </a:solidFill>
+                <a:highlight>
+                  <a:srgbClr val="1E1E1E"/>
+                </a:highlight>
+                <a:latin typeface="Courier New"/>
+                <a:ea typeface="Courier New"/>
+                <a:cs typeface="Courier New"/>
+                <a:sym typeface="Courier New"/>
+              </a:rPr>
+              <a:t>class</a:t>
+            </a:r>
+            <a:r>
+              <a:rPr lang="ja">
+                <a:solidFill>
+                  <a:srgbClr val="D4D4D4"/>
+                </a:solidFill>
+                <a:highlight>
+                  <a:srgbClr val="1E1E1E"/>
+                </a:highlight>
+                <a:latin typeface="Courier New"/>
+                <a:ea typeface="Courier New"/>
+                <a:cs typeface="Courier New"/>
+                <a:sym typeface="Courier New"/>
+              </a:rPr>
+              <a:t>=</a:t>
+            </a:r>
+            <a:r>
+              <a:rPr lang="ja">
+                <a:solidFill>
+                  <a:srgbClr val="CE9178"/>
+                </a:solidFill>
+                <a:highlight>
+                  <a:srgbClr val="1E1E1E"/>
+                </a:highlight>
+                <a:latin typeface="Courier New"/>
+                <a:ea typeface="Courier New"/>
+                <a:cs typeface="Courier New"/>
+                <a:sym typeface="Courier New"/>
+              </a:rPr>
+              <a:t>"signal"</a:t>
+            </a:r>
+            <a:r>
+              <a:rPr lang="ja">
+                <a:solidFill>
+                  <a:srgbClr val="808080"/>
+                </a:solidFill>
+                <a:highlight>
+                  <a:srgbClr val="1E1E1E"/>
+                </a:highlight>
+                <a:latin typeface="Courier New"/>
+                <a:ea typeface="Courier New"/>
+                <a:cs typeface="Courier New"/>
+                <a:sym typeface="Courier New"/>
+              </a:rPr>
+              <a:t>&gt;</a:t>
+            </a:r>
+            <a:r>
+              <a:rPr lang="ja">
+                <a:solidFill>
+                  <a:srgbClr val="D4D4D4"/>
+                </a:solidFill>
+                <a:highlight>
+                  <a:srgbClr val="1E1E1E"/>
+                </a:highlight>
+                <a:latin typeface="Courier New"/>
+                <a:ea typeface="Courier New"/>
+                <a:cs typeface="Courier New"/>
+                <a:sym typeface="Courier New"/>
+              </a:rPr>
+              <a:t> </a:t>
+            </a:r>
+            <a:r>
+              <a:rPr lang="ja">
+                <a:solidFill>
+                  <a:srgbClr val="569CD6"/>
+                </a:solidFill>
+                <a:highlight>
+                  <a:srgbClr val="1E1E1E"/>
+                </a:highlight>
+                <a:latin typeface="Courier New"/>
+                <a:ea typeface="Courier New"/>
+                <a:cs typeface="Courier New"/>
+                <a:sym typeface="Courier New"/>
+              </a:rPr>
+              <a:t>&lt;?php</a:t>
+            </a:r>
+            <a:r>
+              <a:rPr lang="ja">
+                <a:solidFill>
+                  <a:srgbClr val="D4D4D4"/>
+                </a:solidFill>
+                <a:highlight>
+                  <a:srgbClr val="1E1E1E"/>
+                </a:highlight>
+                <a:latin typeface="Courier New"/>
+                <a:ea typeface="Courier New"/>
+                <a:cs typeface="Courier New"/>
+                <a:sym typeface="Courier New"/>
+              </a:rPr>
+              <a:t> </a:t>
+            </a:r>
+            <a:r>
+              <a:rPr lang="ja">
+                <a:solidFill>
+                  <a:srgbClr val="DCDCAA"/>
+                </a:solidFill>
+                <a:highlight>
+                  <a:srgbClr val="1E1E1E"/>
+                </a:highlight>
+                <a:latin typeface="Courier New"/>
+                <a:ea typeface="Courier New"/>
+                <a:cs typeface="Courier New"/>
+                <a:sym typeface="Courier New"/>
+              </a:rPr>
+              <a:t>print</a:t>
+            </a:r>
+            <a:r>
+              <a:rPr lang="ja">
+                <a:solidFill>
+                  <a:srgbClr val="D4D4D4"/>
+                </a:solidFill>
+                <a:highlight>
+                  <a:srgbClr val="1E1E1E"/>
+                </a:highlight>
+                <a:latin typeface="Courier New"/>
+                <a:ea typeface="Courier New"/>
+                <a:cs typeface="Courier New"/>
+                <a:sym typeface="Courier New"/>
+              </a:rPr>
+              <a:t> </a:t>
+            </a:r>
+            <a:r>
+              <a:rPr lang="ja">
+                <a:solidFill>
+                  <a:srgbClr val="9CDCFE"/>
+                </a:solidFill>
+                <a:highlight>
+                  <a:srgbClr val="1E1E1E"/>
+                </a:highlight>
+                <a:latin typeface="Courier New"/>
+                <a:ea typeface="Courier New"/>
+                <a:cs typeface="Courier New"/>
+                <a:sym typeface="Courier New"/>
+              </a:rPr>
+              <a:t>$rec</a:t>
+            </a:r>
+            <a:r>
+              <a:rPr lang="ja">
+                <a:solidFill>
+                  <a:srgbClr val="D4D4D4"/>
+                </a:solidFill>
+                <a:highlight>
+                  <a:srgbClr val="1E1E1E"/>
+                </a:highlight>
+                <a:latin typeface="Courier New"/>
+                <a:ea typeface="Courier New"/>
+                <a:cs typeface="Courier New"/>
+                <a:sym typeface="Courier New"/>
+              </a:rPr>
+              <a:t>[</a:t>
+            </a:r>
+            <a:r>
+              <a:rPr lang="ja">
+                <a:solidFill>
+                  <a:srgbClr val="CE9178"/>
+                </a:solidFill>
+                <a:highlight>
+                  <a:srgbClr val="1E1E1E"/>
+                </a:highlight>
+                <a:latin typeface="Courier New"/>
+                <a:ea typeface="Courier New"/>
+                <a:cs typeface="Courier New"/>
+                <a:sym typeface="Courier New"/>
+              </a:rPr>
+              <a:t>'short_name'</a:t>
+            </a:r>
+            <a:r>
+              <a:rPr lang="ja">
+                <a:solidFill>
+                  <a:srgbClr val="D4D4D4"/>
+                </a:solidFill>
+                <a:highlight>
+                  <a:srgbClr val="1E1E1E"/>
+                </a:highlight>
+                <a:latin typeface="Courier New"/>
+                <a:ea typeface="Courier New"/>
+                <a:cs typeface="Courier New"/>
+                <a:sym typeface="Courier New"/>
+              </a:rPr>
+              <a:t>] </a:t>
+            </a:r>
+            <a:r>
+              <a:rPr lang="ja">
+                <a:solidFill>
+                  <a:srgbClr val="569CD6"/>
+                </a:solidFill>
+                <a:highlight>
+                  <a:srgbClr val="1E1E1E"/>
+                </a:highlight>
+                <a:latin typeface="Courier New"/>
+                <a:ea typeface="Courier New"/>
+                <a:cs typeface="Courier New"/>
+                <a:sym typeface="Courier New"/>
+              </a:rPr>
+              <a:t>?&gt;</a:t>
+            </a:r>
+            <a:r>
+              <a:rPr lang="ja">
+                <a:solidFill>
+                  <a:srgbClr val="D4D4D4"/>
+                </a:solidFill>
+                <a:highlight>
+                  <a:srgbClr val="1E1E1E"/>
+                </a:highlight>
+                <a:latin typeface="Courier New"/>
+                <a:ea typeface="Courier New"/>
+                <a:cs typeface="Courier New"/>
+                <a:sym typeface="Courier New"/>
+              </a:rPr>
+              <a:t> </a:t>
+            </a:r>
+            <a:endParaRPr>
+              <a:solidFill>
+                <a:srgbClr val="D4D4D4"/>
+              </a:solidFill>
+              <a:highlight>
+                <a:srgbClr val="1E1E1E"/>
+              </a:highlight>
+              <a:latin typeface="Courier New"/>
+              <a:ea typeface="Courier New"/>
+              <a:cs typeface="Courier New"/>
+              <a:sym typeface="Courier New"/>
+            </a:endParaRPr>
+          </a:p>
+          <a:p>
+            <a:pPr indent="0" lvl="0" marL="0" rtl="0" algn="l">
+              <a:lnSpc>
+                <a:spcPct val="150000"/>
+              </a:lnSpc>
+              <a:spcBef>
+                <a:spcPts val="0"/>
+              </a:spcBef>
+              <a:spcAft>
+                <a:spcPts val="0"/>
+              </a:spcAft>
+              <a:buClr>
+                <a:schemeClr val="dk1"/>
+              </a:buClr>
+              <a:buSzPts val="1100"/>
+              <a:buFont typeface="Arial"/>
+              <a:buNone/>
+            </a:pPr>
+            <a:r>
+              <a:rPr lang="ja">
+                <a:solidFill>
+                  <a:srgbClr val="808080"/>
+                </a:solidFill>
+                <a:highlight>
+                  <a:srgbClr val="1E1E1E"/>
+                </a:highlight>
+                <a:latin typeface="Courier New"/>
+                <a:ea typeface="Courier New"/>
+                <a:cs typeface="Courier New"/>
+                <a:sym typeface="Courier New"/>
+              </a:rPr>
+              <a:t>&lt;/</a:t>
+            </a:r>
+            <a:r>
+              <a:rPr lang="ja">
+                <a:solidFill>
+                  <a:srgbClr val="569CD6"/>
+                </a:solidFill>
+                <a:highlight>
+                  <a:srgbClr val="1E1E1E"/>
+                </a:highlight>
+                <a:latin typeface="Courier New"/>
+                <a:ea typeface="Courier New"/>
+                <a:cs typeface="Courier New"/>
+                <a:sym typeface="Courier New"/>
+              </a:rPr>
+              <a:t>th</a:t>
+            </a:r>
+            <a:r>
+              <a:rPr lang="ja">
+                <a:solidFill>
+                  <a:srgbClr val="808080"/>
+                </a:solidFill>
+                <a:highlight>
+                  <a:srgbClr val="1E1E1E"/>
+                </a:highlight>
+                <a:latin typeface="Courier New"/>
+                <a:ea typeface="Courier New"/>
+                <a:cs typeface="Courier New"/>
+                <a:sym typeface="Courier New"/>
+              </a:rPr>
+              <a:t>&gt;</a:t>
+            </a:r>
+            <a:endParaRPr>
+              <a:solidFill>
+                <a:srgbClr val="808080"/>
+              </a:solidFill>
+              <a:highlight>
+                <a:srgbClr val="1E1E1E"/>
+              </a:highlight>
+              <a:latin typeface="Courier New"/>
+              <a:ea typeface="Courier New"/>
+              <a:cs typeface="Courier New"/>
+              <a:sym typeface="Courier New"/>
+            </a:endParaRPr>
+          </a:p>
+          <a:p>
+            <a:pPr indent="0" lvl="0" marL="0" rtl="0" algn="l">
+              <a:lnSpc>
+                <a:spcPct val="150000"/>
+              </a:lnSpc>
+              <a:spcBef>
+                <a:spcPts val="0"/>
+              </a:spcBef>
+              <a:spcAft>
+                <a:spcPts val="0"/>
+              </a:spcAft>
+              <a:buNone/>
+            </a:pPr>
+            <a:r>
+              <a:rPr lang="ja">
+                <a:solidFill>
+                  <a:srgbClr val="569CD6"/>
+                </a:solidFill>
+                <a:highlight>
+                  <a:srgbClr val="1E1E1E"/>
+                </a:highlight>
+                <a:latin typeface="Courier New"/>
+                <a:ea typeface="Courier New"/>
+                <a:cs typeface="Courier New"/>
+                <a:sym typeface="Courier New"/>
+              </a:rPr>
+              <a:t>&lt;?php</a:t>
+            </a:r>
+            <a:r>
+              <a:rPr lang="ja">
+                <a:solidFill>
+                  <a:srgbClr val="D4D4D4"/>
+                </a:solidFill>
+                <a:highlight>
+                  <a:srgbClr val="1E1E1E"/>
+                </a:highlight>
+                <a:latin typeface="Courier New"/>
+                <a:ea typeface="Courier New"/>
+                <a:cs typeface="Courier New"/>
+                <a:sym typeface="Courier New"/>
+              </a:rPr>
+              <a:t> }</a:t>
+            </a:r>
+            <a:endParaRPr>
+              <a:solidFill>
+                <a:srgbClr val="D4D4D4"/>
+              </a:solidFill>
+              <a:highlight>
+                <a:srgbClr val="1E1E1E"/>
+              </a:highlight>
+              <a:latin typeface="Courier New"/>
+              <a:ea typeface="Courier New"/>
+              <a:cs typeface="Courier New"/>
+              <a:sym typeface="Courier New"/>
+            </a:endParaRPr>
+          </a:p>
+          <a:p>
+            <a:pPr indent="0" lvl="0" marL="0" rtl="0" algn="l">
+              <a:spcBef>
+                <a:spcPts val="0"/>
+              </a:spcBef>
+              <a:spcAft>
+                <a:spcPts val="0"/>
+              </a:spcAft>
+              <a:buNone/>
+            </a:pPr>
+            <a:r>
+              <a:rPr lang="ja"/>
+              <a:t>データベースに略称と項目名を保存しといて、if文で区切るだけ。</a:t>
+            </a:r>
+            <a:endParaRPr>
+              <a:solidFill>
+                <a:srgbClr val="D4D4D4"/>
+              </a:solidFill>
+              <a:highlight>
+                <a:srgbClr val="1E1E1E"/>
+              </a:highlight>
+              <a:latin typeface="Courier New"/>
+              <a:ea typeface="Courier New"/>
+              <a:cs typeface="Courier New"/>
+              <a:sym typeface="Courier New"/>
+            </a:endParaRPr>
+          </a:p>
+          <a:p>
+            <a:pPr indent="0" lvl="0" marL="0" rtl="0" algn="l">
+              <a:lnSpc>
+                <a:spcPct val="150000"/>
+              </a:lnSpc>
+              <a:spcBef>
+                <a:spcPts val="1600"/>
+              </a:spcBef>
+              <a:spcAft>
+                <a:spcPts val="0"/>
+              </a:spcAft>
+              <a:buClr>
+                <a:schemeClr val="dk1"/>
+              </a:buClr>
+              <a:buSzPts val="1100"/>
+              <a:buFont typeface="Arial"/>
+              <a:buNone/>
+            </a:pPr>
+            <a:r>
+              <a:t/>
+            </a:r>
+            <a:endParaRPr>
+              <a:solidFill>
+                <a:srgbClr val="D4D4D4"/>
+              </a:solidFill>
+              <a:highlight>
+                <a:srgbClr val="1E1E1E"/>
+              </a:highlight>
+              <a:latin typeface="Courier New"/>
+              <a:ea typeface="Courier New"/>
+              <a:cs typeface="Courier New"/>
+              <a:sym typeface="Courier New"/>
+            </a:endParaRPr>
+          </a:p>
+          <a:p>
+            <a:pPr indent="0" lvl="0" marL="0" rtl="0" algn="l">
+              <a:spcBef>
+                <a:spcPts val="0"/>
+              </a:spcBef>
+              <a:spcAft>
+                <a:spcPts val="0"/>
+              </a:spcAft>
+              <a:buClr>
+                <a:schemeClr val="dk1"/>
+              </a:buClr>
+              <a:buSzPts val="1100"/>
+              <a:buFont typeface="Arial"/>
+              <a:buNone/>
+            </a:pPr>
+            <a:r>
+              <a:t/>
+            </a:r>
+            <a:endParaRPr sz="2700"/>
+          </a:p>
+          <a:p>
+            <a:pPr indent="0" lvl="0" marL="0" rtl="0" algn="l">
+              <a:spcBef>
+                <a:spcPts val="1600"/>
+              </a:spcBef>
+              <a:spcAft>
+                <a:spcPts val="1600"/>
+              </a:spcAft>
+              <a:buNone/>
+            </a:pPr>
+            <a:r>
+              <a:t/>
+            </a:r>
+            <a:endParaRPr/>
+          </a:p>
+        </p:txBody>
+      </p:sp>
+    </p:spTree>
+  </p:cSld>
+  <p:clrMapOvr>
+    <a:masterClrMapping/>
+  </p:clrMapOvr>
+</p:sld>
+</file>
+
+<file path=ppt/slides/slide11.xml><?xml version="1.0" encoding="utf-8"?>
+<p:sld xmlns:a="http://schemas.openxmlformats.org/drawingml/2006/main" xmlns:r="http://schemas.openxmlformats.org/officeDocument/2006/relationships" xmlns:mc="http://schemas.openxmlformats.org/markup-compatibility/2006" xmlns:mv="urn:schemas-microsoft-com:mac:vml" xmlns:p="http://schemas.openxmlformats.org/presentationml/2006/main" xmlns:c="http://schemas.openxmlformats.org/drawingml/2006/chart" xmlns:dgm="http://schemas.openxmlformats.org/drawingml/2006/diagram" xmlns:o="urn:schemas-microsoft-com:office:office" xmlns:v="urn:schemas-microsoft-com:vml" xmlns:pvml="urn:schemas-microsoft-com:office:powerpoint" xmlns:com="http://schemas.openxmlformats.org/drawingml/2006/compatibility" xmlns:p14="http://schemas.microsoft.com/office/powerpoint/2010/main" xmlns:p15="http://schemas.microsoft.com/office/powerpoint/2012/main" xmlns:ahyp="http://schemas.microsoft.com/office/drawing/2018/hyperlinkcolor">
+  <p:cSld>
+    <p:spTree>
+      <p:nvGrpSpPr>
+        <p:cNvPr id="113" name="Shape 113"/>
+        <p:cNvGrpSpPr/>
+        <p:nvPr/>
+      </p:nvGrpSpPr>
+      <p:grpSpPr>
+        <a:xfrm>
+          <a:off x="0" y="0"/>
+          <a:ext cx="0" cy="0"/>
+          <a:chOff x="0" y="0"/>
+          <a:chExt cx="0" cy="0"/>
+        </a:xfrm>
+      </p:grpSpPr>
+      <p:sp>
+        <p:nvSpPr>
+          <p:cNvPr id="114" name="Google Shape;114;p23"/>
+          <p:cNvSpPr txBox="1"/>
+          <p:nvPr>
+            <p:ph type="title"/>
+          </p:nvPr>
+        </p:nvSpPr>
+        <p:spPr>
+          <a:xfrm>
+            <a:off x="311700" y="2150850"/>
+            <a:ext cx="8520600" cy="841800"/>
+          </a:xfrm>
+          <a:prstGeom prst="rect">
+            <a:avLst/>
+          </a:prstGeom>
+        </p:spPr>
+        <p:txBody>
+          <a:bodyPr anchorCtr="0" anchor="ctr" bIns="91425" lIns="91425" spcFirstLastPara="1" rIns="91425" wrap="square" tIns="91425">
+            <a:noAutofit/>
+          </a:bodyPr>
+          <a:lstStyle/>
+          <a:p>
+            <a:pPr indent="0" lvl="0" marL="0" rtl="0" algn="ctr">
+              <a:spcBef>
+                <a:spcPts val="0"/>
+              </a:spcBef>
+              <a:spcAft>
+                <a:spcPts val="0"/>
+              </a:spcAft>
+              <a:buNone/>
+            </a:pPr>
+            <a:r>
+              <a:rPr lang="ja"/>
+              <a:t>よく使うサイト</a:t>
+            </a:r>
+            <a:endParaRPr/>
+          </a:p>
+        </p:txBody>
+      </p:sp>
+    </p:spTree>
+  </p:cSld>
+  <p:clrMapOvr>
+    <a:masterClrMapping/>
+  </p:clrMapOvr>
+</p:sld>
+</file>
+
+<file path=ppt/slides/slide12.xml><?xml version="1.0" encoding="utf-8"?>
+<p:sld xmlns:a="http://schemas.openxmlformats.org/drawingml/2006/main" xmlns:r="http://schemas.openxmlformats.org/officeDocument/2006/relationships" xmlns:mc="http://schemas.openxmlformats.org/markup-compatibility/2006" xmlns:mv="urn:schemas-microsoft-com:mac:vml" xmlns:p="http://schemas.openxmlformats.org/presentationml/2006/main" xmlns:c="http://schemas.openxmlformats.org/drawingml/2006/chart" xmlns:dgm="http://schemas.openxmlformats.org/drawingml/2006/diagram" xmlns:o="urn:schemas-microsoft-com:office:office" xmlns:v="urn:schemas-microsoft-com:vml" xmlns:pvml="urn:schemas-microsoft-com:office:powerpoint" xmlns:com="http://schemas.openxmlformats.org/drawingml/2006/compatibility" xmlns:p14="http://schemas.microsoft.com/office/powerpoint/2010/main" xmlns:p15="http://schemas.microsoft.com/office/powerpoint/2012/main" xmlns:ahyp="http://schemas.microsoft.com/office/drawing/2018/hyperlinkcolor">
+  <p:cSld>
+    <p:spTree>
+      <p:nvGrpSpPr>
+        <p:cNvPr id="118" name="Shape 118"/>
+        <p:cNvGrpSpPr/>
+        <p:nvPr/>
+      </p:nvGrpSpPr>
+      <p:grpSpPr>
+        <a:xfrm>
+          <a:off x="0" y="0"/>
+          <a:ext cx="0" cy="0"/>
+          <a:chOff x="0" y="0"/>
+          <a:chExt cx="0" cy="0"/>
+        </a:xfrm>
+      </p:grpSpPr>
+      <p:sp>
+        <p:nvSpPr>
+          <p:cNvPr id="119" name="Google Shape;119;p24"/>
+          <p:cNvSpPr txBox="1"/>
+          <p:nvPr>
+            <p:ph type="title"/>
+          </p:nvPr>
+        </p:nvSpPr>
+        <p:spPr>
+          <a:xfrm>
+            <a:off x="311700" y="445025"/>
+            <a:ext cx="8520600" cy="572700"/>
+          </a:xfrm>
+          <a:prstGeom prst="rect">
+            <a:avLst/>
+          </a:prstGeom>
+        </p:spPr>
+        <p:txBody>
+          <a:bodyPr anchorCtr="0" anchor="t" bIns="91425" lIns="91425" spcFirstLastPara="1" rIns="91425" wrap="square" tIns="91425">
+            <a:noAutofit/>
+          </a:bodyPr>
+          <a:lstStyle/>
+          <a:p>
+            <a:pPr indent="0" lvl="0" marL="0" rtl="0" algn="l">
+              <a:spcBef>
+                <a:spcPts val="0"/>
+              </a:spcBef>
+              <a:spcAft>
+                <a:spcPts val="0"/>
+              </a:spcAft>
+              <a:buNone/>
+            </a:pPr>
+            <a:r>
+              <a:t/>
+            </a:r>
+            <a:endParaRPr/>
+          </a:p>
+        </p:txBody>
+      </p:sp>
+      <p:sp>
+        <p:nvSpPr>
+          <p:cNvPr id="120" name="Google Shape;120;p24"/>
+          <p:cNvSpPr txBox="1"/>
+          <p:nvPr>
+            <p:ph idx="1" type="body"/>
+          </p:nvPr>
+        </p:nvSpPr>
+        <p:spPr>
+          <a:xfrm>
+            <a:off x="311700" y="1017725"/>
+            <a:ext cx="8520600" cy="3416400"/>
+          </a:xfrm>
+          <a:prstGeom prst="rect">
+            <a:avLst/>
+          </a:prstGeom>
+          <a:noFill/>
+          <a:ln cap="flat" cmpd="sng" w="9525">
+            <a:solidFill>
+              <a:srgbClr val="000000"/>
+            </a:solidFill>
+            <a:prstDash val="solid"/>
+            <a:round/>
+            <a:headEnd len="sm" w="sm" type="none"/>
+            <a:tailEnd len="sm" w="sm" type="none"/>
+          </a:ln>
+        </p:spPr>
+        <p:txBody>
+          <a:bodyPr anchorCtr="0" anchor="t" bIns="91425" lIns="91425" spcFirstLastPara="1" rIns="91425" wrap="square" tIns="91425">
+            <a:noAutofit/>
+          </a:bodyPr>
+          <a:lstStyle/>
+          <a:p>
+            <a:pPr indent="0" lvl="0" marL="0" rtl="0" algn="l">
+              <a:spcBef>
+                <a:spcPts val="0"/>
+              </a:spcBef>
+              <a:spcAft>
+                <a:spcPts val="0"/>
+              </a:spcAft>
+              <a:buNone/>
+            </a:pPr>
+            <a:r>
+              <a:rPr lang="ja"/>
+              <a:t>プログラミング名を決める時に困ったら、とにかくこれに日本語名を入れる。  </a:t>
+            </a:r>
+            <a:endParaRPr/>
+          </a:p>
+          <a:p>
+            <a:pPr indent="0" lvl="0" marL="0" rtl="0" algn="l">
+              <a:spcBef>
+                <a:spcPts val="1600"/>
+              </a:spcBef>
+              <a:spcAft>
+                <a:spcPts val="0"/>
+              </a:spcAft>
+              <a:buNone/>
+            </a:pPr>
+            <a:r>
+              <a:rPr lang="ja" sz="2000" u="sng">
+                <a:solidFill>
+                  <a:schemeClr val="hlink"/>
+                </a:solidFill>
+                <a:hlinkClick r:id="rId3"/>
+              </a:rPr>
+              <a:t>https://codic.jp</a:t>
+            </a:r>
+            <a:endParaRPr sz="1400"/>
+          </a:p>
+          <a:p>
+            <a:pPr indent="0" lvl="0" marL="0" rtl="0" algn="l">
+              <a:spcBef>
+                <a:spcPts val="1600"/>
+              </a:spcBef>
+              <a:spcAft>
+                <a:spcPts val="0"/>
+              </a:spcAft>
+              <a:buNone/>
+            </a:pPr>
+            <a:r>
+              <a:t/>
+            </a:r>
+            <a:endParaRPr sz="2000"/>
+          </a:p>
+          <a:p>
+            <a:pPr indent="0" lvl="0" marL="0" rtl="0" algn="l">
+              <a:spcBef>
+                <a:spcPts val="1600"/>
+              </a:spcBef>
+              <a:spcAft>
+                <a:spcPts val="0"/>
+              </a:spcAft>
+              <a:buNone/>
+            </a:pPr>
+            <a:r>
+              <a:t/>
+            </a:r>
+            <a:endParaRPr sz="2000"/>
+          </a:p>
+          <a:p>
+            <a:pPr indent="0" lvl="0" marL="0" rtl="0" algn="l">
+              <a:spcBef>
+                <a:spcPts val="1600"/>
+              </a:spcBef>
+              <a:spcAft>
+                <a:spcPts val="0"/>
+              </a:spcAft>
+              <a:buNone/>
+            </a:pPr>
+            <a:r>
+              <a:t/>
+            </a:r>
+            <a:endParaRPr/>
+          </a:p>
+          <a:p>
+            <a:pPr indent="0" lvl="0" marL="0" rtl="0" algn="l">
+              <a:spcBef>
+                <a:spcPts val="1600"/>
+              </a:spcBef>
+              <a:spcAft>
+                <a:spcPts val="0"/>
+              </a:spcAft>
+              <a:buClr>
+                <a:schemeClr val="dk1"/>
+              </a:buClr>
+              <a:buSzPts val="1100"/>
+              <a:buFont typeface="Arial"/>
+              <a:buNone/>
+            </a:pPr>
+            <a:r>
+              <a:rPr lang="ja"/>
+              <a:t> </a:t>
+            </a:r>
+            <a:endParaRPr/>
+          </a:p>
+          <a:p>
+            <a:pPr indent="0" lvl="0" marL="0" rtl="0" algn="l">
+              <a:spcBef>
+                <a:spcPts val="1600"/>
+              </a:spcBef>
+              <a:spcAft>
+                <a:spcPts val="0"/>
+              </a:spcAft>
+              <a:buNone/>
+            </a:pPr>
+            <a:r>
+              <a:t/>
+            </a:r>
+            <a:endParaRPr sz="1300" u="sng">
+              <a:solidFill>
+                <a:schemeClr val="hlink"/>
+              </a:solidFill>
+            </a:endParaRPr>
+          </a:p>
+          <a:p>
+            <a:pPr indent="0" lvl="0" marL="0" rtl="0" algn="l">
+              <a:spcBef>
+                <a:spcPts val="1600"/>
+              </a:spcBef>
+              <a:spcAft>
+                <a:spcPts val="1600"/>
+              </a:spcAft>
+              <a:buNone/>
+            </a:pPr>
+            <a:r>
+              <a:t/>
+            </a:r>
+            <a:endParaRPr sz="1300"/>
+          </a:p>
+        </p:txBody>
+      </p:sp>
+      <p:pic>
+        <p:nvPicPr>
+          <p:cNvPr id="121" name="Google Shape;121;p24"/>
+          <p:cNvPicPr preferRelativeResize="0"/>
+          <p:nvPr/>
+        </p:nvPicPr>
+        <p:blipFill>
+          <a:blip r:embed="rId4">
+            <a:alphaModFix/>
+          </a:blip>
+          <a:stretch>
+            <a:fillRect/>
+          </a:stretch>
+        </p:blipFill>
+        <p:spPr>
+          <a:xfrm>
+            <a:off x="2640156" y="1440250"/>
+            <a:ext cx="6192147" cy="2977549"/>
+          </a:xfrm>
+          <a:prstGeom prst="rect">
+            <a:avLst/>
+          </a:prstGeom>
+          <a:noFill/>
+          <a:ln>
+            <a:noFill/>
+          </a:ln>
+        </p:spPr>
+      </p:pic>
+    </p:spTree>
+  </p:cSld>
+  <p:clrMapOvr>
+    <a:masterClrMapping/>
+  </p:clrMapOvr>
+</p:sld>
+</file>
+
+<file path=ppt/slides/slide13.xml><?xml version="1.0" encoding="utf-8"?>
+<p:sld xmlns:a="http://schemas.openxmlformats.org/drawingml/2006/main" xmlns:r="http://schemas.openxmlformats.org/officeDocument/2006/relationships" xmlns:mc="http://schemas.openxmlformats.org/markup-compatibility/2006" xmlns:mv="urn:schemas-microsoft-com:mac:vml" xmlns:p="http://schemas.openxmlformats.org/presentationml/2006/main" xmlns:c="http://schemas.openxmlformats.org/drawingml/2006/chart" xmlns:dgm="http://schemas.openxmlformats.org/drawingml/2006/diagram" xmlns:o="urn:schemas-microsoft-com:office:office" xmlns:v="urn:schemas-microsoft-com:vml" xmlns:pvml="urn:schemas-microsoft-com:office:powerpoint" xmlns:com="http://schemas.openxmlformats.org/drawingml/2006/compatibility" xmlns:p14="http://schemas.microsoft.com/office/powerpoint/2010/main" xmlns:p15="http://schemas.microsoft.com/office/powerpoint/2012/main" xmlns:ahyp="http://schemas.microsoft.com/office/drawing/2018/hyperlinkcolor">
+  <p:cSld>
+    <p:spTree>
+      <p:nvGrpSpPr>
+        <p:cNvPr id="125" name="Shape 125"/>
+        <p:cNvGrpSpPr/>
+        <p:nvPr/>
+      </p:nvGrpSpPr>
+      <p:grpSpPr>
+        <a:xfrm>
+          <a:off x="0" y="0"/>
+          <a:ext cx="0" cy="0"/>
+          <a:chOff x="0" y="0"/>
+          <a:chExt cx="0" cy="0"/>
+        </a:xfrm>
+      </p:grpSpPr>
+      <p:sp>
+        <p:nvSpPr>
+          <p:cNvPr id="126" name="Google Shape;126;p25"/>
+          <p:cNvSpPr txBox="1"/>
+          <p:nvPr>
+            <p:ph type="title"/>
+          </p:nvPr>
+        </p:nvSpPr>
+        <p:spPr>
+          <a:xfrm>
+            <a:off x="311700" y="445025"/>
+            <a:ext cx="8520600" cy="572700"/>
+          </a:xfrm>
+          <a:prstGeom prst="rect">
+            <a:avLst/>
+          </a:prstGeom>
+        </p:spPr>
+        <p:txBody>
+          <a:bodyPr anchorCtr="0" anchor="t" bIns="91425" lIns="91425" spcFirstLastPara="1" rIns="91425" wrap="square" tIns="91425">
+            <a:noAutofit/>
+          </a:bodyPr>
+          <a:lstStyle/>
+          <a:p>
+            <a:pPr indent="0" lvl="0" marL="0" rtl="0" algn="l">
+              <a:lnSpc>
+                <a:spcPct val="115000"/>
+              </a:lnSpc>
+              <a:spcBef>
+                <a:spcPts val="0"/>
+              </a:spcBef>
+              <a:spcAft>
+                <a:spcPts val="1600"/>
+              </a:spcAft>
+              <a:buClr>
+                <a:schemeClr val="dk1"/>
+              </a:buClr>
+              <a:buSzPts val="1100"/>
+              <a:buFont typeface="Arial"/>
+              <a:buNone/>
+            </a:pPr>
+            <a:r>
+              <a:rPr lang="ja" sz="1800">
+                <a:solidFill>
+                  <a:schemeClr val="dk2"/>
+                </a:solidFill>
+              </a:rPr>
+              <a:t>レイアウトに困ったら、BOOTSTRAPから引用してました。</a:t>
+            </a:r>
+            <a:endParaRPr/>
+          </a:p>
+        </p:txBody>
+      </p:sp>
+      <p:sp>
+        <p:nvSpPr>
+          <p:cNvPr id="127" name="Google Shape;127;p25"/>
+          <p:cNvSpPr txBox="1"/>
+          <p:nvPr>
+            <p:ph idx="1" type="body"/>
+          </p:nvPr>
+        </p:nvSpPr>
+        <p:spPr>
+          <a:xfrm>
+            <a:off x="311700" y="1152475"/>
+            <a:ext cx="8520600" cy="3416400"/>
+          </a:xfrm>
+          <a:prstGeom prst="rect">
+            <a:avLst/>
+          </a:prstGeom>
+        </p:spPr>
+        <p:txBody>
+          <a:bodyPr anchorCtr="0" anchor="t" bIns="91425" lIns="91425" spcFirstLastPara="1" rIns="91425" wrap="square" tIns="91425">
+            <a:noAutofit/>
+          </a:bodyPr>
+          <a:lstStyle/>
+          <a:p>
+            <a:pPr indent="0" lvl="0" marL="0" rtl="0" algn="l">
+              <a:spcBef>
+                <a:spcPts val="0"/>
+              </a:spcBef>
+              <a:spcAft>
+                <a:spcPts val="0"/>
+              </a:spcAft>
+              <a:buClr>
+                <a:schemeClr val="dk1"/>
+              </a:buClr>
+              <a:buSzPts val="1100"/>
+              <a:buFont typeface="Arial"/>
+              <a:buNone/>
+            </a:pPr>
+            <a:r>
+              <a:rPr lang="ja" sz="1300" u="sng">
+                <a:solidFill>
+                  <a:schemeClr val="accent5"/>
+                </a:solidFill>
+                <a:hlinkClick r:id="rId3">
+                  <a:extLst>
+                    <a:ext uri="{A12FA001-AC4F-418D-AE19-62706E023703}">
+                      <ahyp:hlinkClr val="tx"/>
+                    </a:ext>
+                  </a:extLst>
+                </a:hlinkClick>
+              </a:rPr>
+              <a:t>https://getbootstrap.com/</a:t>
+            </a:r>
+            <a:endParaRPr sz="2000"/>
+          </a:p>
+          <a:p>
+            <a:pPr indent="0" lvl="0" marL="0" rtl="0" algn="l">
+              <a:spcBef>
+                <a:spcPts val="1600"/>
+              </a:spcBef>
+              <a:spcAft>
+                <a:spcPts val="1600"/>
+              </a:spcAft>
+              <a:buClr>
+                <a:schemeClr val="dk1"/>
+              </a:buClr>
+              <a:buSzPts val="1100"/>
+              <a:buFont typeface="Arial"/>
+              <a:buNone/>
+            </a:pPr>
+            <a:r>
+              <a:rPr lang="ja" sz="1300" u="sng">
+                <a:solidFill>
+                  <a:schemeClr val="accent5"/>
+                </a:solidFill>
+                <a:hlinkClick r:id="rId4">
+                  <a:extLst>
+                    <a:ext uri="{A12FA001-AC4F-418D-AE19-62706E023703}">
+                      <ahyp:hlinkClr val="tx"/>
+                    </a:ext>
+                  </a:extLst>
+                </a:hlinkClick>
+              </a:rPr>
+              <a:t>https://www.youtube.com/watch?v=FtkRIuWTf0E&amp;list=PLh6V6_7fbbo9sHm8E3F7lZuDDxDJkheKD&amp;index=1</a:t>
+            </a:r>
+            <a:endParaRPr/>
+          </a:p>
+        </p:txBody>
+      </p:sp>
+      <p:pic>
+        <p:nvPicPr>
+          <p:cNvPr id="128" name="Google Shape;128;p25"/>
+          <p:cNvPicPr preferRelativeResize="0"/>
+          <p:nvPr/>
+        </p:nvPicPr>
+        <p:blipFill>
+          <a:blip r:embed="rId5">
+            <a:alphaModFix/>
+          </a:blip>
+          <a:stretch>
+            <a:fillRect/>
+          </a:stretch>
+        </p:blipFill>
+        <p:spPr>
+          <a:xfrm>
+            <a:off x="1682575" y="2094224"/>
+            <a:ext cx="5778850" cy="2745026"/>
+          </a:xfrm>
+          <a:prstGeom prst="rect">
+            <a:avLst/>
+          </a:prstGeom>
+          <a:noFill/>
+          <a:ln>
+            <a:noFill/>
+          </a:ln>
+        </p:spPr>
+      </p:pic>
+    </p:spTree>
+  </p:cSld>
+  <p:clrMapOvr>
+    <a:masterClrMapping/>
+  </p:clrMapOvr>
+</p:sld>
+</file>
+
+<file path=ppt/slides/slide14.xml><?xml version="1.0" encoding="utf-8"?>
+<p:sld xmlns:a="http://schemas.openxmlformats.org/drawingml/2006/main" xmlns:r="http://schemas.openxmlformats.org/officeDocument/2006/relationships" xmlns:mc="http://schemas.openxmlformats.org/markup-compatibility/2006" xmlns:mv="urn:schemas-microsoft-com:mac:vml" xmlns:p="http://schemas.openxmlformats.org/presentationml/2006/main" xmlns:c="http://schemas.openxmlformats.org/drawingml/2006/chart" xmlns:dgm="http://schemas.openxmlformats.org/drawingml/2006/diagram" xmlns:o="urn:schemas-microsoft-com:office:office" xmlns:v="urn:schemas-microsoft-com:vml" xmlns:pvml="urn:schemas-microsoft-com:office:powerpoint" xmlns:com="http://schemas.openxmlformats.org/drawingml/2006/compatibility" xmlns:p14="http://schemas.microsoft.com/office/powerpoint/2010/main" xmlns:p15="http://schemas.microsoft.com/office/powerpoint/2012/main" xmlns:ahyp="http://schemas.microsoft.com/office/drawing/2018/hyperlinkcolor">
+  <p:cSld>
+    <p:spTree>
+      <p:nvGrpSpPr>
+        <p:cNvPr id="132" name="Shape 132"/>
+        <p:cNvGrpSpPr/>
+        <p:nvPr/>
+      </p:nvGrpSpPr>
+      <p:grpSpPr>
+        <a:xfrm>
+          <a:off x="0" y="0"/>
+          <a:ext cx="0" cy="0"/>
+          <a:chOff x="0" y="0"/>
+          <a:chExt cx="0" cy="0"/>
+        </a:xfrm>
+      </p:grpSpPr>
+      <p:sp>
+        <p:nvSpPr>
+          <p:cNvPr id="133" name="Google Shape;133;p26"/>
+          <p:cNvSpPr txBox="1"/>
+          <p:nvPr>
+            <p:ph type="ctrTitle"/>
+          </p:nvPr>
+        </p:nvSpPr>
+        <p:spPr>
+          <a:xfrm>
+            <a:off x="311708" y="744575"/>
+            <a:ext cx="8520600" cy="2052600"/>
+          </a:xfrm>
+          <a:prstGeom prst="rect">
+            <a:avLst/>
+          </a:prstGeom>
+        </p:spPr>
+        <p:txBody>
+          <a:bodyPr anchorCtr="0" anchor="b" bIns="91425" lIns="91425" spcFirstLastPara="1" rIns="91425" wrap="square" tIns="91425">
+            <a:noAutofit/>
+          </a:bodyPr>
+          <a:lstStyle/>
+          <a:p>
+            <a:pPr indent="0" lvl="0" marL="0" rtl="0" algn="ctr">
+              <a:spcBef>
+                <a:spcPts val="0"/>
+              </a:spcBef>
+              <a:spcAft>
+                <a:spcPts val="0"/>
+              </a:spcAft>
+              <a:buNone/>
+            </a:pPr>
+            <a:r>
+              <a:rPr lang="ja"/>
+              <a:t>仕事で学んだ、</a:t>
+            </a:r>
+            <a:endParaRPr/>
+          </a:p>
+          <a:p>
+            <a:pPr indent="0" lvl="0" marL="0" rtl="0" algn="ctr">
+              <a:spcBef>
+                <a:spcPts val="0"/>
+              </a:spcBef>
+              <a:spcAft>
+                <a:spcPts val="0"/>
+              </a:spcAft>
+              <a:buNone/>
+            </a:pPr>
+            <a:r>
+              <a:rPr lang="ja"/>
+              <a:t>使えそうな技術(PHP)</a:t>
+            </a:r>
+            <a:endParaRPr/>
+          </a:p>
+        </p:txBody>
+      </p:sp>
+      <p:sp>
+        <p:nvSpPr>
+          <p:cNvPr id="134" name="Google Shape;134;p26"/>
+          <p:cNvSpPr txBox="1"/>
+          <p:nvPr>
+            <p:ph idx="1" type="subTitle"/>
+          </p:nvPr>
+        </p:nvSpPr>
+        <p:spPr>
+          <a:xfrm>
+            <a:off x="311700" y="2834125"/>
+            <a:ext cx="8520600" cy="792600"/>
+          </a:xfrm>
+          <a:prstGeom prst="rect">
+            <a:avLst/>
+          </a:prstGeom>
+        </p:spPr>
+        <p:txBody>
+          <a:bodyPr anchorCtr="0" anchor="t" bIns="91425" lIns="91425" spcFirstLastPara="1" rIns="91425" wrap="square" tIns="91425">
+            <a:noAutofit/>
+          </a:bodyPr>
+          <a:lstStyle/>
+          <a:p>
+            <a:pPr indent="0" lvl="0" marL="0" rtl="0" algn="ctr">
+              <a:spcBef>
+                <a:spcPts val="0"/>
+              </a:spcBef>
+              <a:spcAft>
+                <a:spcPts val="0"/>
+              </a:spcAft>
+              <a:buNone/>
+            </a:pPr>
+            <a:r>
+              <a:rPr lang="ja"/>
+              <a:t>書き方ミスってたら、すいません。</a:t>
+            </a:r>
+            <a:endParaRPr/>
+          </a:p>
+        </p:txBody>
+      </p:sp>
+    </p:spTree>
+  </p:cSld>
+  <p:clrMapOvr>
+    <a:masterClrMapping/>
+  </p:clrMapOvr>
+</p:sld>
+</file>
+
+<file path=ppt/slides/slide15.xml><?xml version="1.0" encoding="utf-8"?>
+<p:sld xmlns:a="http://schemas.openxmlformats.org/drawingml/2006/main" xmlns:r="http://schemas.openxmlformats.org/officeDocument/2006/relationships" xmlns:mc="http://schemas.openxmlformats.org/markup-compatibility/2006" xmlns:mv="urn:schemas-microsoft-com:mac:vml" xmlns:p="http://schemas.openxmlformats.org/presentationml/2006/main" xmlns:c="http://schemas.openxmlformats.org/drawingml/2006/chart" xmlns:dgm="http://schemas.openxmlformats.org/drawingml/2006/diagram" xmlns:o="urn:schemas-microsoft-com:office:office" xmlns:v="urn:schemas-microsoft-com:vml" xmlns:pvml="urn:schemas-microsoft-com:office:powerpoint" xmlns:com="http://schemas.openxmlformats.org/drawingml/2006/compatibility" xmlns:p14="http://schemas.microsoft.com/office/powerpoint/2010/main" xmlns:p15="http://schemas.microsoft.com/office/powerpoint/2012/main" xmlns:ahyp="http://schemas.microsoft.com/office/drawing/2018/hyperlinkcolor">
+  <p:cSld>
+    <p:spTree>
+      <p:nvGrpSpPr>
+        <p:cNvPr id="138" name="Shape 138"/>
+        <p:cNvGrpSpPr/>
+        <p:nvPr/>
+      </p:nvGrpSpPr>
+      <p:grpSpPr>
+        <a:xfrm>
+          <a:off x="0" y="0"/>
+          <a:ext cx="0" cy="0"/>
+          <a:chOff x="0" y="0"/>
+          <a:chExt cx="0" cy="0"/>
+        </a:xfrm>
+      </p:grpSpPr>
+      <p:sp>
+        <p:nvSpPr>
+          <p:cNvPr id="139" name="Google Shape;139;p27"/>
+          <p:cNvSpPr txBox="1"/>
+          <p:nvPr>
+            <p:ph type="title"/>
+          </p:nvPr>
+        </p:nvSpPr>
+        <p:spPr>
+          <a:xfrm>
+            <a:off x="311700" y="445025"/>
+            <a:ext cx="8520600" cy="572700"/>
+          </a:xfrm>
+          <a:prstGeom prst="rect">
+            <a:avLst/>
+          </a:prstGeom>
+        </p:spPr>
+        <p:txBody>
+          <a:bodyPr anchorCtr="0" anchor="t" bIns="91425" lIns="91425" spcFirstLastPara="1" rIns="91425" wrap="square" tIns="91425">
+            <a:noAutofit/>
+          </a:bodyPr>
+          <a:lstStyle/>
+          <a:p>
+            <a:pPr indent="0" lvl="0" marL="0" rtl="0" algn="l">
+              <a:spcBef>
+                <a:spcPts val="0"/>
+              </a:spcBef>
+              <a:spcAft>
+                <a:spcPts val="0"/>
+              </a:spcAft>
+              <a:buNone/>
+            </a:pPr>
+            <a:r>
+              <a:rPr lang="ja"/>
+              <a:t>ループで回して、</a:t>
+            </a:r>
+            <a:r>
+              <a:rPr lang="ja"/>
+              <a:t>POSTで</a:t>
+            </a:r>
+            <a:r>
+              <a:rPr lang="ja"/>
+              <a:t>送り方</a:t>
+            </a:r>
+            <a:endParaRPr/>
+          </a:p>
+        </p:txBody>
+      </p:sp>
+      <p:sp>
+        <p:nvSpPr>
+          <p:cNvPr id="140" name="Google Shape;140;p27"/>
+          <p:cNvSpPr txBox="1"/>
+          <p:nvPr>
+            <p:ph idx="1" type="body"/>
+          </p:nvPr>
+        </p:nvSpPr>
+        <p:spPr>
+          <a:xfrm>
+            <a:off x="311700" y="1152475"/>
+            <a:ext cx="8520600" cy="3416400"/>
+          </a:xfrm>
+          <a:prstGeom prst="rect">
+            <a:avLst/>
+          </a:prstGeom>
+        </p:spPr>
+        <p:txBody>
+          <a:bodyPr anchorCtr="0" anchor="t" bIns="91425" lIns="91425" spcFirstLastPara="1" rIns="91425" wrap="square" tIns="91425">
+            <a:noAutofit/>
+          </a:bodyPr>
+          <a:lstStyle/>
+          <a:p>
+            <a:pPr indent="0" lvl="0" marL="0" rtl="0" algn="l">
+              <a:spcBef>
+                <a:spcPts val="0"/>
+              </a:spcBef>
+              <a:spcAft>
+                <a:spcPts val="0"/>
+              </a:spcAft>
+              <a:buNone/>
+            </a:pPr>
+            <a:r>
+              <a:rPr lang="ja"/>
+              <a:t>&lt;input type=”text” name=”name[‘&lt;?= $rec[‘id’] ?&gt;’][name]” value=”&lt;?= $name ?&gt;”&gt;</a:t>
+            </a:r>
+            <a:endParaRPr sz="900">
+              <a:solidFill>
+                <a:srgbClr val="CE9178"/>
+              </a:solidFill>
+              <a:highlight>
+                <a:srgbClr val="1E1E1E"/>
+              </a:highlight>
+              <a:latin typeface="Courier New"/>
+              <a:ea typeface="Courier New"/>
+              <a:cs typeface="Courier New"/>
+              <a:sym typeface="Courier New"/>
+            </a:endParaRPr>
+          </a:p>
+          <a:p>
+            <a:pPr indent="0" lvl="0" marL="0" rtl="0" algn="l">
+              <a:spcBef>
+                <a:spcPts val="1600"/>
+              </a:spcBef>
+              <a:spcAft>
+                <a:spcPts val="0"/>
+              </a:spcAft>
+              <a:buNone/>
+            </a:pPr>
+            <a:r>
+              <a:rPr lang="ja"/>
+              <a:t>nameを２重配列にする。</a:t>
+            </a:r>
+            <a:endParaRPr/>
+          </a:p>
+          <a:p>
+            <a:pPr indent="0" lvl="0" marL="0" rtl="0" algn="l">
+              <a:spcBef>
+                <a:spcPts val="1600"/>
+              </a:spcBef>
+              <a:spcAft>
+                <a:spcPts val="0"/>
+              </a:spcAft>
+              <a:buNone/>
+            </a:pPr>
+            <a:r>
+              <a:rPr lang="ja"/>
+              <a:t>foreach($_POST[‘name’] as $key =&gt; $value ){</a:t>
+            </a:r>
+            <a:endParaRPr/>
+          </a:p>
+          <a:p>
+            <a:pPr indent="0" lvl="0" marL="0" rtl="0" algn="l">
+              <a:spcBef>
+                <a:spcPts val="1600"/>
+              </a:spcBef>
+              <a:spcAft>
+                <a:spcPts val="0"/>
+              </a:spcAft>
+              <a:buNone/>
+            </a:pPr>
+            <a:r>
+              <a:rPr lang="ja"/>
+              <a:t>	$value[“name”];</a:t>
+            </a:r>
+            <a:endParaRPr/>
+          </a:p>
+          <a:p>
+            <a:pPr indent="0" lvl="0" marL="0" rtl="0" algn="l">
+              <a:spcBef>
+                <a:spcPts val="1600"/>
+              </a:spcBef>
+              <a:spcAft>
+                <a:spcPts val="0"/>
+              </a:spcAft>
+              <a:buNone/>
+            </a:pPr>
+            <a:r>
+              <a:rPr lang="ja"/>
+              <a:t>}</a:t>
+            </a:r>
+            <a:endParaRPr/>
+          </a:p>
+          <a:p>
+            <a:pPr indent="0" lvl="0" marL="0" rtl="0" algn="l">
+              <a:spcBef>
+                <a:spcPts val="1600"/>
+              </a:spcBef>
+              <a:spcAft>
+                <a:spcPts val="1600"/>
+              </a:spcAft>
+              <a:buNone/>
+            </a:pPr>
+            <a:r>
+              <a:rPr lang="ja"/>
+              <a:t>$valueの配列にすれば、取り出せる。</a:t>
+            </a:r>
+            <a:endParaRPr/>
+          </a:p>
+        </p:txBody>
+      </p:sp>
+    </p:spTree>
+  </p:cSld>
+  <p:clrMapOvr>
+    <a:masterClrMapping/>
+  </p:clrMapOvr>
+</p:sld>
+</file>
+
+<file path=ppt/slides/slide16.xml><?xml version="1.0" encoding="utf-8"?>
+<p:sld xmlns:a="http://schemas.openxmlformats.org/drawingml/2006/main" xmlns:r="http://schemas.openxmlformats.org/officeDocument/2006/relationships" xmlns:mc="http://schemas.openxmlformats.org/markup-compatibility/2006" xmlns:mv="urn:schemas-microsoft-com:mac:vml" xmlns:p="http://schemas.openxmlformats.org/presentationml/2006/main" xmlns:c="http://schemas.openxmlformats.org/drawingml/2006/chart" xmlns:dgm="http://schemas.openxmlformats.org/drawingml/2006/diagram" xmlns:o="urn:schemas-microsoft-com:office:office" xmlns:v="urn:schemas-microsoft-com:vml" xmlns:pvml="urn:schemas-microsoft-com:office:powerpoint" xmlns:com="http://schemas.openxmlformats.org/drawingml/2006/compatibility" xmlns:p14="http://schemas.microsoft.com/office/powerpoint/2010/main" xmlns:p15="http://schemas.microsoft.com/office/powerpoint/2012/main" xmlns:ahyp="http://schemas.microsoft.com/office/drawing/2018/hyperlinkcolor">
+  <p:cSld>
+    <p:spTree>
+      <p:nvGrpSpPr>
+        <p:cNvPr id="144" name="Shape 144"/>
+        <p:cNvGrpSpPr/>
+        <p:nvPr/>
+      </p:nvGrpSpPr>
+      <p:grpSpPr>
+        <a:xfrm>
+          <a:off x="0" y="0"/>
+          <a:ext cx="0" cy="0"/>
+          <a:chOff x="0" y="0"/>
+          <a:chExt cx="0" cy="0"/>
+        </a:xfrm>
+      </p:grpSpPr>
+      <p:sp>
+        <p:nvSpPr>
+          <p:cNvPr id="145" name="Google Shape;145;p28"/>
+          <p:cNvSpPr txBox="1"/>
+          <p:nvPr>
+            <p:ph type="title"/>
+          </p:nvPr>
+        </p:nvSpPr>
+        <p:spPr>
+          <a:xfrm>
+            <a:off x="311700" y="445025"/>
+            <a:ext cx="8520600" cy="572700"/>
+          </a:xfrm>
+          <a:prstGeom prst="rect">
+            <a:avLst/>
+          </a:prstGeom>
+        </p:spPr>
+        <p:txBody>
+          <a:bodyPr anchorCtr="0" anchor="t" bIns="91425" lIns="91425" spcFirstLastPara="1" rIns="91425" wrap="square" tIns="91425">
+            <a:noAutofit/>
+          </a:bodyPr>
+          <a:lstStyle/>
+          <a:p>
+            <a:pPr indent="0" lvl="0" marL="0" rtl="0" algn="l">
+              <a:spcBef>
+                <a:spcPts val="0"/>
+              </a:spcBef>
+              <a:spcAft>
+                <a:spcPts val="0"/>
+              </a:spcAft>
+              <a:buNone/>
+            </a:pPr>
+            <a:r>
+              <a:rPr lang="ja"/>
+              <a:t>連想配列</a:t>
+            </a:r>
+            <a:endParaRPr/>
+          </a:p>
+        </p:txBody>
+      </p:sp>
+      <p:sp>
+        <p:nvSpPr>
+          <p:cNvPr id="146" name="Google Shape;146;p28"/>
+          <p:cNvSpPr txBox="1"/>
+          <p:nvPr>
+            <p:ph idx="1" type="body"/>
+          </p:nvPr>
+        </p:nvSpPr>
+        <p:spPr>
+          <a:xfrm>
+            <a:off x="311700" y="1152475"/>
+            <a:ext cx="8520600" cy="3416400"/>
+          </a:xfrm>
+          <a:prstGeom prst="rect">
+            <a:avLst/>
+          </a:prstGeom>
+        </p:spPr>
+        <p:txBody>
+          <a:bodyPr anchorCtr="0" anchor="t" bIns="91425" lIns="91425" spcFirstLastPara="1" rIns="91425" wrap="square" tIns="91425">
+            <a:noAutofit/>
+          </a:bodyPr>
+          <a:lstStyle/>
+          <a:p>
+            <a:pPr indent="0" lvl="0" marL="0" rtl="0" algn="l">
+              <a:spcBef>
+                <a:spcPts val="0"/>
+              </a:spcBef>
+              <a:spcAft>
+                <a:spcPts val="0"/>
+              </a:spcAft>
+              <a:buNone/>
+            </a:pPr>
+            <a:r>
+              <a:rPr lang="ja"/>
+              <a:t>$name[‘weather’] = $weather;</a:t>
+            </a:r>
+            <a:endParaRPr/>
+          </a:p>
+          <a:p>
+            <a:pPr indent="0" lvl="0" marL="0" rtl="0" algn="l">
+              <a:spcBef>
+                <a:spcPts val="1600"/>
+              </a:spcBef>
+              <a:spcAft>
+                <a:spcPts val="1600"/>
+              </a:spcAft>
+              <a:buNone/>
+            </a:pPr>
+            <a:r>
+              <a:rPr lang="ja"/>
+              <a:t>配列の[]中に言語を入れると連想配列の一つになる。</a:t>
+            </a:r>
+            <a:endParaRPr/>
+          </a:p>
+        </p:txBody>
+      </p:sp>
+    </p:spTree>
+  </p:cSld>
+  <p:clrMapOvr>
+    <a:masterClrMapping/>
+  </p:clrMapOvr>
+</p:sld>
+</file>
+
 <file path=ppt/slides/slide2.xml><?xml version="1.0" encoding="utf-8"?>
 <p:sld xmlns:a="http://schemas.openxmlformats.org/drawingml/2006/main" xmlns:r="http://schemas.openxmlformats.org/officeDocument/2006/relationships" xmlns:mc="http://schemas.openxmlformats.org/markup-compatibility/2006" xmlns:mv="urn:schemas-microsoft-com:mac:vml" xmlns:p="http://schemas.openxmlformats.org/presentationml/2006/main" xmlns:c="http://schemas.openxmlformats.org/drawingml/2006/chart" xmlns:dgm="http://schemas.openxmlformats.org/drawingml/2006/diagram" xmlns:o="urn:schemas-microsoft-com:office:office" xmlns:v="urn:schemas-microsoft-com:vml" xmlns:pvml="urn:schemas-microsoft-com:office:powerpoint" xmlns:com="http://schemas.openxmlformats.org/drawingml/2006/compatibility" xmlns:p14="http://schemas.microsoft.com/office/powerpoint/2010/main" xmlns:p15="http://schemas.microsoft.com/office/powerpoint/2012/main" xmlns:ahyp="http://schemas.microsoft.com/office/drawing/2018/hyperlinkcolor">
   <p:cSld>
@@ -6105,7 +9358,7 @@
             </a:pPr>
             <a:r>
               <a:rPr lang="ja"/>
-              <a:t>検索機能</a:t>
+              <a:t>検索機能(search_result.php)</a:t>
             </a:r>
             <a:endParaRPr/>
           </a:p>
@@ -6313,6 +9566,10 @@
               <a:rPr lang="ja"/>
               <a:t>同じif文使って、検索をかける時とかけない時を分ける。</a:t>
             </a:r>
+            <a:r>
+              <a:rPr lang="ja"/>
+              <a:t>(search_result.php)</a:t>
+            </a:r>
             <a:endParaRPr/>
           </a:p>
           <a:p>
@@ -6523,69 +9780,13 @@
           <p:cNvPr id="72" name="Google Shape;72;p16"/>
           <p:cNvSpPr txBox="1"/>
           <p:nvPr>
-            <p:ph type="ctrTitle"/>
+            <p:ph type="title"/>
           </p:nvPr>
         </p:nvSpPr>
         <p:spPr>
           <a:xfrm>
-            <a:off x="311708" y="744575"/>
-            <a:ext cx="8520600" cy="2052600"/>
-          </a:xfrm>
-          <a:prstGeom prst="rect">
-            <a:avLst/>
-          </a:prstGeom>
-        </p:spPr>
-        <p:txBody>
-          <a:bodyPr anchorCtr="0" anchor="b" bIns="91425" lIns="91425" spcFirstLastPara="1" rIns="91425" wrap="square" tIns="91425">
-            <a:noAutofit/>
-          </a:bodyPr>
-          <a:lstStyle/>
-          <a:p>
-            <a:pPr indent="0" lvl="0" marL="0" rtl="0" algn="ctr">
-              <a:spcBef>
-                <a:spcPts val="0"/>
-              </a:spcBef>
-              <a:spcAft>
-                <a:spcPts val="0"/>
-              </a:spcAft>
-              <a:buNone/>
-            </a:pPr>
-            <a:r>
-              <a:rPr lang="ja"/>
-              <a:t>仕事で学んだ、</a:t>
-            </a:r>
-            <a:endParaRPr/>
-          </a:p>
-          <a:p>
-            <a:pPr indent="0" lvl="0" marL="0" rtl="0" algn="ctr">
-              <a:spcBef>
-                <a:spcPts val="0"/>
-              </a:spcBef>
-              <a:spcAft>
-                <a:spcPts val="0"/>
-              </a:spcAft>
-              <a:buNone/>
-            </a:pPr>
-            <a:r>
-              <a:rPr lang="ja"/>
-              <a:t>使えそうな技術(PHP)</a:t>
-            </a:r>
-            <a:endParaRPr/>
-          </a:p>
-        </p:txBody>
-      </p:sp>
-      <p:sp>
-        <p:nvSpPr>
-          <p:cNvPr id="73" name="Google Shape;73;p16"/>
-          <p:cNvSpPr txBox="1"/>
-          <p:nvPr>
-            <p:ph idx="1" type="subTitle"/>
-          </p:nvPr>
-        </p:nvSpPr>
-        <p:spPr>
-          <a:xfrm>
-            <a:off x="311700" y="2834125"/>
-            <a:ext cx="8520600" cy="792600"/>
+            <a:off x="311700" y="0"/>
+            <a:ext cx="8520600" cy="572700"/>
           </a:xfrm>
           <a:prstGeom prst="rect">
             <a:avLst/>
@@ -6597,7 +9798,7 @@
           </a:bodyPr>
           <a:lstStyle/>
           <a:p>
-            <a:pPr indent="0" lvl="0" marL="0" rtl="0" algn="ctr">
+            <a:pPr indent="0" lvl="0" marL="0" rtl="0" algn="l">
               <a:spcBef>
                 <a:spcPts val="0"/>
               </a:spcBef>
@@ -6608,7 +9809,192 @@
             </a:pPr>
             <a:r>
               <a:rPr lang="ja"/>
-              <a:t>書き方ミスってたら、すいません。</a:t>
+              <a:t>以上以下の検索</a:t>
+            </a:r>
+            <a:r>
+              <a:rPr lang="ja"/>
+              <a:t>(search_result.php)</a:t>
+            </a:r>
+            <a:endParaRPr/>
+          </a:p>
+        </p:txBody>
+      </p:sp>
+      <p:sp>
+        <p:nvSpPr>
+          <p:cNvPr id="73" name="Google Shape;73;p16"/>
+          <p:cNvSpPr txBox="1"/>
+          <p:nvPr>
+            <p:ph idx="1" type="body"/>
+          </p:nvPr>
+        </p:nvSpPr>
+        <p:spPr>
+          <a:xfrm>
+            <a:off x="311700" y="572700"/>
+            <a:ext cx="8520600" cy="4399500"/>
+          </a:xfrm>
+          <a:prstGeom prst="rect">
+            <a:avLst/>
+          </a:prstGeom>
+        </p:spPr>
+        <p:txBody>
+          <a:bodyPr anchorCtr="0" anchor="t" bIns="91425" lIns="91425" spcFirstLastPara="1" rIns="91425" wrap="square" tIns="91425">
+            <a:noAutofit/>
+          </a:bodyPr>
+          <a:lstStyle/>
+          <a:p>
+            <a:pPr indent="0" lvl="0" marL="0" rtl="0" algn="l">
+              <a:spcBef>
+                <a:spcPts val="0"/>
+              </a:spcBef>
+              <a:spcAft>
+                <a:spcPts val="0"/>
+              </a:spcAft>
+              <a:buNone/>
+            </a:pPr>
+            <a:r>
+              <a:rPr lang="ja"/>
+              <a:t>if(is_numeric($signal_up_down) &amp;&amp; $signal_up_down == 0) {</a:t>
+            </a:r>
+            <a:endParaRPr/>
+          </a:p>
+          <a:p>
+            <a:pPr indent="0" lvl="0" marL="0" rtl="0" algn="l">
+              <a:spcBef>
+                <a:spcPts val="1600"/>
+              </a:spcBef>
+              <a:spcAft>
+                <a:spcPts val="0"/>
+              </a:spcAft>
+              <a:buNone/>
+            </a:pPr>
+            <a:r>
+              <a:rPr lang="ja"/>
+              <a:t>$sql .= “condition_level &lt;= ? OR ”;</a:t>
+            </a:r>
+            <a:endParaRPr/>
+          </a:p>
+          <a:p>
+            <a:pPr indent="0" lvl="0" marL="0" rtl="0" algn="l">
+              <a:spcBef>
+                <a:spcPts val="1600"/>
+              </a:spcBef>
+              <a:spcAft>
+                <a:spcPts val="0"/>
+              </a:spcAft>
+              <a:buNone/>
+            </a:pPr>
+            <a:r>
+              <a:rPr lang="ja"/>
+              <a:t>} elseif(</a:t>
+            </a:r>
+            <a:r>
+              <a:rPr lang="ja"/>
+              <a:t>$signal_up_down == 1</a:t>
+            </a:r>
+            <a:r>
+              <a:rPr lang="ja"/>
+              <a:t>) {</a:t>
+            </a:r>
+            <a:endParaRPr/>
+          </a:p>
+          <a:p>
+            <a:pPr indent="0" lvl="0" marL="0" rtl="0" algn="l">
+              <a:spcBef>
+                <a:spcPts val="1600"/>
+              </a:spcBef>
+              <a:spcAft>
+                <a:spcPts val="0"/>
+              </a:spcAft>
+              <a:buNone/>
+            </a:pPr>
+            <a:r>
+              <a:rPr lang="ja"/>
+              <a:t>$sql .= “condition_level &gt;= ? OR ”;</a:t>
+            </a:r>
+            <a:endParaRPr/>
+          </a:p>
+          <a:p>
+            <a:pPr indent="0" lvl="0" marL="0" rtl="0" algn="l">
+              <a:spcBef>
+                <a:spcPts val="1600"/>
+              </a:spcBef>
+              <a:spcAft>
+                <a:spcPts val="0"/>
+              </a:spcAft>
+              <a:buNone/>
+            </a:pPr>
+            <a:r>
+              <a:rPr lang="ja"/>
+              <a:t>}else{</a:t>
+            </a:r>
+            <a:endParaRPr/>
+          </a:p>
+          <a:p>
+            <a:pPr indent="0" lvl="0" marL="0" rtl="0" algn="l">
+              <a:spcBef>
+                <a:spcPts val="1600"/>
+              </a:spcBef>
+              <a:spcAft>
+                <a:spcPts val="0"/>
+              </a:spcAft>
+              <a:buClr>
+                <a:schemeClr val="dk1"/>
+              </a:buClr>
+              <a:buSzPts val="1100"/>
+              <a:buFont typeface="Arial"/>
+              <a:buNone/>
+            </a:pPr>
+            <a:r>
+              <a:rPr lang="ja"/>
+              <a:t>$sql .= “condition_level = ? OR ”;</a:t>
+            </a:r>
+            <a:endParaRPr/>
+          </a:p>
+          <a:p>
+            <a:pPr indent="0" lvl="0" marL="0" rtl="0" algn="l">
+              <a:spcBef>
+                <a:spcPts val="1600"/>
+              </a:spcBef>
+              <a:spcAft>
+                <a:spcPts val="0"/>
+              </a:spcAft>
+              <a:buNone/>
+            </a:pPr>
+            <a:r>
+              <a:rPr lang="ja"/>
+              <a:t>}</a:t>
+            </a:r>
+            <a:endParaRPr/>
+          </a:p>
+          <a:p>
+            <a:pPr indent="0" lvl="0" marL="0" rtl="0" algn="l">
+              <a:spcBef>
+                <a:spcPts val="1600"/>
+              </a:spcBef>
+              <a:spcAft>
+                <a:spcPts val="0"/>
+              </a:spcAft>
+              <a:buNone/>
+            </a:pPr>
+            <a:r>
+              <a:rPr lang="ja"/>
+              <a:t>$data[] = $signal_name;</a:t>
+            </a:r>
+            <a:endParaRPr/>
+          </a:p>
+          <a:p>
+            <a:pPr indent="0" lvl="0" marL="0" rtl="0" algn="l">
+              <a:spcBef>
+                <a:spcPts val="1600"/>
+              </a:spcBef>
+              <a:spcAft>
+                <a:spcPts val="1600"/>
+              </a:spcAft>
+              <a:buNone/>
+            </a:pPr>
+            <a:r>
+              <a:rPr lang="ja"/>
+              <a:t>$dataはいつもパターンは通り１つ</a:t>
             </a:r>
             <a:endParaRPr/>
           </a:p>
@@ -6649,7 +10035,7 @@
         </p:nvSpPr>
         <p:spPr>
           <a:xfrm>
-            <a:off x="311700" y="445025"/>
+            <a:off x="311700" y="144075"/>
             <a:ext cx="8520600" cy="572700"/>
           </a:xfrm>
           <a:prstGeom prst="rect">
@@ -6673,15 +10059,32 @@
             </a:pPr>
             <a:r>
               <a:rPr lang="ja"/>
-              <a:t>ループで回して、</a:t>
+              <a:t>（</a:t>
             </a:r>
             <a:r>
               <a:rPr lang="ja"/>
-              <a:t>POSTで</a:t>
-            </a:r>
+              <a:t>補足）複数ループで作って、最後だけいらない</a:t>
+            </a:r>
+            <a:endParaRPr/>
+          </a:p>
+          <a:p>
+            <a:pPr indent="0" lvl="0" marL="0" rtl="0" algn="l">
+              <a:spcBef>
+                <a:spcPts val="0"/>
+              </a:spcBef>
+              <a:spcAft>
+                <a:spcPts val="0"/>
+              </a:spcAft>
+              <a:buClr>
+                <a:schemeClr val="dk1"/>
+              </a:buClr>
+              <a:buSzPts val="1100"/>
+              <a:buFont typeface="Arial"/>
+              <a:buNone/>
+            </a:pPr>
             <a:r>
               <a:rPr lang="ja"/>
-              <a:t>送り方</a:t>
+              <a:t>(search_result.php)</a:t>
             </a:r>
             <a:endParaRPr/>
           </a:p>
@@ -6697,8 +10100,8 @@
         </p:nvSpPr>
         <p:spPr>
           <a:xfrm>
-            <a:off x="311700" y="1152475"/>
-            <a:ext cx="8520600" cy="3416400"/>
+            <a:off x="311700" y="1275600"/>
+            <a:ext cx="8520600" cy="3402900"/>
           </a:xfrm>
           <a:prstGeom prst="rect">
             <a:avLst/>
@@ -6721,34 +10124,7 @@
             </a:pPr>
             <a:r>
               <a:rPr lang="ja"/>
-              <a:t>&lt;input type=”text” name=”name[‘&lt;?= $rec[‘id’] ?&gt;’][name]” value=”&lt;?= $name ?&gt;”&gt;</a:t>
-            </a:r>
-            <a:endParaRPr sz="900">
-              <a:solidFill>
-                <a:srgbClr val="CE9178"/>
-              </a:solidFill>
-              <a:highlight>
-                <a:srgbClr val="1E1E1E"/>
-              </a:highlight>
-              <a:latin typeface="Courier New"/>
-              <a:ea typeface="Courier New"/>
-              <a:cs typeface="Courier New"/>
-              <a:sym typeface="Courier New"/>
-            </a:endParaRPr>
-          </a:p>
-          <a:p>
-            <a:pPr indent="0" lvl="0" marL="0" rtl="0" algn="l">
-              <a:spcBef>
-                <a:spcPts val="1600"/>
-              </a:spcBef>
-              <a:spcAft>
-                <a:spcPts val="0"/>
-              </a:spcAft>
-              <a:buNone/>
-            </a:pPr>
-            <a:r>
-              <a:rPr lang="ja"/>
-              <a:t>nameを２重配列にする。</a:t>
+              <a:t>if($signal_flag == true){</a:t>
             </a:r>
             <a:endParaRPr/>
           </a:p>
@@ -6764,7 +10140,7 @@
             </a:pPr>
             <a:r>
               <a:rPr lang="ja"/>
-              <a:t>foreach($_POST[‘name’] as $key =&gt; $value ){</a:t>
+              <a:t>$sql = rtrim($sql, “OR”);</a:t>
             </a:r>
             <a:endParaRPr/>
           </a:p>
@@ -6780,7 +10156,7 @@
             </a:pPr>
             <a:r>
               <a:rPr lang="ja"/>
-              <a:t>	$value[“name”];</a:t>
+              <a:t>$sql .= “)”;</a:t>
             </a:r>
             <a:endParaRPr/>
           </a:p>
@@ -6806,13 +10182,29 @@
                 <a:spcPts val="1600"/>
               </a:spcBef>
               <a:spcAft>
+                <a:spcPts val="0"/>
+              </a:spcAft>
+              <a:buNone/>
+            </a:pPr>
+            <a:r>
+              <a:rPr lang="ja"/>
+              <a:t>最後だけORを削除する。そして、）をつける。</a:t>
+            </a:r>
+            <a:endParaRPr/>
+          </a:p>
+          <a:p>
+            <a:pPr indent="0" lvl="0" marL="0" rtl="0" algn="l">
+              <a:spcBef>
                 <a:spcPts val="1600"/>
+              </a:spcBef>
+              <a:spcAft>
+                <a:spcPts val="1600"/>
               </a:spcAft>
               <a:buNone/>
             </a:pPr>
             <a:r>
               <a:rPr lang="ja"/>
-              <a:t>$valueの配列にすれば、取り出せる。</a:t>
+              <a:t>$signal_flagは ORを使う時だけ通るようにしたフラグ。</a:t>
             </a:r>
             <a:endParaRPr/>
           </a:p>
@@ -6876,16 +10268,310 @@
               <a:buNone/>
             </a:pPr>
             <a:r>
-              <a:rPr lang="ja"/>
-              <a:t>連想配列</a:t>
-            </a:r>
-            <a:endParaRPr/>
+              <a:rPr lang="ja" sz="2400"/>
+              <a:t>SQLに</a:t>
+            </a:r>
+            <a:r>
+              <a:rPr lang="ja" sz="2400"/>
+              <a:t>登録するときにUPDATEかINSERT場合による時</a:t>
+            </a:r>
+            <a:endParaRPr sz="2400"/>
           </a:p>
         </p:txBody>
       </p:sp>
       <p:sp>
         <p:nvSpPr>
           <p:cNvPr id="85" name="Google Shape;85;p18"/>
+          <p:cNvSpPr txBox="1"/>
+          <p:nvPr>
+            <p:ph idx="1" type="body"/>
+          </p:nvPr>
+        </p:nvSpPr>
+        <p:spPr>
+          <a:xfrm>
+            <a:off x="311700" y="1152475"/>
+            <a:ext cx="8520600" cy="3416400"/>
+          </a:xfrm>
+          <a:prstGeom prst="rect">
+            <a:avLst/>
+          </a:prstGeom>
+          <a:noFill/>
+        </p:spPr>
+        <p:txBody>
+          <a:bodyPr anchorCtr="0" anchor="t" bIns="91425" lIns="91425" spcFirstLastPara="1" rIns="91425" wrap="square" tIns="91425">
+            <a:noAutofit/>
+          </a:bodyPr>
+          <a:lstStyle/>
+          <a:p>
+            <a:pPr indent="0" lvl="0" marL="0" rtl="0" algn="l">
+              <a:spcBef>
+                <a:spcPts val="0"/>
+              </a:spcBef>
+              <a:spcAft>
+                <a:spcPts val="0"/>
+              </a:spcAft>
+              <a:buNone/>
+            </a:pPr>
+            <a:r>
+              <a:rPr lang="ja"/>
+              <a:t>activity.php  p36の</a:t>
+            </a:r>
+            <a:r>
+              <a:rPr lang="ja" sz="2100">
+                <a:solidFill>
+                  <a:srgbClr val="C586C0"/>
+                </a:solidFill>
+                <a:highlight>
+                  <a:srgbClr val="1E1E1E"/>
+                </a:highlight>
+                <a:latin typeface="Courier New"/>
+                <a:ea typeface="Courier New"/>
+                <a:cs typeface="Courier New"/>
+                <a:sym typeface="Courier New"/>
+              </a:rPr>
+              <a:t>for</a:t>
+            </a:r>
+            <a:r>
+              <a:rPr lang="ja" sz="2100">
+                <a:solidFill>
+                  <a:srgbClr val="D4D4D4"/>
+                </a:solidFill>
+                <a:highlight>
+                  <a:srgbClr val="1E1E1E"/>
+                </a:highlight>
+                <a:latin typeface="Courier New"/>
+                <a:ea typeface="Courier New"/>
+                <a:cs typeface="Courier New"/>
+                <a:sym typeface="Courier New"/>
+              </a:rPr>
+              <a:t>(</a:t>
+            </a:r>
+            <a:r>
+              <a:rPr lang="ja" sz="2100">
+                <a:solidFill>
+                  <a:srgbClr val="9CDCFE"/>
+                </a:solidFill>
+                <a:highlight>
+                  <a:srgbClr val="1E1E1E"/>
+                </a:highlight>
+                <a:latin typeface="Courier New"/>
+                <a:ea typeface="Courier New"/>
+                <a:cs typeface="Courier New"/>
+                <a:sym typeface="Courier New"/>
+              </a:rPr>
+              <a:t>$i</a:t>
+            </a:r>
+            <a:r>
+              <a:rPr lang="ja" sz="2100">
+                <a:solidFill>
+                  <a:srgbClr val="D4D4D4"/>
+                </a:solidFill>
+                <a:highlight>
+                  <a:srgbClr val="1E1E1E"/>
+                </a:highlight>
+                <a:latin typeface="Courier New"/>
+                <a:ea typeface="Courier New"/>
+                <a:cs typeface="Courier New"/>
+                <a:sym typeface="Courier New"/>
+              </a:rPr>
+              <a:t>=</a:t>
+            </a:r>
+            <a:r>
+              <a:rPr lang="ja" sz="2100">
+                <a:solidFill>
+                  <a:srgbClr val="B5CEA8"/>
+                </a:solidFill>
+                <a:highlight>
+                  <a:srgbClr val="1E1E1E"/>
+                </a:highlight>
+                <a:latin typeface="Courier New"/>
+                <a:ea typeface="Courier New"/>
+                <a:cs typeface="Courier New"/>
+                <a:sym typeface="Courier New"/>
+              </a:rPr>
+              <a:t>2</a:t>
+            </a:r>
+            <a:r>
+              <a:rPr lang="ja" sz="2100">
+                <a:solidFill>
+                  <a:srgbClr val="D4D4D4"/>
+                </a:solidFill>
+                <a:highlight>
+                  <a:srgbClr val="1E1E1E"/>
+                </a:highlight>
+                <a:latin typeface="Courier New"/>
+                <a:ea typeface="Courier New"/>
+                <a:cs typeface="Courier New"/>
+                <a:sym typeface="Courier New"/>
+              </a:rPr>
+              <a:t>; </a:t>
+            </a:r>
+            <a:r>
+              <a:rPr lang="ja" sz="2100">
+                <a:solidFill>
+                  <a:srgbClr val="9CDCFE"/>
+                </a:solidFill>
+                <a:highlight>
+                  <a:srgbClr val="1E1E1E"/>
+                </a:highlight>
+                <a:latin typeface="Courier New"/>
+                <a:ea typeface="Courier New"/>
+                <a:cs typeface="Courier New"/>
+                <a:sym typeface="Courier New"/>
+              </a:rPr>
+              <a:t>$i</a:t>
+            </a:r>
+            <a:r>
+              <a:rPr lang="ja" sz="2100">
+                <a:solidFill>
+                  <a:srgbClr val="D4D4D4"/>
+                </a:solidFill>
+                <a:highlight>
+                  <a:srgbClr val="1E1E1E"/>
+                </a:highlight>
+                <a:latin typeface="Courier New"/>
+                <a:ea typeface="Courier New"/>
+                <a:cs typeface="Courier New"/>
+                <a:sym typeface="Courier New"/>
+              </a:rPr>
+              <a:t>&lt;=</a:t>
+            </a:r>
+            <a:r>
+              <a:rPr lang="ja" sz="2100">
+                <a:solidFill>
+                  <a:srgbClr val="B5CEA8"/>
+                </a:solidFill>
+                <a:highlight>
+                  <a:srgbClr val="1E1E1E"/>
+                </a:highlight>
+                <a:latin typeface="Courier New"/>
+                <a:ea typeface="Courier New"/>
+                <a:cs typeface="Courier New"/>
+                <a:sym typeface="Courier New"/>
+              </a:rPr>
+              <a:t>5</a:t>
+            </a:r>
+            <a:r>
+              <a:rPr lang="ja" sz="2100">
+                <a:solidFill>
+                  <a:srgbClr val="D4D4D4"/>
+                </a:solidFill>
+                <a:highlight>
+                  <a:srgbClr val="1E1E1E"/>
+                </a:highlight>
+                <a:latin typeface="Courier New"/>
+                <a:ea typeface="Courier New"/>
+                <a:cs typeface="Courier New"/>
+                <a:sym typeface="Courier New"/>
+              </a:rPr>
+              <a:t>; </a:t>
+            </a:r>
+            <a:r>
+              <a:rPr lang="ja" sz="2100">
+                <a:solidFill>
+                  <a:srgbClr val="9CDCFE"/>
+                </a:solidFill>
+                <a:highlight>
+                  <a:srgbClr val="1E1E1E"/>
+                </a:highlight>
+                <a:latin typeface="Courier New"/>
+                <a:ea typeface="Courier New"/>
+                <a:cs typeface="Courier New"/>
+                <a:sym typeface="Courier New"/>
+              </a:rPr>
+              <a:t>$i</a:t>
+            </a:r>
+            <a:r>
+              <a:rPr lang="ja" sz="2100">
+                <a:solidFill>
+                  <a:srgbClr val="D4D4D4"/>
+                </a:solidFill>
+                <a:highlight>
+                  <a:srgbClr val="1E1E1E"/>
+                </a:highlight>
+                <a:latin typeface="Courier New"/>
+                <a:ea typeface="Courier New"/>
+                <a:cs typeface="Courier New"/>
+                <a:sym typeface="Courier New"/>
+              </a:rPr>
+              <a:t>++){</a:t>
+            </a:r>
+            <a:r>
+              <a:rPr lang="ja"/>
+              <a:t>の後</a:t>
+            </a:r>
+            <a:endParaRPr/>
+          </a:p>
+          <a:p>
+            <a:pPr indent="0" lvl="0" marL="0" rtl="0" algn="l">
+              <a:spcBef>
+                <a:spcPts val="1600"/>
+              </a:spcBef>
+              <a:spcAft>
+                <a:spcPts val="0"/>
+              </a:spcAft>
+              <a:buNone/>
+            </a:pPr>
+            <a:r>
+              <a:rPr lang="ja"/>
+              <a:t>唯一のデータをSQLの SELECT文で呼び出して、idで確認する。</a:t>
+            </a:r>
+            <a:endParaRPr/>
+          </a:p>
+          <a:p>
+            <a:pPr indent="0" lvl="0" marL="0" rtl="0" algn="l">
+              <a:spcBef>
+                <a:spcPts val="1600"/>
+              </a:spcBef>
+              <a:spcAft>
+                <a:spcPts val="1600"/>
+              </a:spcAft>
+              <a:buNone/>
+            </a:pPr>
+            <a:r>
+              <a:rPr lang="ja"/>
+              <a:t>idが存在</a:t>
+            </a:r>
+            <a:r>
+              <a:rPr lang="ja"/>
+              <a:t>するか確認</a:t>
+            </a:r>
+            <a:r>
+              <a:rPr lang="ja"/>
+              <a:t>できれば、UPDATEにすればいいし、無ければ、作る為に、INSERTにすればいい。</a:t>
+            </a:r>
+            <a:endParaRPr/>
+          </a:p>
+        </p:txBody>
+      </p:sp>
+    </p:spTree>
+  </p:cSld>
+  <p:clrMapOvr>
+    <a:masterClrMapping/>
+  </p:clrMapOvr>
+</p:sld>
+</file>
+
+<file path=ppt/slides/slide7.xml><?xml version="1.0" encoding="utf-8"?>
+<p:sld xmlns:a="http://schemas.openxmlformats.org/drawingml/2006/main" xmlns:r="http://schemas.openxmlformats.org/officeDocument/2006/relationships" xmlns:mc="http://schemas.openxmlformats.org/markup-compatibility/2006" xmlns:mv="urn:schemas-microsoft-com:mac:vml" xmlns:p="http://schemas.openxmlformats.org/presentationml/2006/main" xmlns:c="http://schemas.openxmlformats.org/drawingml/2006/chart" xmlns:dgm="http://schemas.openxmlformats.org/drawingml/2006/diagram" xmlns:o="urn:schemas-microsoft-com:office:office" xmlns:v="urn:schemas-microsoft-com:vml" xmlns:pvml="urn:schemas-microsoft-com:office:powerpoint" xmlns:com="http://schemas.openxmlformats.org/drawingml/2006/compatibility" xmlns:p14="http://schemas.microsoft.com/office/powerpoint/2010/main" xmlns:p15="http://schemas.microsoft.com/office/powerpoint/2012/main" xmlns:ahyp="http://schemas.microsoft.com/office/drawing/2018/hyperlinkcolor">
+  <p:cSld>
+    <p:spTree>
+      <p:nvGrpSpPr>
+        <p:cNvPr id="89" name="Shape 89"/>
+        <p:cNvGrpSpPr/>
+        <p:nvPr/>
+      </p:nvGrpSpPr>
+      <p:grpSpPr>
+        <a:xfrm>
+          <a:off x="0" y="0"/>
+          <a:ext cx="0" cy="0"/>
+          <a:chOff x="0" y="0"/>
+          <a:chExt cx="0" cy="0"/>
+        </a:xfrm>
+      </p:grpSpPr>
+      <p:sp>
+        <p:nvSpPr>
+          <p:cNvPr id="90" name="Google Shape;90;p19"/>
           <p:cNvSpPr txBox="1"/>
           <p:nvPr>
             <p:ph idx="1" type="body"/>
@@ -6917,25 +10603,2580 @@
             </a:pPr>
             <a:r>
               <a:rPr lang="ja"/>
-              <a:t>$name[‘weather’] = $weather;</a:t>
+              <a:t>データベースから読み込んでいれるけど、その後変更がかかったら、エラー後でも代入されたままにする。p383</a:t>
             </a:r>
             <a:endParaRPr/>
           </a:p>
           <a:p>
             <a:pPr indent="0" lvl="0" marL="0" rtl="0" algn="l">
+              <a:lnSpc>
+                <a:spcPct val="150000"/>
+              </a:lnSpc>
               <a:spcBef>
                 <a:spcPts val="1600"/>
               </a:spcBef>
               <a:spcAft>
+                <a:spcPts val="0"/>
+              </a:spcAft>
+              <a:buClr>
+                <a:schemeClr val="dk1"/>
+              </a:buClr>
+              <a:buSzPts val="1100"/>
+              <a:buFont typeface="Arial"/>
+              <a:buNone/>
+            </a:pPr>
+            <a:r>
+              <a:rPr lang="ja" sz="2200">
+                <a:solidFill>
+                  <a:srgbClr val="808080"/>
+                </a:solidFill>
+                <a:highlight>
+                  <a:srgbClr val="1E1E1E"/>
+                </a:highlight>
+                <a:latin typeface="Courier New"/>
+                <a:ea typeface="Courier New"/>
+                <a:cs typeface="Courier New"/>
+                <a:sym typeface="Courier New"/>
+              </a:rPr>
+              <a:t>&lt;</a:t>
+            </a:r>
+            <a:r>
+              <a:rPr lang="ja" sz="2200">
+                <a:solidFill>
+                  <a:srgbClr val="569CD6"/>
+                </a:solidFill>
+                <a:highlight>
+                  <a:srgbClr val="1E1E1E"/>
+                </a:highlight>
+                <a:latin typeface="Courier New"/>
+                <a:ea typeface="Courier New"/>
+                <a:cs typeface="Courier New"/>
+                <a:sym typeface="Courier New"/>
+              </a:rPr>
+              <a:t>input</a:t>
+            </a:r>
+            <a:r>
+              <a:rPr lang="ja" sz="2200">
+                <a:solidFill>
+                  <a:srgbClr val="D4D4D4"/>
+                </a:solidFill>
+                <a:highlight>
+                  <a:srgbClr val="1E1E1E"/>
+                </a:highlight>
+                <a:latin typeface="Courier New"/>
+                <a:ea typeface="Courier New"/>
+                <a:cs typeface="Courier New"/>
+                <a:sym typeface="Courier New"/>
+              </a:rPr>
+              <a:t> </a:t>
+            </a:r>
+            <a:r>
+              <a:rPr lang="ja" sz="2200">
+                <a:solidFill>
+                  <a:srgbClr val="9CDCFE"/>
+                </a:solidFill>
+                <a:highlight>
+                  <a:srgbClr val="1E1E1E"/>
+                </a:highlight>
+                <a:latin typeface="Courier New"/>
+                <a:ea typeface="Courier New"/>
+                <a:cs typeface="Courier New"/>
+                <a:sym typeface="Courier New"/>
+              </a:rPr>
+              <a:t>type</a:t>
+            </a:r>
+            <a:r>
+              <a:rPr lang="ja" sz="2200">
+                <a:solidFill>
+                  <a:srgbClr val="D4D4D4"/>
+                </a:solidFill>
+                <a:highlight>
+                  <a:srgbClr val="1E1E1E"/>
+                </a:highlight>
+                <a:latin typeface="Courier New"/>
+                <a:ea typeface="Courier New"/>
+                <a:cs typeface="Courier New"/>
+                <a:sym typeface="Courier New"/>
+              </a:rPr>
+              <a:t>=</a:t>
+            </a:r>
+            <a:r>
+              <a:rPr lang="ja" sz="2200">
+                <a:solidFill>
+                  <a:srgbClr val="CE9178"/>
+                </a:solidFill>
+                <a:highlight>
+                  <a:srgbClr val="1E1E1E"/>
+                </a:highlight>
+                <a:latin typeface="Courier New"/>
+                <a:ea typeface="Courier New"/>
+                <a:cs typeface="Courier New"/>
+                <a:sym typeface="Courier New"/>
+              </a:rPr>
+              <a:t>"datetime-local"</a:t>
+            </a:r>
+            <a:r>
+              <a:rPr lang="ja" sz="2200">
+                <a:solidFill>
+                  <a:srgbClr val="D4D4D4"/>
+                </a:solidFill>
+                <a:highlight>
+                  <a:srgbClr val="1E1E1E"/>
+                </a:highlight>
+                <a:latin typeface="Courier New"/>
+                <a:ea typeface="Courier New"/>
+                <a:cs typeface="Courier New"/>
+                <a:sym typeface="Courier New"/>
+              </a:rPr>
+              <a:t> </a:t>
+            </a:r>
+            <a:r>
+              <a:rPr lang="ja" sz="2200">
+                <a:solidFill>
+                  <a:srgbClr val="9CDCFE"/>
+                </a:solidFill>
+                <a:highlight>
+                  <a:srgbClr val="1E1E1E"/>
+                </a:highlight>
+                <a:latin typeface="Courier New"/>
+                <a:ea typeface="Courier New"/>
+                <a:cs typeface="Courier New"/>
+                <a:sym typeface="Courier New"/>
+              </a:rPr>
+              <a:t>name</a:t>
+            </a:r>
+            <a:r>
+              <a:rPr lang="ja" sz="2200">
+                <a:solidFill>
+                  <a:srgbClr val="D4D4D4"/>
+                </a:solidFill>
+                <a:highlight>
+                  <a:srgbClr val="1E1E1E"/>
+                </a:highlight>
+                <a:latin typeface="Courier New"/>
+                <a:ea typeface="Courier New"/>
+                <a:cs typeface="Courier New"/>
+                <a:sym typeface="Courier New"/>
+              </a:rPr>
+              <a:t>=</a:t>
+            </a:r>
+            <a:r>
+              <a:rPr lang="ja" sz="2200">
+                <a:solidFill>
+                  <a:srgbClr val="CE9178"/>
+                </a:solidFill>
+                <a:highlight>
+                  <a:srgbClr val="1E1E1E"/>
+                </a:highlight>
+                <a:latin typeface="Courier New"/>
+                <a:ea typeface="Courier New"/>
+                <a:cs typeface="Courier New"/>
+                <a:sym typeface="Courier New"/>
+              </a:rPr>
+              <a:t>"sleep_start_time"</a:t>
+            </a:r>
+            <a:r>
+              <a:rPr lang="ja" sz="2200">
+                <a:solidFill>
+                  <a:srgbClr val="D4D4D4"/>
+                </a:solidFill>
+                <a:highlight>
+                  <a:srgbClr val="1E1E1E"/>
+                </a:highlight>
+                <a:latin typeface="Courier New"/>
+                <a:ea typeface="Courier New"/>
+                <a:cs typeface="Courier New"/>
+                <a:sym typeface="Courier New"/>
+              </a:rPr>
+              <a:t> </a:t>
+            </a:r>
+            <a:r>
+              <a:rPr lang="ja" sz="2200">
+                <a:solidFill>
+                  <a:srgbClr val="9CDCFE"/>
+                </a:solidFill>
+                <a:highlight>
+                  <a:srgbClr val="1E1E1E"/>
+                </a:highlight>
+                <a:latin typeface="Courier New"/>
+                <a:ea typeface="Courier New"/>
+                <a:cs typeface="Courier New"/>
+                <a:sym typeface="Courier New"/>
+              </a:rPr>
+              <a:t>id</a:t>
+            </a:r>
+            <a:r>
+              <a:rPr lang="ja" sz="2200">
+                <a:solidFill>
+                  <a:srgbClr val="D4D4D4"/>
+                </a:solidFill>
+                <a:highlight>
+                  <a:srgbClr val="1E1E1E"/>
+                </a:highlight>
+                <a:latin typeface="Courier New"/>
+                <a:ea typeface="Courier New"/>
+                <a:cs typeface="Courier New"/>
+                <a:sym typeface="Courier New"/>
+              </a:rPr>
+              <a:t>=</a:t>
+            </a:r>
+            <a:r>
+              <a:rPr lang="ja" sz="2200">
+                <a:solidFill>
+                  <a:srgbClr val="CE9178"/>
+                </a:solidFill>
+                <a:highlight>
+                  <a:srgbClr val="1E1E1E"/>
+                </a:highlight>
+                <a:latin typeface="Courier New"/>
+                <a:ea typeface="Courier New"/>
+                <a:cs typeface="Courier New"/>
+                <a:sym typeface="Courier New"/>
+              </a:rPr>
+              <a:t>"sleep_start_time"</a:t>
+            </a:r>
+            <a:r>
+              <a:rPr lang="ja" sz="2200">
+                <a:solidFill>
+                  <a:srgbClr val="D4D4D4"/>
+                </a:solidFill>
+                <a:highlight>
+                  <a:srgbClr val="1E1E1E"/>
+                </a:highlight>
+                <a:latin typeface="Courier New"/>
+                <a:ea typeface="Courier New"/>
+                <a:cs typeface="Courier New"/>
+                <a:sym typeface="Courier New"/>
+              </a:rPr>
+              <a:t> </a:t>
+            </a:r>
+            <a:r>
+              <a:rPr lang="ja" sz="2200">
+                <a:solidFill>
+                  <a:srgbClr val="569CD6"/>
+                </a:solidFill>
+                <a:highlight>
+                  <a:srgbClr val="1E1E1E"/>
+                </a:highlight>
+                <a:latin typeface="Courier New"/>
+                <a:ea typeface="Courier New"/>
+                <a:cs typeface="Courier New"/>
+                <a:sym typeface="Courier New"/>
+              </a:rPr>
+              <a:t>&lt;?php</a:t>
+            </a:r>
+            <a:r>
+              <a:rPr lang="ja" sz="2200">
+                <a:solidFill>
+                  <a:srgbClr val="D4D4D4"/>
+                </a:solidFill>
+                <a:highlight>
+                  <a:srgbClr val="1E1E1E"/>
+                </a:highlight>
+                <a:latin typeface="Courier New"/>
+                <a:ea typeface="Courier New"/>
+                <a:cs typeface="Courier New"/>
+                <a:sym typeface="Courier New"/>
+              </a:rPr>
+              <a:t> </a:t>
+            </a:r>
+            <a:r>
+              <a:rPr lang="ja" sz="2200">
+                <a:solidFill>
+                  <a:srgbClr val="C586C0"/>
+                </a:solidFill>
+                <a:highlight>
+                  <a:srgbClr val="1E1E1E"/>
+                </a:highlight>
+                <a:latin typeface="Courier New"/>
+                <a:ea typeface="Courier New"/>
+                <a:cs typeface="Courier New"/>
+                <a:sym typeface="Courier New"/>
+              </a:rPr>
+              <a:t>if</a:t>
+            </a:r>
+            <a:r>
+              <a:rPr lang="ja" sz="2200">
+                <a:solidFill>
+                  <a:srgbClr val="D4D4D4"/>
+                </a:solidFill>
+                <a:highlight>
+                  <a:srgbClr val="1E1E1E"/>
+                </a:highlight>
+                <a:latin typeface="Courier New"/>
+                <a:ea typeface="Courier New"/>
+                <a:cs typeface="Courier New"/>
+                <a:sym typeface="Courier New"/>
+              </a:rPr>
+              <a:t>(</a:t>
+            </a:r>
+            <a:r>
+              <a:rPr lang="ja" sz="2200">
+                <a:solidFill>
+                  <a:srgbClr val="DCDCAA"/>
+                </a:solidFill>
+                <a:highlight>
+                  <a:srgbClr val="1E1E1E"/>
+                </a:highlight>
+                <a:latin typeface="Courier New"/>
+                <a:ea typeface="Courier New"/>
+                <a:cs typeface="Courier New"/>
+                <a:sym typeface="Courier New"/>
+              </a:rPr>
+              <a:t>isset</a:t>
+            </a:r>
+            <a:r>
+              <a:rPr lang="ja" sz="2200">
+                <a:solidFill>
+                  <a:srgbClr val="D4D4D4"/>
+                </a:solidFill>
+                <a:highlight>
+                  <a:srgbClr val="1E1E1E"/>
+                </a:highlight>
+                <a:latin typeface="Courier New"/>
+                <a:ea typeface="Courier New"/>
+                <a:cs typeface="Courier New"/>
+                <a:sym typeface="Courier New"/>
+              </a:rPr>
+              <a:t>(</a:t>
+            </a:r>
+            <a:r>
+              <a:rPr lang="ja" sz="2200">
+                <a:solidFill>
+                  <a:srgbClr val="9CDCFE"/>
+                </a:solidFill>
+                <a:highlight>
+                  <a:srgbClr val="1E1E1E"/>
+                </a:highlight>
+                <a:latin typeface="Courier New"/>
+                <a:ea typeface="Courier New"/>
+                <a:cs typeface="Courier New"/>
+                <a:sym typeface="Courier New"/>
+              </a:rPr>
+              <a:t>$sleep_start_time</a:t>
+            </a:r>
+            <a:r>
+              <a:rPr lang="ja" sz="2200">
+                <a:solidFill>
+                  <a:srgbClr val="D4D4D4"/>
+                </a:solidFill>
+                <a:highlight>
+                  <a:srgbClr val="1E1E1E"/>
+                </a:highlight>
+                <a:latin typeface="Courier New"/>
+                <a:ea typeface="Courier New"/>
+                <a:cs typeface="Courier New"/>
+                <a:sym typeface="Courier New"/>
+              </a:rPr>
+              <a:t>)) { </a:t>
+            </a:r>
+            <a:r>
+              <a:rPr lang="ja" sz="2200">
+                <a:solidFill>
+                  <a:srgbClr val="569CD6"/>
+                </a:solidFill>
+                <a:highlight>
+                  <a:srgbClr val="1E1E1E"/>
+                </a:highlight>
+                <a:latin typeface="Courier New"/>
+                <a:ea typeface="Courier New"/>
+                <a:cs typeface="Courier New"/>
+                <a:sym typeface="Courier New"/>
+              </a:rPr>
+              <a:t>?&gt;</a:t>
+            </a:r>
+            <a:r>
+              <a:rPr lang="ja" sz="2200">
+                <a:solidFill>
+                  <a:srgbClr val="D4D4D4"/>
+                </a:solidFill>
+                <a:highlight>
+                  <a:srgbClr val="1E1E1E"/>
+                </a:highlight>
+                <a:latin typeface="Courier New"/>
+                <a:ea typeface="Courier New"/>
+                <a:cs typeface="Courier New"/>
+                <a:sym typeface="Courier New"/>
+              </a:rPr>
+              <a:t> </a:t>
+            </a:r>
+            <a:r>
+              <a:rPr lang="ja" sz="2200">
+                <a:solidFill>
+                  <a:srgbClr val="9CDCFE"/>
+                </a:solidFill>
+                <a:highlight>
+                  <a:srgbClr val="1E1E1E"/>
+                </a:highlight>
+                <a:latin typeface="Courier New"/>
+                <a:ea typeface="Courier New"/>
+                <a:cs typeface="Courier New"/>
+                <a:sym typeface="Courier New"/>
+              </a:rPr>
+              <a:t>value</a:t>
+            </a:r>
+            <a:r>
+              <a:rPr lang="ja" sz="2200">
+                <a:solidFill>
+                  <a:srgbClr val="D4D4D4"/>
+                </a:solidFill>
+                <a:highlight>
+                  <a:srgbClr val="1E1E1E"/>
+                </a:highlight>
+                <a:latin typeface="Courier New"/>
+                <a:ea typeface="Courier New"/>
+                <a:cs typeface="Courier New"/>
+                <a:sym typeface="Courier New"/>
+              </a:rPr>
+              <a:t>=</a:t>
+            </a:r>
+            <a:r>
+              <a:rPr lang="ja" sz="2200">
+                <a:solidFill>
+                  <a:srgbClr val="CE9178"/>
+                </a:solidFill>
+                <a:highlight>
+                  <a:srgbClr val="1E1E1E"/>
+                </a:highlight>
+                <a:latin typeface="Courier New"/>
+                <a:ea typeface="Courier New"/>
+                <a:cs typeface="Courier New"/>
+                <a:sym typeface="Courier New"/>
+              </a:rPr>
+              <a:t>"</a:t>
+            </a:r>
+            <a:r>
+              <a:rPr lang="ja" sz="2200">
+                <a:solidFill>
+                  <a:srgbClr val="569CD6"/>
+                </a:solidFill>
+                <a:highlight>
+                  <a:srgbClr val="1E1E1E"/>
+                </a:highlight>
+                <a:latin typeface="Courier New"/>
+                <a:ea typeface="Courier New"/>
+                <a:cs typeface="Courier New"/>
+                <a:sym typeface="Courier New"/>
+              </a:rPr>
+              <a:t>&lt;?=</a:t>
+            </a:r>
+            <a:r>
+              <a:rPr lang="ja" sz="2200">
+                <a:solidFill>
+                  <a:srgbClr val="D4D4D4"/>
+                </a:solidFill>
+                <a:highlight>
+                  <a:srgbClr val="1E1E1E"/>
+                </a:highlight>
+                <a:latin typeface="Courier New"/>
+                <a:ea typeface="Courier New"/>
+                <a:cs typeface="Courier New"/>
+                <a:sym typeface="Courier New"/>
+              </a:rPr>
+              <a:t> </a:t>
+            </a:r>
+            <a:r>
+              <a:rPr lang="ja" sz="2200">
+                <a:solidFill>
+                  <a:srgbClr val="9CDCFE"/>
+                </a:solidFill>
+                <a:highlight>
+                  <a:srgbClr val="1E1E1E"/>
+                </a:highlight>
+                <a:latin typeface="Courier New"/>
+                <a:ea typeface="Courier New"/>
+                <a:cs typeface="Courier New"/>
+                <a:sym typeface="Courier New"/>
+              </a:rPr>
+              <a:t>$sleep_start_time</a:t>
+            </a:r>
+            <a:r>
+              <a:rPr lang="ja" sz="2200">
+                <a:solidFill>
+                  <a:srgbClr val="D4D4D4"/>
+                </a:solidFill>
+                <a:highlight>
+                  <a:srgbClr val="1E1E1E"/>
+                </a:highlight>
+                <a:latin typeface="Courier New"/>
+                <a:ea typeface="Courier New"/>
+                <a:cs typeface="Courier New"/>
+                <a:sym typeface="Courier New"/>
+              </a:rPr>
+              <a:t> </a:t>
+            </a:r>
+            <a:r>
+              <a:rPr lang="ja" sz="2200">
+                <a:solidFill>
+                  <a:srgbClr val="569CD6"/>
+                </a:solidFill>
+                <a:highlight>
+                  <a:srgbClr val="1E1E1E"/>
+                </a:highlight>
+                <a:latin typeface="Courier New"/>
+                <a:ea typeface="Courier New"/>
+                <a:cs typeface="Courier New"/>
+                <a:sym typeface="Courier New"/>
+              </a:rPr>
+              <a:t>?&gt;</a:t>
+            </a:r>
+            <a:r>
+              <a:rPr lang="ja" sz="2200">
+                <a:solidFill>
+                  <a:srgbClr val="CE9178"/>
+                </a:solidFill>
+                <a:highlight>
+                  <a:srgbClr val="1E1E1E"/>
+                </a:highlight>
+                <a:latin typeface="Courier New"/>
+                <a:ea typeface="Courier New"/>
+                <a:cs typeface="Courier New"/>
+                <a:sym typeface="Courier New"/>
+              </a:rPr>
+              <a:t>"</a:t>
+            </a:r>
+            <a:r>
+              <a:rPr lang="ja" sz="2200">
+                <a:solidFill>
+                  <a:srgbClr val="D4D4D4"/>
+                </a:solidFill>
+                <a:highlight>
+                  <a:srgbClr val="1E1E1E"/>
+                </a:highlight>
+                <a:latin typeface="Courier New"/>
+                <a:ea typeface="Courier New"/>
+                <a:cs typeface="Courier New"/>
+                <a:sym typeface="Courier New"/>
+              </a:rPr>
+              <a:t> </a:t>
+            </a:r>
+            <a:r>
+              <a:rPr lang="ja" sz="2200">
+                <a:solidFill>
+                  <a:srgbClr val="569CD6"/>
+                </a:solidFill>
+                <a:highlight>
+                  <a:srgbClr val="1E1E1E"/>
+                </a:highlight>
+                <a:latin typeface="Courier New"/>
+                <a:ea typeface="Courier New"/>
+                <a:cs typeface="Courier New"/>
+                <a:sym typeface="Courier New"/>
+              </a:rPr>
+              <a:t>&lt;?php</a:t>
+            </a:r>
+            <a:r>
+              <a:rPr lang="ja" sz="2200">
+                <a:solidFill>
+                  <a:srgbClr val="D4D4D4"/>
+                </a:solidFill>
+                <a:highlight>
+                  <a:srgbClr val="1E1E1E"/>
+                </a:highlight>
+                <a:latin typeface="Courier New"/>
+                <a:ea typeface="Courier New"/>
+                <a:cs typeface="Courier New"/>
+                <a:sym typeface="Courier New"/>
+              </a:rPr>
+              <a:t> }</a:t>
+            </a:r>
+            <a:r>
+              <a:rPr lang="ja" sz="2200">
+                <a:solidFill>
+                  <a:srgbClr val="C586C0"/>
+                </a:solidFill>
+                <a:highlight>
+                  <a:srgbClr val="1E1E1E"/>
+                </a:highlight>
+                <a:latin typeface="Courier New"/>
+                <a:ea typeface="Courier New"/>
+                <a:cs typeface="Courier New"/>
+                <a:sym typeface="Courier New"/>
+              </a:rPr>
+              <a:t>else</a:t>
+            </a:r>
+            <a:r>
+              <a:rPr lang="ja" sz="2200">
+                <a:solidFill>
+                  <a:srgbClr val="D4D4D4"/>
+                </a:solidFill>
+                <a:highlight>
+                  <a:srgbClr val="1E1E1E"/>
+                </a:highlight>
+                <a:latin typeface="Courier New"/>
+                <a:ea typeface="Courier New"/>
+                <a:cs typeface="Courier New"/>
+                <a:sym typeface="Courier New"/>
+              </a:rPr>
+              <a:t>{ </a:t>
+            </a:r>
+            <a:r>
+              <a:rPr lang="ja" sz="2200">
+                <a:solidFill>
+                  <a:srgbClr val="569CD6"/>
+                </a:solidFill>
+                <a:highlight>
+                  <a:srgbClr val="1E1E1E"/>
+                </a:highlight>
+                <a:latin typeface="Courier New"/>
+                <a:ea typeface="Courier New"/>
+                <a:cs typeface="Courier New"/>
+                <a:sym typeface="Courier New"/>
+              </a:rPr>
+              <a:t>?&gt;</a:t>
+            </a:r>
+            <a:r>
+              <a:rPr lang="ja" sz="2200">
+                <a:solidFill>
+                  <a:srgbClr val="D4D4D4"/>
+                </a:solidFill>
+                <a:highlight>
+                  <a:srgbClr val="1E1E1E"/>
+                </a:highlight>
+                <a:latin typeface="Courier New"/>
+                <a:ea typeface="Courier New"/>
+                <a:cs typeface="Courier New"/>
+                <a:sym typeface="Courier New"/>
+              </a:rPr>
+              <a:t> </a:t>
+            </a:r>
+            <a:r>
+              <a:rPr lang="ja" sz="2200">
+                <a:solidFill>
+                  <a:srgbClr val="9CDCFE"/>
+                </a:solidFill>
+                <a:highlight>
+                  <a:srgbClr val="1E1E1E"/>
+                </a:highlight>
+                <a:latin typeface="Courier New"/>
+                <a:ea typeface="Courier New"/>
+                <a:cs typeface="Courier New"/>
+                <a:sym typeface="Courier New"/>
+              </a:rPr>
+              <a:t>value</a:t>
+            </a:r>
+            <a:r>
+              <a:rPr lang="ja" sz="2200">
+                <a:solidFill>
+                  <a:srgbClr val="D4D4D4"/>
+                </a:solidFill>
+                <a:highlight>
+                  <a:srgbClr val="1E1E1E"/>
+                </a:highlight>
+                <a:latin typeface="Courier New"/>
+                <a:ea typeface="Courier New"/>
+                <a:cs typeface="Courier New"/>
+                <a:sym typeface="Courier New"/>
+              </a:rPr>
+              <a:t>=</a:t>
+            </a:r>
+            <a:r>
+              <a:rPr lang="ja" sz="2200">
+                <a:solidFill>
+                  <a:srgbClr val="CE9178"/>
+                </a:solidFill>
+                <a:highlight>
+                  <a:srgbClr val="1E1E1E"/>
+                </a:highlight>
+                <a:latin typeface="Courier New"/>
+                <a:ea typeface="Courier New"/>
+                <a:cs typeface="Courier New"/>
+                <a:sym typeface="Courier New"/>
+              </a:rPr>
+              <a:t>"</a:t>
+            </a:r>
+            <a:r>
+              <a:rPr lang="ja" sz="2200">
+                <a:solidFill>
+                  <a:srgbClr val="569CD6"/>
+                </a:solidFill>
+                <a:highlight>
+                  <a:srgbClr val="1E1E1E"/>
+                </a:highlight>
+                <a:latin typeface="Courier New"/>
+                <a:ea typeface="Courier New"/>
+                <a:cs typeface="Courier New"/>
+                <a:sym typeface="Courier New"/>
+              </a:rPr>
+              <a:t>&lt;?=</a:t>
+            </a:r>
+            <a:r>
+              <a:rPr lang="ja" sz="2200">
+                <a:solidFill>
+                  <a:srgbClr val="D4D4D4"/>
+                </a:solidFill>
+                <a:highlight>
+                  <a:srgbClr val="1E1E1E"/>
+                </a:highlight>
+                <a:latin typeface="Courier New"/>
+                <a:ea typeface="Courier New"/>
+                <a:cs typeface="Courier New"/>
+                <a:sym typeface="Courier New"/>
+              </a:rPr>
+              <a:t> </a:t>
+            </a:r>
+            <a:r>
+              <a:rPr lang="ja" sz="2200">
+                <a:solidFill>
+                  <a:srgbClr val="9CDCFE"/>
+                </a:solidFill>
+                <a:highlight>
+                  <a:srgbClr val="1E1E1E"/>
+                </a:highlight>
+                <a:latin typeface="Courier New"/>
+                <a:ea typeface="Courier New"/>
+                <a:cs typeface="Courier New"/>
+                <a:sym typeface="Courier New"/>
+              </a:rPr>
+              <a:t>$sleep_start_time_default</a:t>
+            </a:r>
+            <a:r>
+              <a:rPr lang="ja" sz="2200">
+                <a:solidFill>
+                  <a:srgbClr val="D4D4D4"/>
+                </a:solidFill>
+                <a:highlight>
+                  <a:srgbClr val="1E1E1E"/>
+                </a:highlight>
+                <a:latin typeface="Courier New"/>
+                <a:ea typeface="Courier New"/>
+                <a:cs typeface="Courier New"/>
+                <a:sym typeface="Courier New"/>
+              </a:rPr>
+              <a:t> </a:t>
+            </a:r>
+            <a:r>
+              <a:rPr lang="ja" sz="2200">
+                <a:solidFill>
+                  <a:srgbClr val="569CD6"/>
+                </a:solidFill>
+                <a:highlight>
+                  <a:srgbClr val="1E1E1E"/>
+                </a:highlight>
+                <a:latin typeface="Courier New"/>
+                <a:ea typeface="Courier New"/>
+                <a:cs typeface="Courier New"/>
+                <a:sym typeface="Courier New"/>
+              </a:rPr>
+              <a:t>?&gt;</a:t>
+            </a:r>
+            <a:r>
+              <a:rPr lang="ja" sz="2200">
+                <a:solidFill>
+                  <a:srgbClr val="CE9178"/>
+                </a:solidFill>
+                <a:highlight>
+                  <a:srgbClr val="1E1E1E"/>
+                </a:highlight>
+                <a:latin typeface="Courier New"/>
+                <a:ea typeface="Courier New"/>
+                <a:cs typeface="Courier New"/>
+                <a:sym typeface="Courier New"/>
+              </a:rPr>
+              <a:t>"</a:t>
+            </a:r>
+            <a:r>
+              <a:rPr lang="ja" sz="2200">
+                <a:solidFill>
+                  <a:srgbClr val="D4D4D4"/>
+                </a:solidFill>
+                <a:highlight>
+                  <a:srgbClr val="1E1E1E"/>
+                </a:highlight>
+                <a:latin typeface="Courier New"/>
+                <a:ea typeface="Courier New"/>
+                <a:cs typeface="Courier New"/>
+                <a:sym typeface="Courier New"/>
+              </a:rPr>
+              <a:t>  </a:t>
+            </a:r>
+            <a:r>
+              <a:rPr lang="ja" sz="2200">
+                <a:solidFill>
+                  <a:srgbClr val="569CD6"/>
+                </a:solidFill>
+                <a:highlight>
+                  <a:srgbClr val="1E1E1E"/>
+                </a:highlight>
+                <a:latin typeface="Courier New"/>
+                <a:ea typeface="Courier New"/>
+                <a:cs typeface="Courier New"/>
+                <a:sym typeface="Courier New"/>
+              </a:rPr>
+              <a:t>&lt;?php</a:t>
+            </a:r>
+            <a:r>
+              <a:rPr lang="ja" sz="2200">
+                <a:solidFill>
+                  <a:srgbClr val="D4D4D4"/>
+                </a:solidFill>
+                <a:highlight>
+                  <a:srgbClr val="1E1E1E"/>
+                </a:highlight>
+                <a:latin typeface="Courier New"/>
+                <a:ea typeface="Courier New"/>
+                <a:cs typeface="Courier New"/>
+                <a:sym typeface="Courier New"/>
+              </a:rPr>
+              <a:t> }</a:t>
+            </a:r>
+            <a:r>
+              <a:rPr lang="ja" sz="2200">
+                <a:solidFill>
+                  <a:srgbClr val="569CD6"/>
+                </a:solidFill>
+                <a:highlight>
+                  <a:srgbClr val="1E1E1E"/>
+                </a:highlight>
+                <a:latin typeface="Courier New"/>
+                <a:ea typeface="Courier New"/>
+                <a:cs typeface="Courier New"/>
+                <a:sym typeface="Courier New"/>
+              </a:rPr>
+              <a:t>?&gt;</a:t>
+            </a:r>
+            <a:r>
+              <a:rPr lang="ja" sz="2200">
+                <a:solidFill>
+                  <a:srgbClr val="D4D4D4"/>
+                </a:solidFill>
+                <a:highlight>
+                  <a:srgbClr val="1E1E1E"/>
+                </a:highlight>
+                <a:latin typeface="Courier New"/>
+                <a:ea typeface="Courier New"/>
+                <a:cs typeface="Courier New"/>
+                <a:sym typeface="Courier New"/>
+              </a:rPr>
+              <a:t> </a:t>
+            </a:r>
+            <a:r>
+              <a:rPr lang="ja" sz="2200">
+                <a:solidFill>
+                  <a:srgbClr val="808080"/>
+                </a:solidFill>
+                <a:highlight>
+                  <a:srgbClr val="1E1E1E"/>
+                </a:highlight>
+                <a:latin typeface="Courier New"/>
+                <a:ea typeface="Courier New"/>
+                <a:cs typeface="Courier New"/>
+                <a:sym typeface="Courier New"/>
+              </a:rPr>
+              <a:t>&gt;</a:t>
+            </a:r>
+            <a:endParaRPr sz="2200">
+              <a:solidFill>
+                <a:srgbClr val="808080"/>
+              </a:solidFill>
+              <a:highlight>
+                <a:srgbClr val="1E1E1E"/>
+              </a:highlight>
+              <a:latin typeface="Courier New"/>
+              <a:ea typeface="Courier New"/>
+              <a:cs typeface="Courier New"/>
+              <a:sym typeface="Courier New"/>
+            </a:endParaRPr>
+          </a:p>
+          <a:p>
+            <a:pPr indent="0" lvl="0" marL="0" rtl="0" algn="l">
+              <a:spcBef>
+                <a:spcPts val="0"/>
+              </a:spcBef>
+              <a:spcAft>
+                <a:spcPts val="0"/>
+              </a:spcAft>
+              <a:buNone/>
+            </a:pPr>
+            <a:r>
+              <a:t/>
+            </a:r>
+            <a:endParaRPr sz="3100"/>
+          </a:p>
+          <a:p>
+            <a:pPr indent="0" lvl="0" marL="0" rtl="0" algn="l">
+              <a:spcBef>
                 <a:spcPts val="1600"/>
+              </a:spcBef>
+              <a:spcAft>
+                <a:spcPts val="1600"/>
               </a:spcAft>
               <a:buNone/>
             </a:pPr>
             <a:r>
+              <a:t/>
+            </a:r>
+            <a:endParaRPr sz="3100"/>
+          </a:p>
+        </p:txBody>
+      </p:sp>
+      <p:sp>
+        <p:nvSpPr>
+          <p:cNvPr id="91" name="Google Shape;91;p19"/>
+          <p:cNvSpPr txBox="1"/>
+          <p:nvPr>
+            <p:ph type="title"/>
+          </p:nvPr>
+        </p:nvSpPr>
+        <p:spPr>
+          <a:xfrm>
+            <a:off x="311700" y="445025"/>
+            <a:ext cx="8520600" cy="572700"/>
+          </a:xfrm>
+          <a:prstGeom prst="rect">
+            <a:avLst/>
+          </a:prstGeom>
+        </p:spPr>
+        <p:txBody>
+          <a:bodyPr anchorCtr="0" anchor="t" bIns="91425" lIns="91425" spcFirstLastPara="1" rIns="91425" wrap="square" tIns="91425">
+            <a:noAutofit/>
+          </a:bodyPr>
+          <a:lstStyle/>
+          <a:p>
+            <a:pPr indent="0" lvl="0" marL="0" rtl="0" algn="l">
+              <a:spcBef>
+                <a:spcPts val="0"/>
+              </a:spcBef>
+              <a:spcAft>
+                <a:spcPts val="0"/>
+              </a:spcAft>
+              <a:buNone/>
+            </a:pPr>
+            <a:r>
               <a:rPr lang="ja"/>
-              <a:t>配列の[]中に言語を入れると連想配列の一つになる。</a:t>
+              <a:t>初期値の入れ方（edit.php）</a:t>
             </a:r>
             <a:endParaRPr/>
+          </a:p>
+        </p:txBody>
+      </p:sp>
+    </p:spTree>
+  </p:cSld>
+  <p:clrMapOvr>
+    <a:masterClrMapping/>
+  </p:clrMapOvr>
+</p:sld>
+</file>
+
+<file path=ppt/slides/slide8.xml><?xml version="1.0" encoding="utf-8"?>
+<p:sld xmlns:a="http://schemas.openxmlformats.org/drawingml/2006/main" xmlns:r="http://schemas.openxmlformats.org/officeDocument/2006/relationships" xmlns:mc="http://schemas.openxmlformats.org/markup-compatibility/2006" xmlns:mv="urn:schemas-microsoft-com:mac:vml" xmlns:p="http://schemas.openxmlformats.org/presentationml/2006/main" xmlns:c="http://schemas.openxmlformats.org/drawingml/2006/chart" xmlns:dgm="http://schemas.openxmlformats.org/drawingml/2006/diagram" xmlns:o="urn:schemas-microsoft-com:office:office" xmlns:v="urn:schemas-microsoft-com:vml" xmlns:pvml="urn:schemas-microsoft-com:office:powerpoint" xmlns:com="http://schemas.openxmlformats.org/drawingml/2006/compatibility" xmlns:p14="http://schemas.microsoft.com/office/powerpoint/2010/main" xmlns:p15="http://schemas.microsoft.com/office/powerpoint/2012/main" xmlns:ahyp="http://schemas.microsoft.com/office/drawing/2018/hyperlinkcolor">
+  <p:cSld>
+    <p:spTree>
+      <p:nvGrpSpPr>
+        <p:cNvPr id="95" name="Shape 95"/>
+        <p:cNvGrpSpPr/>
+        <p:nvPr/>
+      </p:nvGrpSpPr>
+      <p:grpSpPr>
+        <a:xfrm>
+          <a:off x="0" y="0"/>
+          <a:ext cx="0" cy="0"/>
+          <a:chOff x="0" y="0"/>
+          <a:chExt cx="0" cy="0"/>
+        </a:xfrm>
+      </p:grpSpPr>
+      <p:sp>
+        <p:nvSpPr>
+          <p:cNvPr id="96" name="Google Shape;96;p20"/>
+          <p:cNvSpPr txBox="1"/>
+          <p:nvPr>
+            <p:ph type="title"/>
+          </p:nvPr>
+        </p:nvSpPr>
+        <p:spPr>
+          <a:xfrm>
+            <a:off x="311700" y="445025"/>
+            <a:ext cx="8520600" cy="572700"/>
+          </a:xfrm>
+          <a:prstGeom prst="rect">
+            <a:avLst/>
+          </a:prstGeom>
+        </p:spPr>
+        <p:txBody>
+          <a:bodyPr anchorCtr="0" anchor="t" bIns="91425" lIns="91425" spcFirstLastPara="1" rIns="91425" wrap="square" tIns="91425">
+            <a:noAutofit/>
+          </a:bodyPr>
+          <a:lstStyle/>
+          <a:p>
+            <a:pPr indent="0" lvl="0" marL="0" rtl="0" algn="l">
+              <a:spcBef>
+                <a:spcPts val="0"/>
+              </a:spcBef>
+              <a:spcAft>
+                <a:spcPts val="0"/>
+              </a:spcAft>
+              <a:buClr>
+                <a:schemeClr val="dk1"/>
+              </a:buClr>
+              <a:buSzPts val="1100"/>
+              <a:buFont typeface="Arial"/>
+              <a:buNone/>
+            </a:pPr>
+            <a:r>
+              <a:rPr lang="ja"/>
+              <a:t>初期値の入れ方２（edit.php）</a:t>
+            </a:r>
+            <a:endParaRPr/>
+          </a:p>
+          <a:p>
+            <a:pPr indent="0" lvl="0" marL="0" rtl="0" algn="l">
+              <a:spcBef>
+                <a:spcPts val="0"/>
+              </a:spcBef>
+              <a:spcAft>
+                <a:spcPts val="0"/>
+              </a:spcAft>
+              <a:buNone/>
+            </a:pPr>
+            <a:r>
+              <a:t/>
+            </a:r>
+            <a:endParaRPr/>
+          </a:p>
+        </p:txBody>
+      </p:sp>
+      <p:sp>
+        <p:nvSpPr>
+          <p:cNvPr id="97" name="Google Shape;97;p20"/>
+          <p:cNvSpPr txBox="1"/>
+          <p:nvPr>
+            <p:ph idx="1" type="body"/>
+          </p:nvPr>
+        </p:nvSpPr>
+        <p:spPr>
+          <a:xfrm>
+            <a:off x="311700" y="1152475"/>
+            <a:ext cx="8520600" cy="3416400"/>
+          </a:xfrm>
+          <a:prstGeom prst="rect">
+            <a:avLst/>
+          </a:prstGeom>
+        </p:spPr>
+        <p:txBody>
+          <a:bodyPr anchorCtr="0" anchor="t" bIns="91425" lIns="91425" spcFirstLastPara="1" rIns="91425" wrap="square" tIns="91425">
+            <a:noAutofit/>
+          </a:bodyPr>
+          <a:lstStyle/>
+          <a:p>
+            <a:pPr indent="0" lvl="0" marL="0" rtl="0" algn="l">
+              <a:lnSpc>
+                <a:spcPct val="150000"/>
+              </a:lnSpc>
+              <a:spcBef>
+                <a:spcPts val="0"/>
+              </a:spcBef>
+              <a:spcAft>
+                <a:spcPts val="0"/>
+              </a:spcAft>
+              <a:buNone/>
+            </a:pPr>
+            <a:r>
+              <a:rPr lang="ja" sz="1700">
+                <a:solidFill>
+                  <a:srgbClr val="9CDCFE"/>
+                </a:solidFill>
+                <a:highlight>
+                  <a:srgbClr val="1E1E1E"/>
+                </a:highlight>
+                <a:latin typeface="Courier New"/>
+                <a:ea typeface="Courier New"/>
+                <a:cs typeface="Courier New"/>
+                <a:sym typeface="Courier New"/>
+              </a:rPr>
+              <a:t>$sleep_start_time</a:t>
+            </a:r>
+            <a:r>
+              <a:rPr lang="ja" sz="1700">
+                <a:solidFill>
+                  <a:srgbClr val="D4D4D4"/>
+                </a:solidFill>
+                <a:highlight>
+                  <a:srgbClr val="1E1E1E"/>
+                </a:highlight>
+                <a:latin typeface="Courier New"/>
+                <a:ea typeface="Courier New"/>
+                <a:cs typeface="Courier New"/>
+                <a:sym typeface="Courier New"/>
+              </a:rPr>
+              <a:t> = </a:t>
+            </a:r>
+            <a:r>
+              <a:rPr lang="ja" sz="1700">
+                <a:solidFill>
+                  <a:srgbClr val="9CDCFE"/>
+                </a:solidFill>
+                <a:highlight>
+                  <a:srgbClr val="1E1E1E"/>
+                </a:highlight>
+                <a:latin typeface="Courier New"/>
+                <a:ea typeface="Courier New"/>
+                <a:cs typeface="Courier New"/>
+                <a:sym typeface="Courier New"/>
+              </a:rPr>
+              <a:t>$post</a:t>
+            </a:r>
+            <a:r>
+              <a:rPr lang="ja" sz="1700">
+                <a:solidFill>
+                  <a:srgbClr val="D4D4D4"/>
+                </a:solidFill>
+                <a:highlight>
+                  <a:srgbClr val="1E1E1E"/>
+                </a:highlight>
+                <a:latin typeface="Courier New"/>
+                <a:ea typeface="Courier New"/>
+                <a:cs typeface="Courier New"/>
+                <a:sym typeface="Courier New"/>
+              </a:rPr>
+              <a:t>[</a:t>
+            </a:r>
+            <a:r>
+              <a:rPr lang="ja" sz="1700">
+                <a:solidFill>
+                  <a:srgbClr val="CE9178"/>
+                </a:solidFill>
+                <a:highlight>
+                  <a:srgbClr val="1E1E1E"/>
+                </a:highlight>
+                <a:latin typeface="Courier New"/>
+                <a:ea typeface="Courier New"/>
+                <a:cs typeface="Courier New"/>
+                <a:sym typeface="Courier New"/>
+              </a:rPr>
+              <a:t>'sleep_start_time'</a:t>
+            </a:r>
+            <a:r>
+              <a:rPr lang="ja" sz="1700">
+                <a:solidFill>
+                  <a:srgbClr val="D4D4D4"/>
+                </a:solidFill>
+                <a:highlight>
+                  <a:srgbClr val="1E1E1E"/>
+                </a:highlight>
+                <a:latin typeface="Courier New"/>
+                <a:ea typeface="Courier New"/>
+                <a:cs typeface="Courier New"/>
+                <a:sym typeface="Courier New"/>
+              </a:rPr>
+              <a:t>];</a:t>
+            </a:r>
+            <a:endParaRPr sz="1700">
+              <a:solidFill>
+                <a:srgbClr val="D4D4D4"/>
+              </a:solidFill>
+              <a:highlight>
+                <a:srgbClr val="1E1E1E"/>
+              </a:highlight>
+              <a:latin typeface="Courier New"/>
+              <a:ea typeface="Courier New"/>
+              <a:cs typeface="Courier New"/>
+              <a:sym typeface="Courier New"/>
+            </a:endParaRPr>
+          </a:p>
+          <a:p>
+            <a:pPr indent="0" lvl="0" marL="0" rtl="0" algn="l">
+              <a:spcBef>
+                <a:spcPts val="0"/>
+              </a:spcBef>
+              <a:spcAft>
+                <a:spcPts val="0"/>
+              </a:spcAft>
+              <a:buNone/>
+            </a:pPr>
+            <a:r>
+              <a:rPr lang="ja"/>
+              <a:t>p353↓　p36↑</a:t>
+            </a:r>
+            <a:endParaRPr sz="1700">
+              <a:solidFill>
+                <a:srgbClr val="D4D4D4"/>
+              </a:solidFill>
+              <a:highlight>
+                <a:srgbClr val="1E1E1E"/>
+              </a:highlight>
+              <a:latin typeface="Courier New"/>
+              <a:ea typeface="Courier New"/>
+              <a:cs typeface="Courier New"/>
+              <a:sym typeface="Courier New"/>
+            </a:endParaRPr>
+          </a:p>
+          <a:p>
+            <a:pPr indent="0" lvl="0" marL="0" rtl="0" algn="l">
+              <a:lnSpc>
+                <a:spcPct val="150000"/>
+              </a:lnSpc>
+              <a:spcBef>
+                <a:spcPts val="1600"/>
+              </a:spcBef>
+              <a:spcAft>
+                <a:spcPts val="0"/>
+              </a:spcAft>
+              <a:buNone/>
+            </a:pPr>
+            <a:r>
+              <a:rPr lang="ja" sz="1700">
+                <a:solidFill>
+                  <a:srgbClr val="9CDCFE"/>
+                </a:solidFill>
+                <a:highlight>
+                  <a:srgbClr val="1E1E1E"/>
+                </a:highlight>
+                <a:latin typeface="Courier New"/>
+                <a:ea typeface="Courier New"/>
+                <a:cs typeface="Courier New"/>
+                <a:sym typeface="Courier New"/>
+              </a:rPr>
+              <a:t>$sleep_start</a:t>
+            </a:r>
+            <a:r>
+              <a:rPr lang="ja" sz="1700">
+                <a:solidFill>
+                  <a:srgbClr val="D4D4D4"/>
+                </a:solidFill>
+                <a:highlight>
+                  <a:srgbClr val="1E1E1E"/>
+                </a:highlight>
+                <a:latin typeface="Courier New"/>
+                <a:ea typeface="Courier New"/>
+                <a:cs typeface="Courier New"/>
+                <a:sym typeface="Courier New"/>
+              </a:rPr>
+              <a:t> =  </a:t>
+            </a:r>
+            <a:r>
+              <a:rPr lang="ja" sz="1700">
+                <a:solidFill>
+                  <a:srgbClr val="9CDCFE"/>
+                </a:solidFill>
+                <a:highlight>
+                  <a:srgbClr val="1E1E1E"/>
+                </a:highlight>
+                <a:latin typeface="Courier New"/>
+                <a:ea typeface="Courier New"/>
+                <a:cs typeface="Courier New"/>
+                <a:sym typeface="Courier New"/>
+              </a:rPr>
+              <a:t>$rec2</a:t>
+            </a:r>
+            <a:r>
+              <a:rPr lang="ja" sz="1700">
+                <a:solidFill>
+                  <a:srgbClr val="D4D4D4"/>
+                </a:solidFill>
+                <a:highlight>
+                  <a:srgbClr val="1E1E1E"/>
+                </a:highlight>
+                <a:latin typeface="Courier New"/>
+                <a:ea typeface="Courier New"/>
+                <a:cs typeface="Courier New"/>
+                <a:sym typeface="Courier New"/>
+              </a:rPr>
+              <a:t>[</a:t>
+            </a:r>
+            <a:r>
+              <a:rPr lang="ja" sz="1700">
+                <a:solidFill>
+                  <a:srgbClr val="CE9178"/>
+                </a:solidFill>
+                <a:highlight>
+                  <a:srgbClr val="1E1E1E"/>
+                </a:highlight>
+                <a:latin typeface="Courier New"/>
+                <a:ea typeface="Courier New"/>
+                <a:cs typeface="Courier New"/>
+                <a:sym typeface="Courier New"/>
+              </a:rPr>
+              <a:t>"sleep_start_time"</a:t>
+            </a:r>
+            <a:r>
+              <a:rPr lang="ja" sz="1700">
+                <a:solidFill>
+                  <a:srgbClr val="D4D4D4"/>
+                </a:solidFill>
+                <a:highlight>
+                  <a:srgbClr val="1E1E1E"/>
+                </a:highlight>
+                <a:latin typeface="Courier New"/>
+                <a:ea typeface="Courier New"/>
+                <a:cs typeface="Courier New"/>
+                <a:sym typeface="Courier New"/>
+              </a:rPr>
+              <a:t>];</a:t>
+            </a:r>
+            <a:endParaRPr sz="1700">
+              <a:solidFill>
+                <a:srgbClr val="D4D4D4"/>
+              </a:solidFill>
+              <a:highlight>
+                <a:srgbClr val="1E1E1E"/>
+              </a:highlight>
+              <a:latin typeface="Courier New"/>
+              <a:ea typeface="Courier New"/>
+              <a:cs typeface="Courier New"/>
+              <a:sym typeface="Courier New"/>
+            </a:endParaRPr>
+          </a:p>
+          <a:p>
+            <a:pPr indent="0" lvl="0" marL="0" rtl="0" algn="l">
+              <a:lnSpc>
+                <a:spcPct val="150000"/>
+              </a:lnSpc>
+              <a:spcBef>
+                <a:spcPts val="0"/>
+              </a:spcBef>
+              <a:spcAft>
+                <a:spcPts val="0"/>
+              </a:spcAft>
+              <a:buNone/>
+            </a:pPr>
+            <a:r>
+              <a:rPr lang="ja" sz="1700">
+                <a:solidFill>
+                  <a:srgbClr val="D4D4D4"/>
+                </a:solidFill>
+                <a:highlight>
+                  <a:srgbClr val="1E1E1E"/>
+                </a:highlight>
+                <a:latin typeface="Courier New"/>
+                <a:ea typeface="Courier New"/>
+                <a:cs typeface="Courier New"/>
+                <a:sym typeface="Courier New"/>
+              </a:rPr>
+              <a:t>   </a:t>
+            </a:r>
+            <a:r>
+              <a:rPr lang="ja" sz="1700">
+                <a:solidFill>
+                  <a:srgbClr val="9CDCFE"/>
+                </a:solidFill>
+                <a:highlight>
+                  <a:srgbClr val="1E1E1E"/>
+                </a:highlight>
+                <a:latin typeface="Courier New"/>
+                <a:ea typeface="Courier New"/>
+                <a:cs typeface="Courier New"/>
+                <a:sym typeface="Courier New"/>
+              </a:rPr>
+              <a:t>$date_start</a:t>
+            </a:r>
+            <a:r>
+              <a:rPr lang="ja" sz="1700">
+                <a:solidFill>
+                  <a:srgbClr val="D4D4D4"/>
+                </a:solidFill>
+                <a:highlight>
+                  <a:srgbClr val="1E1E1E"/>
+                </a:highlight>
+                <a:latin typeface="Courier New"/>
+                <a:ea typeface="Courier New"/>
+                <a:cs typeface="Courier New"/>
+                <a:sym typeface="Courier New"/>
+              </a:rPr>
+              <a:t> = </a:t>
+            </a:r>
+            <a:r>
+              <a:rPr lang="ja" sz="1700">
+                <a:solidFill>
+                  <a:srgbClr val="569CD6"/>
+                </a:solidFill>
+                <a:highlight>
+                  <a:srgbClr val="1E1E1E"/>
+                </a:highlight>
+                <a:latin typeface="Courier New"/>
+                <a:ea typeface="Courier New"/>
+                <a:cs typeface="Courier New"/>
+                <a:sym typeface="Courier New"/>
+              </a:rPr>
+              <a:t>new</a:t>
+            </a:r>
+            <a:r>
+              <a:rPr lang="ja" sz="1700">
+                <a:solidFill>
+                  <a:srgbClr val="D4D4D4"/>
+                </a:solidFill>
+                <a:highlight>
+                  <a:srgbClr val="1E1E1E"/>
+                </a:highlight>
+                <a:latin typeface="Courier New"/>
+                <a:ea typeface="Courier New"/>
+                <a:cs typeface="Courier New"/>
+                <a:sym typeface="Courier New"/>
+              </a:rPr>
+              <a:t> </a:t>
+            </a:r>
+            <a:r>
+              <a:rPr lang="ja" sz="1700">
+                <a:solidFill>
+                  <a:srgbClr val="4EC9B0"/>
+                </a:solidFill>
+                <a:highlight>
+                  <a:srgbClr val="1E1E1E"/>
+                </a:highlight>
+                <a:latin typeface="Courier New"/>
+                <a:ea typeface="Courier New"/>
+                <a:cs typeface="Courier New"/>
+                <a:sym typeface="Courier New"/>
+              </a:rPr>
+              <a:t>DateTime</a:t>
+            </a:r>
+            <a:r>
+              <a:rPr lang="ja" sz="1700">
+                <a:solidFill>
+                  <a:srgbClr val="D4D4D4"/>
+                </a:solidFill>
+                <a:highlight>
+                  <a:srgbClr val="1E1E1E"/>
+                </a:highlight>
+                <a:latin typeface="Courier New"/>
+                <a:ea typeface="Courier New"/>
+                <a:cs typeface="Courier New"/>
+                <a:sym typeface="Courier New"/>
+              </a:rPr>
+              <a:t>(</a:t>
+            </a:r>
+            <a:r>
+              <a:rPr lang="ja" sz="1700">
+                <a:solidFill>
+                  <a:srgbClr val="9CDCFE"/>
+                </a:solidFill>
+                <a:highlight>
+                  <a:srgbClr val="1E1E1E"/>
+                </a:highlight>
+                <a:latin typeface="Courier New"/>
+                <a:ea typeface="Courier New"/>
+                <a:cs typeface="Courier New"/>
+                <a:sym typeface="Courier New"/>
+              </a:rPr>
+              <a:t>$sleep_start</a:t>
+            </a:r>
+            <a:r>
+              <a:rPr lang="ja" sz="1700">
+                <a:solidFill>
+                  <a:srgbClr val="D4D4D4"/>
+                </a:solidFill>
+                <a:highlight>
+                  <a:srgbClr val="1E1E1E"/>
+                </a:highlight>
+                <a:latin typeface="Courier New"/>
+                <a:ea typeface="Courier New"/>
+                <a:cs typeface="Courier New"/>
+                <a:sym typeface="Courier New"/>
+              </a:rPr>
+              <a:t>);</a:t>
+            </a:r>
+            <a:endParaRPr sz="1700">
+              <a:solidFill>
+                <a:srgbClr val="D4D4D4"/>
+              </a:solidFill>
+              <a:highlight>
+                <a:srgbClr val="1E1E1E"/>
+              </a:highlight>
+              <a:latin typeface="Courier New"/>
+              <a:ea typeface="Courier New"/>
+              <a:cs typeface="Courier New"/>
+              <a:sym typeface="Courier New"/>
+            </a:endParaRPr>
+          </a:p>
+          <a:p>
+            <a:pPr indent="0" lvl="0" marL="0" rtl="0" algn="l">
+              <a:lnSpc>
+                <a:spcPct val="150000"/>
+              </a:lnSpc>
+              <a:spcBef>
+                <a:spcPts val="0"/>
+              </a:spcBef>
+              <a:spcAft>
+                <a:spcPts val="0"/>
+              </a:spcAft>
+              <a:buNone/>
+            </a:pPr>
+            <a:r>
+              <a:rPr lang="ja" sz="1700">
+                <a:solidFill>
+                  <a:srgbClr val="D4D4D4"/>
+                </a:solidFill>
+                <a:highlight>
+                  <a:srgbClr val="1E1E1E"/>
+                </a:highlight>
+                <a:latin typeface="Courier New"/>
+                <a:ea typeface="Courier New"/>
+                <a:cs typeface="Courier New"/>
+                <a:sym typeface="Courier New"/>
+              </a:rPr>
+              <a:t>   </a:t>
+            </a:r>
+            <a:r>
+              <a:rPr lang="ja" sz="1700">
+                <a:solidFill>
+                  <a:srgbClr val="6A9955"/>
+                </a:solidFill>
+                <a:highlight>
+                  <a:srgbClr val="1E1E1E"/>
+                </a:highlight>
+                <a:latin typeface="Courier New"/>
+                <a:ea typeface="Courier New"/>
+                <a:cs typeface="Courier New"/>
+                <a:sym typeface="Courier New"/>
+              </a:rPr>
+              <a:t>// 日付と時間の間にTを入れないと初期値に反映されないので、入れている。</a:t>
+            </a:r>
+            <a:endParaRPr sz="1700">
+              <a:solidFill>
+                <a:srgbClr val="6A9955"/>
+              </a:solidFill>
+              <a:highlight>
+                <a:srgbClr val="1E1E1E"/>
+              </a:highlight>
+              <a:latin typeface="Courier New"/>
+              <a:ea typeface="Courier New"/>
+              <a:cs typeface="Courier New"/>
+              <a:sym typeface="Courier New"/>
+            </a:endParaRPr>
+          </a:p>
+          <a:p>
+            <a:pPr indent="0" lvl="0" marL="0" rtl="0" algn="l">
+              <a:lnSpc>
+                <a:spcPct val="150000"/>
+              </a:lnSpc>
+              <a:spcBef>
+                <a:spcPts val="0"/>
+              </a:spcBef>
+              <a:spcAft>
+                <a:spcPts val="0"/>
+              </a:spcAft>
+              <a:buNone/>
+            </a:pPr>
+            <a:r>
+              <a:rPr lang="ja" sz="1700">
+                <a:solidFill>
+                  <a:srgbClr val="D4D4D4"/>
+                </a:solidFill>
+                <a:highlight>
+                  <a:srgbClr val="1E1E1E"/>
+                </a:highlight>
+                <a:latin typeface="Courier New"/>
+                <a:ea typeface="Courier New"/>
+                <a:cs typeface="Courier New"/>
+                <a:sym typeface="Courier New"/>
+              </a:rPr>
+              <a:t>   </a:t>
+            </a:r>
+            <a:r>
+              <a:rPr lang="ja" sz="1700">
+                <a:solidFill>
+                  <a:srgbClr val="9CDCFE"/>
+                </a:solidFill>
+                <a:highlight>
+                  <a:srgbClr val="1E1E1E"/>
+                </a:highlight>
+                <a:latin typeface="Courier New"/>
+                <a:ea typeface="Courier New"/>
+                <a:cs typeface="Courier New"/>
+                <a:sym typeface="Courier New"/>
+              </a:rPr>
+              <a:t>$sleep_start_time_default</a:t>
+            </a:r>
+            <a:r>
+              <a:rPr lang="ja" sz="1700">
+                <a:solidFill>
+                  <a:srgbClr val="D4D4D4"/>
+                </a:solidFill>
+                <a:highlight>
+                  <a:srgbClr val="1E1E1E"/>
+                </a:highlight>
+                <a:latin typeface="Courier New"/>
+                <a:ea typeface="Courier New"/>
+                <a:cs typeface="Courier New"/>
+                <a:sym typeface="Courier New"/>
+              </a:rPr>
+              <a:t> = </a:t>
+            </a:r>
+            <a:r>
+              <a:rPr lang="ja" sz="1700">
+                <a:solidFill>
+                  <a:srgbClr val="9CDCFE"/>
+                </a:solidFill>
+                <a:highlight>
+                  <a:srgbClr val="1E1E1E"/>
+                </a:highlight>
+                <a:latin typeface="Courier New"/>
+                <a:ea typeface="Courier New"/>
+                <a:cs typeface="Courier New"/>
+                <a:sym typeface="Courier New"/>
+              </a:rPr>
+              <a:t>$date_start</a:t>
+            </a:r>
+            <a:r>
+              <a:rPr lang="ja" sz="1700">
+                <a:solidFill>
+                  <a:srgbClr val="D4D4D4"/>
+                </a:solidFill>
+                <a:highlight>
+                  <a:srgbClr val="1E1E1E"/>
+                </a:highlight>
+                <a:latin typeface="Courier New"/>
+                <a:ea typeface="Courier New"/>
+                <a:cs typeface="Courier New"/>
+                <a:sym typeface="Courier New"/>
+              </a:rPr>
+              <a:t>-&gt;</a:t>
+            </a:r>
+            <a:r>
+              <a:rPr lang="ja" sz="1700">
+                <a:solidFill>
+                  <a:srgbClr val="DCDCAA"/>
+                </a:solidFill>
+                <a:highlight>
+                  <a:srgbClr val="1E1E1E"/>
+                </a:highlight>
+                <a:latin typeface="Courier New"/>
+                <a:ea typeface="Courier New"/>
+                <a:cs typeface="Courier New"/>
+                <a:sym typeface="Courier New"/>
+              </a:rPr>
+              <a:t>format</a:t>
+            </a:r>
+            <a:r>
+              <a:rPr lang="ja" sz="1700">
+                <a:solidFill>
+                  <a:srgbClr val="D4D4D4"/>
+                </a:solidFill>
+                <a:highlight>
+                  <a:srgbClr val="1E1E1E"/>
+                </a:highlight>
+                <a:latin typeface="Courier New"/>
+                <a:ea typeface="Courier New"/>
+                <a:cs typeface="Courier New"/>
+                <a:sym typeface="Courier New"/>
+              </a:rPr>
+              <a:t>(</a:t>
+            </a:r>
+            <a:r>
+              <a:rPr lang="ja" sz="1700">
+                <a:solidFill>
+                  <a:srgbClr val="CE9178"/>
+                </a:solidFill>
+                <a:highlight>
+                  <a:srgbClr val="1E1E1E"/>
+                </a:highlight>
+                <a:latin typeface="Courier New"/>
+                <a:ea typeface="Courier New"/>
+                <a:cs typeface="Courier New"/>
+                <a:sym typeface="Courier New"/>
+              </a:rPr>
+              <a:t>'Y-m-d'</a:t>
+            </a:r>
+            <a:r>
+              <a:rPr lang="ja" sz="1700">
+                <a:solidFill>
+                  <a:srgbClr val="D4D4D4"/>
+                </a:solidFill>
+                <a:highlight>
+                  <a:srgbClr val="1E1E1E"/>
+                </a:highlight>
+                <a:latin typeface="Courier New"/>
+                <a:ea typeface="Courier New"/>
+                <a:cs typeface="Courier New"/>
+                <a:sym typeface="Courier New"/>
+              </a:rPr>
+              <a:t>) . </a:t>
+            </a:r>
+            <a:r>
+              <a:rPr lang="ja" sz="1700">
+                <a:solidFill>
+                  <a:srgbClr val="CE9178"/>
+                </a:solidFill>
+                <a:highlight>
+                  <a:srgbClr val="1E1E1E"/>
+                </a:highlight>
+                <a:latin typeface="Courier New"/>
+                <a:ea typeface="Courier New"/>
+                <a:cs typeface="Courier New"/>
+                <a:sym typeface="Courier New"/>
+              </a:rPr>
+              <a:t>'T'</a:t>
+            </a:r>
+            <a:r>
+              <a:rPr lang="ja" sz="1700">
+                <a:solidFill>
+                  <a:srgbClr val="D4D4D4"/>
+                </a:solidFill>
+                <a:highlight>
+                  <a:srgbClr val="1E1E1E"/>
+                </a:highlight>
+                <a:latin typeface="Courier New"/>
+                <a:ea typeface="Courier New"/>
+                <a:cs typeface="Courier New"/>
+                <a:sym typeface="Courier New"/>
+              </a:rPr>
+              <a:t> . </a:t>
+            </a:r>
+            <a:r>
+              <a:rPr lang="ja" sz="1700">
+                <a:solidFill>
+                  <a:srgbClr val="9CDCFE"/>
+                </a:solidFill>
+                <a:highlight>
+                  <a:srgbClr val="1E1E1E"/>
+                </a:highlight>
+                <a:latin typeface="Courier New"/>
+                <a:ea typeface="Courier New"/>
+                <a:cs typeface="Courier New"/>
+                <a:sym typeface="Courier New"/>
+              </a:rPr>
+              <a:t>$date_start</a:t>
+            </a:r>
+            <a:r>
+              <a:rPr lang="ja" sz="1700">
+                <a:solidFill>
+                  <a:srgbClr val="D4D4D4"/>
+                </a:solidFill>
+                <a:highlight>
+                  <a:srgbClr val="1E1E1E"/>
+                </a:highlight>
+                <a:latin typeface="Courier New"/>
+                <a:ea typeface="Courier New"/>
+                <a:cs typeface="Courier New"/>
+                <a:sym typeface="Courier New"/>
+              </a:rPr>
+              <a:t>-&gt;</a:t>
+            </a:r>
+            <a:r>
+              <a:rPr lang="ja" sz="1700">
+                <a:solidFill>
+                  <a:srgbClr val="DCDCAA"/>
+                </a:solidFill>
+                <a:highlight>
+                  <a:srgbClr val="1E1E1E"/>
+                </a:highlight>
+                <a:latin typeface="Courier New"/>
+                <a:ea typeface="Courier New"/>
+                <a:cs typeface="Courier New"/>
+                <a:sym typeface="Courier New"/>
+              </a:rPr>
+              <a:t>format</a:t>
+            </a:r>
+            <a:r>
+              <a:rPr lang="ja" sz="1700">
+                <a:solidFill>
+                  <a:srgbClr val="D4D4D4"/>
+                </a:solidFill>
+                <a:highlight>
+                  <a:srgbClr val="1E1E1E"/>
+                </a:highlight>
+                <a:latin typeface="Courier New"/>
+                <a:ea typeface="Courier New"/>
+                <a:cs typeface="Courier New"/>
+                <a:sym typeface="Courier New"/>
+              </a:rPr>
+              <a:t>(</a:t>
+            </a:r>
+            <a:r>
+              <a:rPr lang="ja" sz="1700">
+                <a:solidFill>
+                  <a:srgbClr val="CE9178"/>
+                </a:solidFill>
+                <a:highlight>
+                  <a:srgbClr val="1E1E1E"/>
+                </a:highlight>
+                <a:latin typeface="Courier New"/>
+                <a:ea typeface="Courier New"/>
+                <a:cs typeface="Courier New"/>
+                <a:sym typeface="Courier New"/>
+              </a:rPr>
+              <a:t>'H:i'</a:t>
+            </a:r>
+            <a:r>
+              <a:rPr lang="ja" sz="1700">
+                <a:solidFill>
+                  <a:srgbClr val="D4D4D4"/>
+                </a:solidFill>
+                <a:highlight>
+                  <a:srgbClr val="1E1E1E"/>
+                </a:highlight>
+                <a:latin typeface="Courier New"/>
+                <a:ea typeface="Courier New"/>
+                <a:cs typeface="Courier New"/>
+                <a:sym typeface="Courier New"/>
+              </a:rPr>
+              <a:t>);</a:t>
+            </a:r>
+            <a:endParaRPr sz="1700">
+              <a:solidFill>
+                <a:srgbClr val="D4D4D4"/>
+              </a:solidFill>
+              <a:highlight>
+                <a:srgbClr val="1E1E1E"/>
+              </a:highlight>
+              <a:latin typeface="Courier New"/>
+              <a:ea typeface="Courier New"/>
+              <a:cs typeface="Courier New"/>
+              <a:sym typeface="Courier New"/>
+            </a:endParaRPr>
+          </a:p>
+          <a:p>
+            <a:pPr indent="0" lvl="0" marL="0" rtl="0" algn="l">
+              <a:lnSpc>
+                <a:spcPct val="150000"/>
+              </a:lnSpc>
+              <a:spcBef>
+                <a:spcPts val="0"/>
+              </a:spcBef>
+              <a:spcAft>
+                <a:spcPts val="0"/>
+              </a:spcAft>
+              <a:buClr>
+                <a:schemeClr val="dk1"/>
+              </a:buClr>
+              <a:buSzPts val="1100"/>
+              <a:buFont typeface="Arial"/>
+              <a:buNone/>
+            </a:pPr>
+            <a:r>
+              <a:t/>
+            </a:r>
+            <a:endParaRPr sz="1700">
+              <a:solidFill>
+                <a:srgbClr val="D4D4D4"/>
+              </a:solidFill>
+              <a:highlight>
+                <a:srgbClr val="1E1E1E"/>
+              </a:highlight>
+              <a:latin typeface="Courier New"/>
+              <a:ea typeface="Courier New"/>
+              <a:cs typeface="Courier New"/>
+              <a:sym typeface="Courier New"/>
+            </a:endParaRPr>
+          </a:p>
+          <a:p>
+            <a:pPr indent="0" lvl="0" marL="0" rtl="0" algn="l">
+              <a:spcBef>
+                <a:spcPts val="0"/>
+              </a:spcBef>
+              <a:spcAft>
+                <a:spcPts val="1600"/>
+              </a:spcAft>
+              <a:buNone/>
+            </a:pPr>
+            <a:r>
+              <a:t/>
+            </a:r>
+            <a:endParaRPr sz="2600"/>
+          </a:p>
+        </p:txBody>
+      </p:sp>
+    </p:spTree>
+  </p:cSld>
+  <p:clrMapOvr>
+    <a:masterClrMapping/>
+  </p:clrMapOvr>
+</p:sld>
+</file>
+
+<file path=ppt/slides/slide9.xml><?xml version="1.0" encoding="utf-8"?>
+<p:sld xmlns:a="http://schemas.openxmlformats.org/drawingml/2006/main" xmlns:r="http://schemas.openxmlformats.org/officeDocument/2006/relationships" xmlns:mc="http://schemas.openxmlformats.org/markup-compatibility/2006" xmlns:mv="urn:schemas-microsoft-com:mac:vml" xmlns:p="http://schemas.openxmlformats.org/presentationml/2006/main" xmlns:c="http://schemas.openxmlformats.org/drawingml/2006/chart" xmlns:dgm="http://schemas.openxmlformats.org/drawingml/2006/diagram" xmlns:o="urn:schemas-microsoft-com:office:office" xmlns:v="urn:schemas-microsoft-com:vml" xmlns:pvml="urn:schemas-microsoft-com:office:powerpoint" xmlns:com="http://schemas.openxmlformats.org/drawingml/2006/compatibility" xmlns:p14="http://schemas.microsoft.com/office/powerpoint/2010/main" xmlns:p15="http://schemas.microsoft.com/office/powerpoint/2012/main" xmlns:ahyp="http://schemas.microsoft.com/office/drawing/2018/hyperlinkcolor">
+  <p:cSld>
+    <p:spTree>
+      <p:nvGrpSpPr>
+        <p:cNvPr id="101" name="Shape 101"/>
+        <p:cNvGrpSpPr/>
+        <p:nvPr/>
+      </p:nvGrpSpPr>
+      <p:grpSpPr>
+        <a:xfrm>
+          <a:off x="0" y="0"/>
+          <a:ext cx="0" cy="0"/>
+          <a:chOff x="0" y="0"/>
+          <a:chExt cx="0" cy="0"/>
+        </a:xfrm>
+      </p:grpSpPr>
+      <p:sp>
+        <p:nvSpPr>
+          <p:cNvPr id="102" name="Google Shape;102;p21"/>
+          <p:cNvSpPr txBox="1"/>
+          <p:nvPr>
+            <p:ph type="title"/>
+          </p:nvPr>
+        </p:nvSpPr>
+        <p:spPr>
+          <a:xfrm>
+            <a:off x="311700" y="445025"/>
+            <a:ext cx="8520600" cy="572700"/>
+          </a:xfrm>
+          <a:prstGeom prst="rect">
+            <a:avLst/>
+          </a:prstGeom>
+        </p:spPr>
+        <p:txBody>
+          <a:bodyPr anchorCtr="0" anchor="t" bIns="91425" lIns="91425" spcFirstLastPara="1" rIns="91425" wrap="square" tIns="91425">
+            <a:noAutofit/>
+          </a:bodyPr>
+          <a:lstStyle/>
+          <a:p>
+            <a:pPr indent="0" lvl="0" marL="0" rtl="0" algn="l">
+              <a:spcBef>
+                <a:spcPts val="0"/>
+              </a:spcBef>
+              <a:spcAft>
+                <a:spcPts val="0"/>
+              </a:spcAft>
+              <a:buNone/>
+            </a:pPr>
+            <a:r>
+              <a:rPr lang="ja"/>
+              <a:t>略称にして見やすくする。(list.php p57)</a:t>
+            </a:r>
+            <a:endParaRPr/>
+          </a:p>
+        </p:txBody>
+      </p:sp>
+      <p:sp>
+        <p:nvSpPr>
+          <p:cNvPr id="103" name="Google Shape;103;p21"/>
+          <p:cNvSpPr txBox="1"/>
+          <p:nvPr>
+            <p:ph idx="1" type="body"/>
+          </p:nvPr>
+        </p:nvSpPr>
+        <p:spPr>
+          <a:xfrm>
+            <a:off x="311700" y="1152475"/>
+            <a:ext cx="8520600" cy="3416400"/>
+          </a:xfrm>
+          <a:prstGeom prst="rect">
+            <a:avLst/>
+          </a:prstGeom>
+        </p:spPr>
+        <p:txBody>
+          <a:bodyPr anchorCtr="0" anchor="t" bIns="91425" lIns="91425" spcFirstLastPara="1" rIns="91425" wrap="square" tIns="91425">
+            <a:noAutofit/>
+          </a:bodyPr>
+          <a:lstStyle/>
+          <a:p>
+            <a:pPr indent="0" lvl="0" marL="0" rtl="0" algn="l">
+              <a:lnSpc>
+                <a:spcPct val="150000"/>
+              </a:lnSpc>
+              <a:spcBef>
+                <a:spcPts val="0"/>
+              </a:spcBef>
+              <a:spcAft>
+                <a:spcPts val="0"/>
+              </a:spcAft>
+              <a:buNone/>
+            </a:pPr>
+            <a:r>
+              <a:rPr lang="ja">
+                <a:solidFill>
+                  <a:srgbClr val="808080"/>
+                </a:solidFill>
+                <a:highlight>
+                  <a:srgbClr val="1E1E1E"/>
+                </a:highlight>
+                <a:latin typeface="Courier New"/>
+                <a:ea typeface="Courier New"/>
+                <a:cs typeface="Courier New"/>
+                <a:sym typeface="Courier New"/>
+              </a:rPr>
+              <a:t>&lt;</a:t>
+            </a:r>
+            <a:r>
+              <a:rPr lang="ja">
+                <a:solidFill>
+                  <a:srgbClr val="569CD6"/>
+                </a:solidFill>
+                <a:highlight>
+                  <a:srgbClr val="1E1E1E"/>
+                </a:highlight>
+                <a:latin typeface="Courier New"/>
+                <a:ea typeface="Courier New"/>
+                <a:cs typeface="Courier New"/>
+                <a:sym typeface="Courier New"/>
+              </a:rPr>
+              <a:t>input</a:t>
+            </a:r>
+            <a:r>
+              <a:rPr lang="ja">
+                <a:solidFill>
+                  <a:srgbClr val="D4D4D4"/>
+                </a:solidFill>
+                <a:highlight>
+                  <a:srgbClr val="1E1E1E"/>
+                </a:highlight>
+                <a:latin typeface="Courier New"/>
+                <a:ea typeface="Courier New"/>
+                <a:cs typeface="Courier New"/>
+                <a:sym typeface="Courier New"/>
+              </a:rPr>
+              <a:t> </a:t>
+            </a:r>
+            <a:r>
+              <a:rPr lang="ja">
+                <a:solidFill>
+                  <a:srgbClr val="9CDCFE"/>
+                </a:solidFill>
+                <a:highlight>
+                  <a:srgbClr val="1E1E1E"/>
+                </a:highlight>
+                <a:latin typeface="Courier New"/>
+                <a:ea typeface="Courier New"/>
+                <a:cs typeface="Courier New"/>
+                <a:sym typeface="Courier New"/>
+              </a:rPr>
+              <a:t>type</a:t>
+            </a:r>
+            <a:r>
+              <a:rPr lang="ja">
+                <a:solidFill>
+                  <a:srgbClr val="D4D4D4"/>
+                </a:solidFill>
+                <a:highlight>
+                  <a:srgbClr val="1E1E1E"/>
+                </a:highlight>
+                <a:latin typeface="Courier New"/>
+                <a:ea typeface="Courier New"/>
+                <a:cs typeface="Courier New"/>
+                <a:sym typeface="Courier New"/>
+              </a:rPr>
+              <a:t>=</a:t>
+            </a:r>
+            <a:r>
+              <a:rPr lang="ja">
+                <a:solidFill>
+                  <a:srgbClr val="CE9178"/>
+                </a:solidFill>
+                <a:highlight>
+                  <a:srgbClr val="1E1E1E"/>
+                </a:highlight>
+                <a:latin typeface="Courier New"/>
+                <a:ea typeface="Courier New"/>
+                <a:cs typeface="Courier New"/>
+                <a:sym typeface="Courier New"/>
+              </a:rPr>
+              <a:t>"checkbox"</a:t>
+            </a:r>
+            <a:r>
+              <a:rPr lang="ja">
+                <a:solidFill>
+                  <a:srgbClr val="D4D4D4"/>
+                </a:solidFill>
+                <a:highlight>
+                  <a:srgbClr val="1E1E1E"/>
+                </a:highlight>
+                <a:latin typeface="Courier New"/>
+                <a:ea typeface="Courier New"/>
+                <a:cs typeface="Courier New"/>
+                <a:sym typeface="Courier New"/>
+              </a:rPr>
+              <a:t> </a:t>
+            </a:r>
+            <a:r>
+              <a:rPr lang="ja">
+                <a:solidFill>
+                  <a:srgbClr val="9CDCFE"/>
+                </a:solidFill>
+                <a:highlight>
+                  <a:srgbClr val="1E1E1E"/>
+                </a:highlight>
+                <a:latin typeface="Courier New"/>
+                <a:ea typeface="Courier New"/>
+                <a:cs typeface="Courier New"/>
+                <a:sym typeface="Courier New"/>
+              </a:rPr>
+              <a:t>name</a:t>
+            </a:r>
+            <a:r>
+              <a:rPr lang="ja">
+                <a:solidFill>
+                  <a:srgbClr val="D4D4D4"/>
+                </a:solidFill>
+                <a:highlight>
+                  <a:srgbClr val="1E1E1E"/>
+                </a:highlight>
+                <a:latin typeface="Courier New"/>
+                <a:ea typeface="Courier New"/>
+                <a:cs typeface="Courier New"/>
+                <a:sym typeface="Courier New"/>
+              </a:rPr>
+              <a:t>=</a:t>
+            </a:r>
+            <a:r>
+              <a:rPr lang="ja">
+                <a:solidFill>
+                  <a:srgbClr val="CE9178"/>
+                </a:solidFill>
+                <a:highlight>
+                  <a:srgbClr val="1E1E1E"/>
+                </a:highlight>
+                <a:latin typeface="Courier New"/>
+                <a:ea typeface="Courier New"/>
+                <a:cs typeface="Courier New"/>
+                <a:sym typeface="Courier New"/>
+              </a:rPr>
+              <a:t>"abbreviation"</a:t>
+            </a:r>
+            <a:r>
+              <a:rPr lang="ja">
+                <a:solidFill>
+                  <a:srgbClr val="D4D4D4"/>
+                </a:solidFill>
+                <a:highlight>
+                  <a:srgbClr val="1E1E1E"/>
+                </a:highlight>
+                <a:latin typeface="Courier New"/>
+                <a:ea typeface="Courier New"/>
+                <a:cs typeface="Courier New"/>
+                <a:sym typeface="Courier New"/>
+              </a:rPr>
+              <a:t> </a:t>
+            </a:r>
+            <a:r>
+              <a:rPr lang="ja">
+                <a:solidFill>
+                  <a:srgbClr val="9CDCFE"/>
+                </a:solidFill>
+                <a:highlight>
+                  <a:srgbClr val="1E1E1E"/>
+                </a:highlight>
+                <a:latin typeface="Courier New"/>
+                <a:ea typeface="Courier New"/>
+                <a:cs typeface="Courier New"/>
+                <a:sym typeface="Courier New"/>
+              </a:rPr>
+              <a:t>id</a:t>
+            </a:r>
+            <a:r>
+              <a:rPr lang="ja">
+                <a:solidFill>
+                  <a:srgbClr val="D4D4D4"/>
+                </a:solidFill>
+                <a:highlight>
+                  <a:srgbClr val="1E1E1E"/>
+                </a:highlight>
+                <a:latin typeface="Courier New"/>
+                <a:ea typeface="Courier New"/>
+                <a:cs typeface="Courier New"/>
+                <a:sym typeface="Courier New"/>
+              </a:rPr>
+              <a:t>=</a:t>
+            </a:r>
+            <a:r>
+              <a:rPr lang="ja">
+                <a:solidFill>
+                  <a:srgbClr val="CE9178"/>
+                </a:solidFill>
+                <a:highlight>
+                  <a:srgbClr val="1E1E1E"/>
+                </a:highlight>
+                <a:latin typeface="Courier New"/>
+                <a:ea typeface="Courier New"/>
+                <a:cs typeface="Courier New"/>
+                <a:sym typeface="Courier New"/>
+              </a:rPr>
+              <a:t>"abbreviation"</a:t>
+            </a:r>
+            <a:r>
+              <a:rPr lang="ja">
+                <a:solidFill>
+                  <a:srgbClr val="D4D4D4"/>
+                </a:solidFill>
+                <a:highlight>
+                  <a:srgbClr val="1E1E1E"/>
+                </a:highlight>
+                <a:latin typeface="Courier New"/>
+                <a:ea typeface="Courier New"/>
+                <a:cs typeface="Courier New"/>
+                <a:sym typeface="Courier New"/>
+              </a:rPr>
+              <a:t> </a:t>
+            </a:r>
+            <a:r>
+              <a:rPr lang="ja">
+                <a:solidFill>
+                  <a:srgbClr val="9CDCFE"/>
+                </a:solidFill>
+                <a:highlight>
+                  <a:srgbClr val="1E1E1E"/>
+                </a:highlight>
+                <a:latin typeface="Courier New"/>
+                <a:ea typeface="Courier New"/>
+                <a:cs typeface="Courier New"/>
+                <a:sym typeface="Courier New"/>
+              </a:rPr>
+              <a:t>value</a:t>
+            </a:r>
+            <a:r>
+              <a:rPr lang="ja">
+                <a:solidFill>
+                  <a:srgbClr val="D4D4D4"/>
+                </a:solidFill>
+                <a:highlight>
+                  <a:srgbClr val="1E1E1E"/>
+                </a:highlight>
+                <a:latin typeface="Courier New"/>
+                <a:ea typeface="Courier New"/>
+                <a:cs typeface="Courier New"/>
+                <a:sym typeface="Courier New"/>
+              </a:rPr>
+              <a:t>=</a:t>
+            </a:r>
+            <a:r>
+              <a:rPr lang="ja">
+                <a:solidFill>
+                  <a:srgbClr val="CE9178"/>
+                </a:solidFill>
+                <a:highlight>
+                  <a:srgbClr val="1E1E1E"/>
+                </a:highlight>
+                <a:latin typeface="Courier New"/>
+                <a:ea typeface="Courier New"/>
+                <a:cs typeface="Courier New"/>
+                <a:sym typeface="Courier New"/>
+              </a:rPr>
+              <a:t>"1"</a:t>
+            </a:r>
+            <a:r>
+              <a:rPr lang="ja">
+                <a:solidFill>
+                  <a:srgbClr val="D4D4D4"/>
+                </a:solidFill>
+                <a:highlight>
+                  <a:srgbClr val="1E1E1E"/>
+                </a:highlight>
+                <a:latin typeface="Courier New"/>
+                <a:ea typeface="Courier New"/>
+                <a:cs typeface="Courier New"/>
+                <a:sym typeface="Courier New"/>
+              </a:rPr>
+              <a:t> </a:t>
+            </a:r>
+            <a:r>
+              <a:rPr lang="ja">
+                <a:solidFill>
+                  <a:srgbClr val="569CD6"/>
+                </a:solidFill>
+                <a:highlight>
+                  <a:srgbClr val="1E1E1E"/>
+                </a:highlight>
+                <a:latin typeface="Courier New"/>
+                <a:ea typeface="Courier New"/>
+                <a:cs typeface="Courier New"/>
+                <a:sym typeface="Courier New"/>
+              </a:rPr>
+              <a:t>&lt;?php</a:t>
+            </a:r>
+            <a:r>
+              <a:rPr lang="ja">
+                <a:solidFill>
+                  <a:srgbClr val="D4D4D4"/>
+                </a:solidFill>
+                <a:highlight>
+                  <a:srgbClr val="1E1E1E"/>
+                </a:highlight>
+                <a:latin typeface="Courier New"/>
+                <a:ea typeface="Courier New"/>
+                <a:cs typeface="Courier New"/>
+                <a:sym typeface="Courier New"/>
+              </a:rPr>
+              <a:t> </a:t>
+            </a:r>
+            <a:r>
+              <a:rPr lang="ja">
+                <a:solidFill>
+                  <a:srgbClr val="C586C0"/>
+                </a:solidFill>
+                <a:highlight>
+                  <a:srgbClr val="1E1E1E"/>
+                </a:highlight>
+                <a:latin typeface="Courier New"/>
+                <a:ea typeface="Courier New"/>
+                <a:cs typeface="Courier New"/>
+                <a:sym typeface="Courier New"/>
+              </a:rPr>
+              <a:t>if</a:t>
+            </a:r>
+            <a:r>
+              <a:rPr lang="ja">
+                <a:solidFill>
+                  <a:srgbClr val="D4D4D4"/>
+                </a:solidFill>
+                <a:highlight>
+                  <a:srgbClr val="1E1E1E"/>
+                </a:highlight>
+                <a:latin typeface="Courier New"/>
+                <a:ea typeface="Courier New"/>
+                <a:cs typeface="Courier New"/>
+                <a:sym typeface="Courier New"/>
+              </a:rPr>
+              <a:t>(</a:t>
+            </a:r>
+            <a:r>
+              <a:rPr lang="ja">
+                <a:solidFill>
+                  <a:srgbClr val="9CDCFE"/>
+                </a:solidFill>
+                <a:highlight>
+                  <a:srgbClr val="1E1E1E"/>
+                </a:highlight>
+                <a:latin typeface="Courier New"/>
+                <a:ea typeface="Courier New"/>
+                <a:cs typeface="Courier New"/>
+                <a:sym typeface="Courier New"/>
+              </a:rPr>
+              <a:t>$abbreviation</a:t>
+            </a:r>
+            <a:r>
+              <a:rPr lang="ja">
+                <a:solidFill>
+                  <a:srgbClr val="D4D4D4"/>
+                </a:solidFill>
+                <a:highlight>
+                  <a:srgbClr val="1E1E1E"/>
+                </a:highlight>
+                <a:latin typeface="Courier New"/>
+                <a:ea typeface="Courier New"/>
+                <a:cs typeface="Courier New"/>
+                <a:sym typeface="Courier New"/>
+              </a:rPr>
+              <a:t> == </a:t>
+            </a:r>
+            <a:r>
+              <a:rPr lang="ja">
+                <a:solidFill>
+                  <a:srgbClr val="B5CEA8"/>
+                </a:solidFill>
+                <a:highlight>
+                  <a:srgbClr val="1E1E1E"/>
+                </a:highlight>
+                <a:latin typeface="Courier New"/>
+                <a:ea typeface="Courier New"/>
+                <a:cs typeface="Courier New"/>
+                <a:sym typeface="Courier New"/>
+              </a:rPr>
+              <a:t>1</a:t>
+            </a:r>
+            <a:r>
+              <a:rPr lang="ja">
+                <a:solidFill>
+                  <a:srgbClr val="D4D4D4"/>
+                </a:solidFill>
+                <a:highlight>
+                  <a:srgbClr val="1E1E1E"/>
+                </a:highlight>
+                <a:latin typeface="Courier New"/>
+                <a:ea typeface="Courier New"/>
+                <a:cs typeface="Courier New"/>
+                <a:sym typeface="Courier New"/>
+              </a:rPr>
+              <a:t>) { </a:t>
+            </a:r>
+            <a:r>
+              <a:rPr lang="ja">
+                <a:solidFill>
+                  <a:srgbClr val="569CD6"/>
+                </a:solidFill>
+                <a:highlight>
+                  <a:srgbClr val="1E1E1E"/>
+                </a:highlight>
+                <a:latin typeface="Courier New"/>
+                <a:ea typeface="Courier New"/>
+                <a:cs typeface="Courier New"/>
+                <a:sym typeface="Courier New"/>
+              </a:rPr>
+              <a:t>?&gt;</a:t>
+            </a:r>
+            <a:r>
+              <a:rPr lang="ja">
+                <a:solidFill>
+                  <a:srgbClr val="D4D4D4"/>
+                </a:solidFill>
+                <a:highlight>
+                  <a:srgbClr val="1E1E1E"/>
+                </a:highlight>
+                <a:latin typeface="Courier New"/>
+                <a:ea typeface="Courier New"/>
+                <a:cs typeface="Courier New"/>
+                <a:sym typeface="Courier New"/>
+              </a:rPr>
+              <a:t> </a:t>
+            </a:r>
+            <a:r>
+              <a:rPr lang="ja">
+                <a:solidFill>
+                  <a:srgbClr val="9CDCFE"/>
+                </a:solidFill>
+                <a:highlight>
+                  <a:srgbClr val="1E1E1E"/>
+                </a:highlight>
+                <a:latin typeface="Courier New"/>
+                <a:ea typeface="Courier New"/>
+                <a:cs typeface="Courier New"/>
+                <a:sym typeface="Courier New"/>
+              </a:rPr>
+              <a:t>checked</a:t>
+            </a:r>
+            <a:r>
+              <a:rPr lang="ja">
+                <a:solidFill>
+                  <a:srgbClr val="D4D4D4"/>
+                </a:solidFill>
+                <a:highlight>
+                  <a:srgbClr val="1E1E1E"/>
+                </a:highlight>
+                <a:latin typeface="Courier New"/>
+                <a:ea typeface="Courier New"/>
+                <a:cs typeface="Courier New"/>
+                <a:sym typeface="Courier New"/>
+              </a:rPr>
+              <a:t>=</a:t>
+            </a:r>
+            <a:r>
+              <a:rPr lang="ja">
+                <a:solidFill>
+                  <a:srgbClr val="CE9178"/>
+                </a:solidFill>
+                <a:highlight>
+                  <a:srgbClr val="1E1E1E"/>
+                </a:highlight>
+                <a:latin typeface="Courier New"/>
+                <a:ea typeface="Courier New"/>
+                <a:cs typeface="Courier New"/>
+                <a:sym typeface="Courier New"/>
+              </a:rPr>
+              <a:t>"checked"</a:t>
+            </a:r>
+            <a:r>
+              <a:rPr lang="ja">
+                <a:solidFill>
+                  <a:srgbClr val="D4D4D4"/>
+                </a:solidFill>
+                <a:highlight>
+                  <a:srgbClr val="1E1E1E"/>
+                </a:highlight>
+                <a:latin typeface="Courier New"/>
+                <a:ea typeface="Courier New"/>
+                <a:cs typeface="Courier New"/>
+                <a:sym typeface="Courier New"/>
+              </a:rPr>
+              <a:t> </a:t>
+            </a:r>
+            <a:r>
+              <a:rPr lang="ja">
+                <a:solidFill>
+                  <a:srgbClr val="569CD6"/>
+                </a:solidFill>
+                <a:highlight>
+                  <a:srgbClr val="1E1E1E"/>
+                </a:highlight>
+                <a:latin typeface="Courier New"/>
+                <a:ea typeface="Courier New"/>
+                <a:cs typeface="Courier New"/>
+                <a:sym typeface="Courier New"/>
+              </a:rPr>
+              <a:t>&lt;?php</a:t>
+            </a:r>
+            <a:r>
+              <a:rPr lang="ja">
+                <a:solidFill>
+                  <a:srgbClr val="D4D4D4"/>
+                </a:solidFill>
+                <a:highlight>
+                  <a:srgbClr val="1E1E1E"/>
+                </a:highlight>
+                <a:latin typeface="Courier New"/>
+                <a:ea typeface="Courier New"/>
+                <a:cs typeface="Courier New"/>
+                <a:sym typeface="Courier New"/>
+              </a:rPr>
+              <a:t> } </a:t>
+            </a:r>
+            <a:r>
+              <a:rPr lang="ja">
+                <a:solidFill>
+                  <a:srgbClr val="569CD6"/>
+                </a:solidFill>
+                <a:highlight>
+                  <a:srgbClr val="1E1E1E"/>
+                </a:highlight>
+                <a:latin typeface="Courier New"/>
+                <a:ea typeface="Courier New"/>
+                <a:cs typeface="Courier New"/>
+                <a:sym typeface="Courier New"/>
+              </a:rPr>
+              <a:t>?&gt;</a:t>
+            </a:r>
+            <a:r>
+              <a:rPr lang="ja">
+                <a:solidFill>
+                  <a:srgbClr val="808080"/>
+                </a:solidFill>
+                <a:highlight>
+                  <a:srgbClr val="1E1E1E"/>
+                </a:highlight>
+                <a:latin typeface="Courier New"/>
+                <a:ea typeface="Courier New"/>
+                <a:cs typeface="Courier New"/>
+                <a:sym typeface="Courier New"/>
+              </a:rPr>
+              <a:t>&gt;</a:t>
+            </a:r>
+            <a:endParaRPr>
+              <a:solidFill>
+                <a:srgbClr val="808080"/>
+              </a:solidFill>
+              <a:highlight>
+                <a:srgbClr val="1E1E1E"/>
+              </a:highlight>
+              <a:latin typeface="Courier New"/>
+              <a:ea typeface="Courier New"/>
+              <a:cs typeface="Courier New"/>
+              <a:sym typeface="Courier New"/>
+            </a:endParaRPr>
+          </a:p>
+          <a:p>
+            <a:pPr indent="0" lvl="0" marL="0" rtl="0" algn="l">
+              <a:lnSpc>
+                <a:spcPct val="150000"/>
+              </a:lnSpc>
+              <a:spcBef>
+                <a:spcPts val="0"/>
+              </a:spcBef>
+              <a:spcAft>
+                <a:spcPts val="0"/>
+              </a:spcAft>
+              <a:buNone/>
+            </a:pPr>
+            <a:r>
+              <a:t/>
+            </a:r>
+            <a:endParaRPr sz="1900">
+              <a:solidFill>
+                <a:srgbClr val="C586C0"/>
+              </a:solidFill>
+              <a:highlight>
+                <a:srgbClr val="1E1E1E"/>
+              </a:highlight>
+              <a:latin typeface="Courier New"/>
+              <a:ea typeface="Courier New"/>
+              <a:cs typeface="Courier New"/>
+              <a:sym typeface="Courier New"/>
+            </a:endParaRPr>
+          </a:p>
+          <a:p>
+            <a:pPr indent="0" lvl="0" marL="0" rtl="0" algn="l">
+              <a:spcBef>
+                <a:spcPts val="0"/>
+              </a:spcBef>
+              <a:spcAft>
+                <a:spcPts val="1600"/>
+              </a:spcAft>
+              <a:buNone/>
+            </a:pPr>
+            <a:r>
+              <a:rPr lang="ja" sz="2700"/>
+              <a:t>略称にするかそのままの項目名にするかcheckboxを作る。</a:t>
+            </a:r>
+            <a:endParaRPr sz="2700"/>
           </a:p>
         </p:txBody>
       </p:sp>
